--- a/001. 세미나 자료/02.2015/03. 3차시/20150305_DuhyunHwang_programmingSeminar.pptx
+++ b/001. 세미나 자료/02.2015/03. 3차시/20150305_DuhyunHwang_programmingSeminar.pptx
@@ -5,10 +5,10 @@
     <p:sldMasterId id="2147483672" r:id="rId1"/>
   </p:sldMasterIdLst>
   <p:notesMasterIdLst>
-    <p:notesMasterId r:id="rId12"/>
+    <p:notesMasterId r:id="rId14"/>
   </p:notesMasterIdLst>
   <p:handoutMasterIdLst>
-    <p:handoutMasterId r:id="rId13"/>
+    <p:handoutMasterId r:id="rId15"/>
   </p:handoutMasterIdLst>
   <p:sldIdLst>
     <p:sldId id="256" r:id="rId2"/>
@@ -18,12 +18,14 @@
     <p:sldId id="285" r:id="rId6"/>
     <p:sldId id="286" r:id="rId7"/>
     <p:sldId id="279" r:id="rId8"/>
-    <p:sldId id="278" r:id="rId9"/>
-    <p:sldId id="280" r:id="rId10"/>
-    <p:sldId id="258" r:id="rId11"/>
+    <p:sldId id="287" r:id="rId9"/>
+    <p:sldId id="288" r:id="rId10"/>
+    <p:sldId id="278" r:id="rId11"/>
+    <p:sldId id="280" r:id="rId12"/>
+    <p:sldId id="258" r:id="rId13"/>
   </p:sldIdLst>
   <p:sldSz cx="12192000" cy="6858000"/>
-  <p:notesSz cx="6858000" cy="9144000"/>
+  <p:notesSz cx="6805613" cy="9939338"/>
   <p:defaultTextStyle>
     <a:defPPr>
       <a:defRPr lang="ko-KR"/>
@@ -162,7 +164,7 @@
         <p:spPr>
           <a:xfrm>
             <a:off x="0" y="0"/>
-            <a:ext cx="2971800" cy="458788"/>
+            <a:ext cx="2949099" cy="498693"/>
           </a:xfrm>
           <a:prstGeom prst="rect">
             <a:avLst/>
@@ -192,8 +194,8 @@
         </p:nvSpPr>
         <p:spPr>
           <a:xfrm>
-            <a:off x="3884613" y="0"/>
-            <a:ext cx="2971800" cy="458788"/>
+            <a:off x="3854939" y="0"/>
+            <a:ext cx="2949099" cy="498693"/>
           </a:xfrm>
           <a:prstGeom prst="rect">
             <a:avLst/>
@@ -227,8 +229,8 @@
         </p:nvSpPr>
         <p:spPr>
           <a:xfrm>
-            <a:off x="0" y="8685213"/>
-            <a:ext cx="2971800" cy="458787"/>
+            <a:off x="0" y="9440647"/>
+            <a:ext cx="2949099" cy="498692"/>
           </a:xfrm>
           <a:prstGeom prst="rect">
             <a:avLst/>
@@ -258,8 +260,8 @@
         </p:nvSpPr>
         <p:spPr>
           <a:xfrm>
-            <a:off x="3884613" y="8685213"/>
-            <a:ext cx="2971800" cy="458787"/>
+            <a:off x="3854939" y="9440647"/>
+            <a:ext cx="2949099" cy="498692"/>
           </a:xfrm>
           <a:prstGeom prst="rect">
             <a:avLst/>
@@ -328,7 +330,7 @@
         <p:spPr>
           <a:xfrm>
             <a:off x="0" y="0"/>
-            <a:ext cx="2971800" cy="458788"/>
+            <a:ext cx="2949099" cy="498693"/>
           </a:xfrm>
           <a:prstGeom prst="rect">
             <a:avLst/>
@@ -358,8 +360,8 @@
         </p:nvSpPr>
         <p:spPr>
           <a:xfrm>
-            <a:off x="3884613" y="0"/>
-            <a:ext cx="2971800" cy="458788"/>
+            <a:off x="3854939" y="0"/>
+            <a:ext cx="2949099" cy="498693"/>
           </a:xfrm>
           <a:prstGeom prst="rect">
             <a:avLst/>
@@ -393,8 +395,8 @@
         </p:nvSpPr>
         <p:spPr>
           <a:xfrm>
-            <a:off x="685800" y="1143000"/>
-            <a:ext cx="5486400" cy="3086100"/>
+            <a:off x="422275" y="1243013"/>
+            <a:ext cx="5961063" cy="3354387"/>
           </a:xfrm>
           <a:prstGeom prst="rect">
             <a:avLst/>
@@ -426,8 +428,8 @@
         </p:nvSpPr>
         <p:spPr>
           <a:xfrm>
-            <a:off x="685800" y="4400550"/>
-            <a:ext cx="5486400" cy="3600450"/>
+            <a:off x="680562" y="4783307"/>
+            <a:ext cx="5444490" cy="3913614"/>
           </a:xfrm>
           <a:prstGeom prst="rect">
             <a:avLst/>
@@ -486,8 +488,8 @@
         </p:nvSpPr>
         <p:spPr>
           <a:xfrm>
-            <a:off x="0" y="8685213"/>
-            <a:ext cx="2971800" cy="458787"/>
+            <a:off x="0" y="9440647"/>
+            <a:ext cx="2949099" cy="498692"/>
           </a:xfrm>
           <a:prstGeom prst="rect">
             <a:avLst/>
@@ -517,8 +519,8 @@
         </p:nvSpPr>
         <p:spPr>
           <a:xfrm>
-            <a:off x="3884613" y="8685213"/>
-            <a:ext cx="2971800" cy="458787"/>
+            <a:off x="3854939" y="9440647"/>
+            <a:ext cx="2949099" cy="498692"/>
           </a:xfrm>
           <a:prstGeom prst="rect">
             <a:avLst/>
@@ -673,8 +675,8 @@
         </p:nvSpPr>
         <p:spPr>
           <a:xfrm>
-            <a:off x="685800" y="1143000"/>
-            <a:ext cx="5486400" cy="3086100"/>
+            <a:off x="422275" y="1243013"/>
+            <a:ext cx="5961063" cy="3354387"/>
           </a:xfrm>
         </p:spPr>
       </p:sp>
@@ -739,8 +741,144 @@
         </p:nvSpPr>
         <p:spPr>
           <a:xfrm>
-            <a:off x="685800" y="1143000"/>
-            <a:ext cx="5486400" cy="3086100"/>
+            <a:off x="422275" y="1243013"/>
+            <a:ext cx="5961063" cy="3354387"/>
+          </a:xfrm>
+        </p:spPr>
+      </p:sp>
+      <p:sp>
+        <p:nvSpPr>
+          <p:cNvPr id="3" name="슬라이드 노트 개체 틀 2"/>
+          <p:cNvSpPr>
+            <a:spLocks noGrp="1"/>
+          </p:cNvSpPr>
+          <p:nvPr>
+            <p:ph type="body" idx="1"/>
+          </p:nvPr>
+        </p:nvSpPr>
+        <p:spPr/>
+        <p:txBody>
+          <a:bodyPr/>
+          <a:lstStyle/>
+          <a:p>
+            <a:endParaRPr lang="ko-KR" altLang="en-US" dirty="0"/>
+          </a:p>
+        </p:txBody>
+      </p:sp>
+    </p:spTree>
+    <p:extLst>
+      <p:ext uri="{BB962C8B-B14F-4D97-AF65-F5344CB8AC3E}">
+        <p14:creationId xmlns:p14="http://schemas.microsoft.com/office/powerpoint/2010/main" val="2926715077"/>
+      </p:ext>
+    </p:extLst>
+  </p:cSld>
+  <p:clrMapOvr>
+    <a:masterClrMapping/>
+  </p:clrMapOvr>
+</p:notes>
+</file>
+
+<file path=ppt/notesSlides/notesSlide11.xml><?xml version="1.0" encoding="utf-8"?>
+<p:notes xmlns:a="http://schemas.openxmlformats.org/drawingml/2006/main" xmlns:r="http://schemas.openxmlformats.org/officeDocument/2006/relationships" xmlns:p="http://schemas.openxmlformats.org/presentationml/2006/main">
+  <p:cSld>
+    <p:spTree>
+      <p:nvGrpSpPr>
+        <p:cNvPr id="1" name=""/>
+        <p:cNvGrpSpPr/>
+        <p:nvPr/>
+      </p:nvGrpSpPr>
+      <p:grpSpPr>
+        <a:xfrm>
+          <a:off x="0" y="0"/>
+          <a:ext cx="0" cy="0"/>
+          <a:chOff x="0" y="0"/>
+          <a:chExt cx="0" cy="0"/>
+        </a:xfrm>
+      </p:grpSpPr>
+      <p:sp>
+        <p:nvSpPr>
+          <p:cNvPr id="2" name="슬라이드 이미지 개체 틀 1"/>
+          <p:cNvSpPr>
+            <a:spLocks noGrp="1" noRot="1" noChangeAspect="1"/>
+          </p:cNvSpPr>
+          <p:nvPr>
+            <p:ph type="sldImg"/>
+          </p:nvPr>
+        </p:nvSpPr>
+        <p:spPr>
+          <a:xfrm>
+            <a:off x="422275" y="1243013"/>
+            <a:ext cx="5961063" cy="3354387"/>
+          </a:xfrm>
+        </p:spPr>
+      </p:sp>
+      <p:sp>
+        <p:nvSpPr>
+          <p:cNvPr id="3" name="슬라이드 노트 개체 틀 2"/>
+          <p:cNvSpPr>
+            <a:spLocks noGrp="1"/>
+          </p:cNvSpPr>
+          <p:nvPr>
+            <p:ph type="body" idx="1"/>
+          </p:nvPr>
+        </p:nvSpPr>
+        <p:spPr/>
+        <p:txBody>
+          <a:bodyPr/>
+          <a:lstStyle/>
+          <a:p>
+            <a:r>
+              <a:rPr lang="ko-KR" altLang="en-US" dirty="0" smtClean="0"/>
+              <a:t>메모리 주소를 공유</a:t>
+            </a:r>
+            <a:endParaRPr lang="ko-KR" altLang="en-US" dirty="0"/>
+          </a:p>
+        </p:txBody>
+      </p:sp>
+    </p:spTree>
+    <p:extLst>
+      <p:ext uri="{BB962C8B-B14F-4D97-AF65-F5344CB8AC3E}">
+        <p14:creationId xmlns:p14="http://schemas.microsoft.com/office/powerpoint/2010/main" val="817037089"/>
+      </p:ext>
+    </p:extLst>
+  </p:cSld>
+  <p:clrMapOvr>
+    <a:masterClrMapping/>
+  </p:clrMapOvr>
+</p:notes>
+</file>
+
+<file path=ppt/notesSlides/notesSlide12.xml><?xml version="1.0" encoding="utf-8"?>
+<p:notes xmlns:a="http://schemas.openxmlformats.org/drawingml/2006/main" xmlns:r="http://schemas.openxmlformats.org/officeDocument/2006/relationships" xmlns:p="http://schemas.openxmlformats.org/presentationml/2006/main">
+  <p:cSld>
+    <p:spTree>
+      <p:nvGrpSpPr>
+        <p:cNvPr id="1" name=""/>
+        <p:cNvGrpSpPr/>
+        <p:nvPr/>
+      </p:nvGrpSpPr>
+      <p:grpSpPr>
+        <a:xfrm>
+          <a:off x="0" y="0"/>
+          <a:ext cx="0" cy="0"/>
+          <a:chOff x="0" y="0"/>
+          <a:chExt cx="0" cy="0"/>
+        </a:xfrm>
+      </p:grpSpPr>
+      <p:sp>
+        <p:nvSpPr>
+          <p:cNvPr id="2" name="슬라이드 이미지 개체 틀 1"/>
+          <p:cNvSpPr>
+            <a:spLocks noGrp="1" noRot="1" noChangeAspect="1"/>
+          </p:cNvSpPr>
+          <p:nvPr>
+            <p:ph type="sldImg"/>
+          </p:nvPr>
+        </p:nvSpPr>
+        <p:spPr>
+          <a:xfrm>
+            <a:off x="422275" y="1243013"/>
+            <a:ext cx="5961063" cy="3354387"/>
           </a:xfrm>
         </p:spPr>
       </p:sp>
@@ -805,8 +943,8 @@
         </p:nvSpPr>
         <p:spPr>
           <a:xfrm>
-            <a:off x="685800" y="1143000"/>
-            <a:ext cx="5486400" cy="3086100"/>
+            <a:off x="422275" y="1243013"/>
+            <a:ext cx="5961063" cy="3354387"/>
           </a:xfrm>
         </p:spPr>
       </p:sp>
@@ -871,8 +1009,8 @@
         </p:nvSpPr>
         <p:spPr>
           <a:xfrm>
-            <a:off x="685800" y="1143000"/>
-            <a:ext cx="5486400" cy="3086100"/>
+            <a:off x="422275" y="1243013"/>
+            <a:ext cx="5961063" cy="3354387"/>
           </a:xfrm>
         </p:spPr>
       </p:sp>
@@ -937,8 +1075,8 @@
         </p:nvSpPr>
         <p:spPr>
           <a:xfrm>
-            <a:off x="685800" y="1143000"/>
-            <a:ext cx="5486400" cy="3086100"/>
+            <a:off x="422275" y="1243013"/>
+            <a:ext cx="5961063" cy="3354387"/>
           </a:xfrm>
         </p:spPr>
       </p:sp>
@@ -1003,8 +1141,8 @@
         </p:nvSpPr>
         <p:spPr>
           <a:xfrm>
-            <a:off x="685800" y="1143000"/>
-            <a:ext cx="5486400" cy="3086100"/>
+            <a:off x="422275" y="1243013"/>
+            <a:ext cx="5961063" cy="3354387"/>
           </a:xfrm>
         </p:spPr>
       </p:sp>
@@ -1069,8 +1207,8 @@
         </p:nvSpPr>
         <p:spPr>
           <a:xfrm>
-            <a:off x="685800" y="1143000"/>
-            <a:ext cx="5486400" cy="3086100"/>
+            <a:off x="422275" y="1243013"/>
+            <a:ext cx="5961063" cy="3354387"/>
           </a:xfrm>
         </p:spPr>
       </p:sp>
@@ -1143,8 +1281,8 @@
         </p:nvSpPr>
         <p:spPr>
           <a:xfrm>
-            <a:off x="685800" y="1143000"/>
-            <a:ext cx="5486400" cy="3086100"/>
+            <a:off x="422275" y="1243013"/>
+            <a:ext cx="5961063" cy="3354387"/>
           </a:xfrm>
         </p:spPr>
       </p:sp>
@@ -1209,8 +1347,8 @@
         </p:nvSpPr>
         <p:spPr>
           <a:xfrm>
-            <a:off x="685800" y="1143000"/>
-            <a:ext cx="5486400" cy="3086100"/>
+            <a:off x="422275" y="1243013"/>
+            <a:ext cx="5961063" cy="3354387"/>
           </a:xfrm>
         </p:spPr>
       </p:sp>
@@ -1236,7 +1374,7 @@
     </p:spTree>
     <p:extLst>
       <p:ext uri="{BB962C8B-B14F-4D97-AF65-F5344CB8AC3E}">
-        <p14:creationId xmlns:p14="http://schemas.microsoft.com/office/powerpoint/2010/main" val="2926715077"/>
+        <p14:creationId xmlns:p14="http://schemas.microsoft.com/office/powerpoint/2010/main" val="1044294229"/>
       </p:ext>
     </p:extLst>
   </p:cSld>
@@ -1275,8 +1413,8 @@
         </p:nvSpPr>
         <p:spPr>
           <a:xfrm>
-            <a:off x="685800" y="1143000"/>
-            <a:ext cx="5486400" cy="3086100"/>
+            <a:off x="422275" y="1243013"/>
+            <a:ext cx="5961063" cy="3354387"/>
           </a:xfrm>
         </p:spPr>
       </p:sp>
@@ -1295,10 +1433,6 @@
           <a:bodyPr/>
           <a:lstStyle/>
           <a:p>
-            <a:r>
-              <a:rPr lang="ko-KR" altLang="en-US" dirty="0" smtClean="0"/>
-              <a:t>메모리 주소를 공유</a:t>
-            </a:r>
             <a:endParaRPr lang="ko-KR" altLang="en-US" dirty="0"/>
           </a:p>
         </p:txBody>
@@ -1306,7 +1440,7 @@
     </p:spTree>
     <p:extLst>
       <p:ext uri="{BB962C8B-B14F-4D97-AF65-F5344CB8AC3E}">
-        <p14:creationId xmlns:p14="http://schemas.microsoft.com/office/powerpoint/2010/main" val="817037089"/>
+        <p14:creationId xmlns:p14="http://schemas.microsoft.com/office/powerpoint/2010/main" val="140087931"/>
       </p:ext>
     </p:extLst>
   </p:cSld>
@@ -4636,6 +4770,3299 @@
           <a:chExt cx="0" cy="0"/>
         </a:xfrm>
       </p:grpSpPr>
+      <p:cxnSp>
+        <p:nvCxnSpPr>
+          <p:cNvPr id="2" name="직선 연결선 1"/>
+          <p:cNvCxnSpPr/>
+          <p:nvPr/>
+        </p:nvCxnSpPr>
+        <p:spPr>
+          <a:xfrm>
+            <a:off x="335499" y="260291"/>
+            <a:ext cx="11525387" cy="0"/>
+          </a:xfrm>
+          <a:prstGeom prst="line">
+            <a:avLst/>
+          </a:prstGeom>
+          <a:ln w="3175">
+            <a:solidFill>
+              <a:srgbClr val="68727E"/>
+            </a:solidFill>
+          </a:ln>
+        </p:spPr>
+        <p:style>
+          <a:lnRef idx="1">
+            <a:schemeClr val="accent1"/>
+          </a:lnRef>
+          <a:fillRef idx="0">
+            <a:schemeClr val="accent1"/>
+          </a:fillRef>
+          <a:effectRef idx="0">
+            <a:schemeClr val="accent1"/>
+          </a:effectRef>
+          <a:fontRef idx="minor">
+            <a:schemeClr val="tx1"/>
+          </a:fontRef>
+        </p:style>
+      </p:cxnSp>
+      <p:cxnSp>
+        <p:nvCxnSpPr>
+          <p:cNvPr id="3" name="직선 연결선 2"/>
+          <p:cNvCxnSpPr/>
+          <p:nvPr/>
+        </p:nvCxnSpPr>
+        <p:spPr>
+          <a:xfrm>
+            <a:off x="335499" y="1271494"/>
+            <a:ext cx="11525387" cy="0"/>
+          </a:xfrm>
+          <a:prstGeom prst="line">
+            <a:avLst/>
+          </a:prstGeom>
+          <a:ln w="3175">
+            <a:solidFill>
+              <a:srgbClr val="68727E"/>
+            </a:solidFill>
+          </a:ln>
+        </p:spPr>
+        <p:style>
+          <a:lnRef idx="1">
+            <a:schemeClr val="accent1"/>
+          </a:lnRef>
+          <a:fillRef idx="0">
+            <a:schemeClr val="accent1"/>
+          </a:fillRef>
+          <a:effectRef idx="0">
+            <a:schemeClr val="accent1"/>
+          </a:effectRef>
+          <a:fontRef idx="minor">
+            <a:schemeClr val="tx1"/>
+          </a:fontRef>
+        </p:style>
+      </p:cxnSp>
+      <p:sp>
+        <p:nvSpPr>
+          <p:cNvPr id="4" name="TextBox 3"/>
+          <p:cNvSpPr txBox="1"/>
+          <p:nvPr/>
+        </p:nvSpPr>
+        <p:spPr>
+          <a:xfrm>
+            <a:off x="335497" y="437560"/>
+            <a:ext cx="11525387" cy="369332"/>
+          </a:xfrm>
+          <a:prstGeom prst="rect">
+            <a:avLst/>
+          </a:prstGeom>
+          <a:noFill/>
+        </p:spPr>
+        <p:txBody>
+          <a:bodyPr wrap="square" rtlCol="0">
+            <a:spAutoFit/>
+          </a:bodyPr>
+          <a:lstStyle/>
+          <a:p>
+            <a:pPr>
+              <a:lnSpc>
+                <a:spcPct val="90000"/>
+              </a:lnSpc>
+            </a:pPr>
+            <a:r>
+              <a:rPr lang="en-US" altLang="ko-KR" sz="2000" dirty="0" smtClean="0">
+                <a:gradFill>
+                  <a:gsLst>
+                    <a:gs pos="0">
+                      <a:srgbClr val="C00000"/>
+                    </a:gs>
+                    <a:gs pos="100000">
+                      <a:srgbClr val="C00000"/>
+                    </a:gs>
+                  </a:gsLst>
+                  <a:lin ang="5400000" scaled="0"/>
+                </a:gradFill>
+                <a:latin typeface="HY견명조" panose="02030600000101010101" pitchFamily="18" charset="-127"/>
+                <a:ea typeface="HY견명조" panose="02030600000101010101" pitchFamily="18" charset="-127"/>
+              </a:rPr>
+              <a:t>4. Structure</a:t>
+            </a:r>
+            <a:endParaRPr lang="ko-KR" altLang="en-US" sz="2000" dirty="0">
+              <a:gradFill>
+                <a:gsLst>
+                  <a:gs pos="0">
+                    <a:srgbClr val="C00000"/>
+                  </a:gs>
+                  <a:gs pos="100000">
+                    <a:srgbClr val="C00000"/>
+                  </a:gs>
+                </a:gsLst>
+                <a:lin ang="5400000" scaled="0"/>
+              </a:gradFill>
+              <a:latin typeface="HY견명조" panose="02030600000101010101" pitchFamily="18" charset="-127"/>
+              <a:ea typeface="HY견명조" panose="02030600000101010101" pitchFamily="18" charset="-127"/>
+            </a:endParaRPr>
+          </a:p>
+        </p:txBody>
+      </p:sp>
+      <p:sp>
+        <p:nvSpPr>
+          <p:cNvPr id="8" name="슬라이드 번호 개체 틀 7"/>
+          <p:cNvSpPr>
+            <a:spLocks noGrp="1"/>
+          </p:cNvSpPr>
+          <p:nvPr>
+            <p:ph type="sldNum" sz="quarter" idx="12"/>
+          </p:nvPr>
+        </p:nvSpPr>
+        <p:spPr/>
+        <p:txBody>
+          <a:bodyPr/>
+          <a:lstStyle/>
+          <a:p>
+            <a:fld id="{2E4EDC03-0EA7-4885-89F1-D70FDD3585C5}" type="slidenum">
+              <a:rPr lang="ko-KR" altLang="en-US" smtClean="0"/>
+              <a:t>10</a:t>
+            </a:fld>
+            <a:endParaRPr lang="ko-KR" altLang="en-US" dirty="0"/>
+          </a:p>
+        </p:txBody>
+      </p:sp>
+      <p:cxnSp>
+        <p:nvCxnSpPr>
+          <p:cNvPr id="26" name="직선 연결선 25"/>
+          <p:cNvCxnSpPr/>
+          <p:nvPr/>
+        </p:nvCxnSpPr>
+        <p:spPr>
+          <a:xfrm>
+            <a:off x="6092414" y="1525329"/>
+            <a:ext cx="0" cy="5078735"/>
+          </a:xfrm>
+          <a:prstGeom prst="line">
+            <a:avLst/>
+          </a:prstGeom>
+          <a:ln>
+            <a:prstDash val="dash"/>
+          </a:ln>
+        </p:spPr>
+        <p:style>
+          <a:lnRef idx="1">
+            <a:schemeClr val="dk1"/>
+          </a:lnRef>
+          <a:fillRef idx="0">
+            <a:schemeClr val="dk1"/>
+          </a:fillRef>
+          <a:effectRef idx="0">
+            <a:schemeClr val="dk1"/>
+          </a:effectRef>
+          <a:fontRef idx="minor">
+            <a:schemeClr val="tx1"/>
+          </a:fontRef>
+        </p:style>
+      </p:cxnSp>
+      <p:sp>
+        <p:nvSpPr>
+          <p:cNvPr id="10" name="TextBox 9"/>
+          <p:cNvSpPr txBox="1"/>
+          <p:nvPr/>
+        </p:nvSpPr>
+        <p:spPr>
+          <a:xfrm>
+            <a:off x="335498" y="1277303"/>
+            <a:ext cx="5758414" cy="5444172"/>
+          </a:xfrm>
+          <a:prstGeom prst="rect">
+            <a:avLst/>
+          </a:prstGeom>
+          <a:noFill/>
+        </p:spPr>
+        <p:txBody>
+          <a:bodyPr wrap="square" rtlCol="0">
+            <a:normAutofit/>
+          </a:bodyPr>
+          <a:lstStyle/>
+          <a:p>
+            <a:pPr>
+              <a:lnSpc>
+                <a:spcPct val="150000"/>
+              </a:lnSpc>
+            </a:pPr>
+            <a:r>
+              <a:rPr lang="en-US" altLang="ko-KR" sz="1400" b="1" spc="-20" dirty="0" smtClean="0">
+                <a:gradFill>
+                  <a:gsLst>
+                    <a:gs pos="0">
+                      <a:schemeClr val="tx1">
+                        <a:lumMod val="75000"/>
+                        <a:lumOff val="25000"/>
+                      </a:schemeClr>
+                    </a:gs>
+                    <a:gs pos="50000">
+                      <a:schemeClr val="tx1">
+                        <a:lumMod val="75000"/>
+                        <a:lumOff val="25000"/>
+                      </a:schemeClr>
+                    </a:gs>
+                  </a:gsLst>
+                  <a:lin ang="5400000" scaled="0"/>
+                </a:gradFill>
+                <a:latin typeface="한컴 윤고딕 230" panose="02020603020101020101" pitchFamily="18" charset="-127"/>
+                <a:ea typeface="한컴 윤고딕 230" panose="02020603020101020101" pitchFamily="18" charset="-127"/>
+              </a:rPr>
+              <a:t>1. </a:t>
+            </a:r>
+            <a:r>
+              <a:rPr lang="ko-KR" altLang="en-US" sz="1400" b="1" spc="-20" dirty="0" smtClean="0">
+                <a:gradFill>
+                  <a:gsLst>
+                    <a:gs pos="0">
+                      <a:schemeClr val="tx1">
+                        <a:lumMod val="75000"/>
+                        <a:lumOff val="25000"/>
+                      </a:schemeClr>
+                    </a:gs>
+                    <a:gs pos="50000">
+                      <a:schemeClr val="tx1">
+                        <a:lumMod val="75000"/>
+                        <a:lumOff val="25000"/>
+                      </a:schemeClr>
+                    </a:gs>
+                  </a:gsLst>
+                  <a:lin ang="5400000" scaled="0"/>
+                </a:gradFill>
+                <a:latin typeface="한컴 윤고딕 230" panose="02020603020101020101" pitchFamily="18" charset="-127"/>
+                <a:ea typeface="한컴 윤고딕 230" panose="02020603020101020101" pitchFamily="18" charset="-127"/>
+              </a:rPr>
+              <a:t>함수인자로의 구조체</a:t>
+            </a:r>
+            <a:endParaRPr lang="en-US" altLang="ko-KR" sz="1400" b="1" spc="-20" dirty="0" smtClean="0">
+              <a:gradFill>
+                <a:gsLst>
+                  <a:gs pos="0">
+                    <a:schemeClr val="tx1">
+                      <a:lumMod val="75000"/>
+                      <a:lumOff val="25000"/>
+                    </a:schemeClr>
+                  </a:gs>
+                  <a:gs pos="50000">
+                    <a:schemeClr val="tx1">
+                      <a:lumMod val="75000"/>
+                      <a:lumOff val="25000"/>
+                    </a:schemeClr>
+                  </a:gs>
+                </a:gsLst>
+                <a:lin ang="5400000" scaled="0"/>
+              </a:gradFill>
+              <a:latin typeface="한컴 윤고딕 230" panose="02020603020101020101" pitchFamily="18" charset="-127"/>
+              <a:ea typeface="한컴 윤고딕 230" panose="02020603020101020101" pitchFamily="18" charset="-127"/>
+            </a:endParaRPr>
+          </a:p>
+          <a:p>
+            <a:pPr marL="742950" lvl="1" indent="-285750">
+              <a:lnSpc>
+                <a:spcPct val="150000"/>
+              </a:lnSpc>
+              <a:buFont typeface="Wingdings" panose="05000000000000000000" pitchFamily="2" charset="2"/>
+              <a:buChar char="ü"/>
+            </a:pPr>
+            <a:endParaRPr lang="en-US" altLang="ko-KR" sz="1200" spc="-20" dirty="0" smtClean="0">
+              <a:gradFill>
+                <a:gsLst>
+                  <a:gs pos="0">
+                    <a:schemeClr val="tx1">
+                      <a:lumMod val="75000"/>
+                      <a:lumOff val="25000"/>
+                    </a:schemeClr>
+                  </a:gs>
+                  <a:gs pos="50000">
+                    <a:schemeClr val="tx1">
+                      <a:lumMod val="75000"/>
+                      <a:lumOff val="25000"/>
+                    </a:schemeClr>
+                  </a:gs>
+                </a:gsLst>
+                <a:lin ang="5400000" scaled="0"/>
+              </a:gradFill>
+              <a:latin typeface="한컴 윤고딕 230" panose="02020603020101020101" pitchFamily="18" charset="-127"/>
+              <a:ea typeface="한컴 윤고딕 230" panose="02020603020101020101" pitchFamily="18" charset="-127"/>
+            </a:endParaRPr>
+          </a:p>
+          <a:p>
+            <a:pPr marL="742950" lvl="1" indent="-285750">
+              <a:lnSpc>
+                <a:spcPct val="150000"/>
+              </a:lnSpc>
+              <a:buFont typeface="Wingdings" panose="05000000000000000000" pitchFamily="2" charset="2"/>
+              <a:buChar char="ü"/>
+            </a:pPr>
+            <a:endParaRPr lang="en-US" altLang="ko-KR" sz="1200" spc="-20" dirty="0">
+              <a:gradFill>
+                <a:gsLst>
+                  <a:gs pos="0">
+                    <a:schemeClr val="tx1">
+                      <a:lumMod val="75000"/>
+                      <a:lumOff val="25000"/>
+                    </a:schemeClr>
+                  </a:gs>
+                  <a:gs pos="50000">
+                    <a:schemeClr val="tx1">
+                      <a:lumMod val="75000"/>
+                      <a:lumOff val="25000"/>
+                    </a:schemeClr>
+                  </a:gs>
+                </a:gsLst>
+                <a:lin ang="5400000" scaled="0"/>
+              </a:gradFill>
+              <a:latin typeface="한컴 윤고딕 230" panose="02020603020101020101" pitchFamily="18" charset="-127"/>
+              <a:ea typeface="한컴 윤고딕 230" panose="02020603020101020101" pitchFamily="18" charset="-127"/>
+            </a:endParaRPr>
+          </a:p>
+          <a:p>
+            <a:pPr marL="742950" lvl="1" indent="-285750">
+              <a:lnSpc>
+                <a:spcPct val="150000"/>
+              </a:lnSpc>
+              <a:buFont typeface="Wingdings" panose="05000000000000000000" pitchFamily="2" charset="2"/>
+              <a:buChar char="ü"/>
+            </a:pPr>
+            <a:endParaRPr lang="en-US" altLang="ko-KR" sz="1200" spc="-20" dirty="0" smtClean="0">
+              <a:gradFill>
+                <a:gsLst>
+                  <a:gs pos="0">
+                    <a:schemeClr val="tx1">
+                      <a:lumMod val="75000"/>
+                      <a:lumOff val="25000"/>
+                    </a:schemeClr>
+                  </a:gs>
+                  <a:gs pos="50000">
+                    <a:schemeClr val="tx1">
+                      <a:lumMod val="75000"/>
+                      <a:lumOff val="25000"/>
+                    </a:schemeClr>
+                  </a:gs>
+                </a:gsLst>
+                <a:lin ang="5400000" scaled="0"/>
+              </a:gradFill>
+              <a:latin typeface="한컴 윤고딕 230" panose="02020603020101020101" pitchFamily="18" charset="-127"/>
+              <a:ea typeface="한컴 윤고딕 230" panose="02020603020101020101" pitchFamily="18" charset="-127"/>
+            </a:endParaRPr>
+          </a:p>
+          <a:p>
+            <a:pPr marL="742950" lvl="1" indent="-285750">
+              <a:lnSpc>
+                <a:spcPct val="150000"/>
+              </a:lnSpc>
+              <a:buFont typeface="Wingdings" panose="05000000000000000000" pitchFamily="2" charset="2"/>
+              <a:buChar char="ü"/>
+            </a:pPr>
+            <a:endParaRPr lang="en-US" altLang="ko-KR" sz="1200" spc="-20" dirty="0">
+              <a:gradFill>
+                <a:gsLst>
+                  <a:gs pos="0">
+                    <a:schemeClr val="tx1">
+                      <a:lumMod val="75000"/>
+                      <a:lumOff val="25000"/>
+                    </a:schemeClr>
+                  </a:gs>
+                  <a:gs pos="50000">
+                    <a:schemeClr val="tx1">
+                      <a:lumMod val="75000"/>
+                      <a:lumOff val="25000"/>
+                    </a:schemeClr>
+                  </a:gs>
+                </a:gsLst>
+                <a:lin ang="5400000" scaled="0"/>
+              </a:gradFill>
+              <a:latin typeface="한컴 윤고딕 230" panose="02020603020101020101" pitchFamily="18" charset="-127"/>
+              <a:ea typeface="한컴 윤고딕 230" panose="02020603020101020101" pitchFamily="18" charset="-127"/>
+            </a:endParaRPr>
+          </a:p>
+          <a:p>
+            <a:pPr marL="742950" lvl="1" indent="-285750">
+              <a:lnSpc>
+                <a:spcPct val="150000"/>
+              </a:lnSpc>
+              <a:buFont typeface="Wingdings" panose="05000000000000000000" pitchFamily="2" charset="2"/>
+              <a:buChar char="ü"/>
+            </a:pPr>
+            <a:endParaRPr lang="en-US" altLang="ko-KR" sz="1200" spc="-20" dirty="0" smtClean="0">
+              <a:gradFill>
+                <a:gsLst>
+                  <a:gs pos="0">
+                    <a:schemeClr val="tx1">
+                      <a:lumMod val="75000"/>
+                      <a:lumOff val="25000"/>
+                    </a:schemeClr>
+                  </a:gs>
+                  <a:gs pos="50000">
+                    <a:schemeClr val="tx1">
+                      <a:lumMod val="75000"/>
+                      <a:lumOff val="25000"/>
+                    </a:schemeClr>
+                  </a:gs>
+                </a:gsLst>
+                <a:lin ang="5400000" scaled="0"/>
+              </a:gradFill>
+              <a:latin typeface="한컴 윤고딕 230" panose="02020603020101020101" pitchFamily="18" charset="-127"/>
+              <a:ea typeface="한컴 윤고딕 230" panose="02020603020101020101" pitchFamily="18" charset="-127"/>
+            </a:endParaRPr>
+          </a:p>
+          <a:p>
+            <a:pPr marL="742950" lvl="1" indent="-285750">
+              <a:lnSpc>
+                <a:spcPct val="150000"/>
+              </a:lnSpc>
+              <a:buFont typeface="Wingdings" panose="05000000000000000000" pitchFamily="2" charset="2"/>
+              <a:buChar char="ü"/>
+            </a:pPr>
+            <a:endParaRPr lang="en-US" altLang="ko-KR" sz="1200" spc="-20" dirty="0">
+              <a:gradFill>
+                <a:gsLst>
+                  <a:gs pos="0">
+                    <a:schemeClr val="tx1">
+                      <a:lumMod val="75000"/>
+                      <a:lumOff val="25000"/>
+                    </a:schemeClr>
+                  </a:gs>
+                  <a:gs pos="50000">
+                    <a:schemeClr val="tx1">
+                      <a:lumMod val="75000"/>
+                      <a:lumOff val="25000"/>
+                    </a:schemeClr>
+                  </a:gs>
+                </a:gsLst>
+                <a:lin ang="5400000" scaled="0"/>
+              </a:gradFill>
+              <a:latin typeface="한컴 윤고딕 230" panose="02020603020101020101" pitchFamily="18" charset="-127"/>
+              <a:ea typeface="한컴 윤고딕 230" panose="02020603020101020101" pitchFamily="18" charset="-127"/>
+            </a:endParaRPr>
+          </a:p>
+          <a:p>
+            <a:pPr marL="742950" lvl="1" indent="-285750">
+              <a:lnSpc>
+                <a:spcPct val="150000"/>
+              </a:lnSpc>
+              <a:buFont typeface="Wingdings" panose="05000000000000000000" pitchFamily="2" charset="2"/>
+              <a:buChar char="ü"/>
+            </a:pPr>
+            <a:endParaRPr lang="en-US" altLang="ko-KR" sz="1200" spc="-20" dirty="0" smtClean="0">
+              <a:gradFill>
+                <a:gsLst>
+                  <a:gs pos="0">
+                    <a:schemeClr val="tx1">
+                      <a:lumMod val="75000"/>
+                      <a:lumOff val="25000"/>
+                    </a:schemeClr>
+                  </a:gs>
+                  <a:gs pos="50000">
+                    <a:schemeClr val="tx1">
+                      <a:lumMod val="75000"/>
+                      <a:lumOff val="25000"/>
+                    </a:schemeClr>
+                  </a:gs>
+                </a:gsLst>
+                <a:lin ang="5400000" scaled="0"/>
+              </a:gradFill>
+              <a:latin typeface="한컴 윤고딕 230" panose="02020603020101020101" pitchFamily="18" charset="-127"/>
+              <a:ea typeface="한컴 윤고딕 230" panose="02020603020101020101" pitchFamily="18" charset="-127"/>
+            </a:endParaRPr>
+          </a:p>
+          <a:p>
+            <a:pPr marL="742950" lvl="1" indent="-285750">
+              <a:lnSpc>
+                <a:spcPct val="150000"/>
+              </a:lnSpc>
+              <a:buFont typeface="Wingdings" panose="05000000000000000000" pitchFamily="2" charset="2"/>
+              <a:buChar char="ü"/>
+            </a:pPr>
+            <a:r>
+              <a:rPr lang="ko-KR" altLang="en-US" sz="1200" spc="-20" dirty="0" smtClean="0">
+                <a:gradFill>
+                  <a:gsLst>
+                    <a:gs pos="0">
+                      <a:schemeClr val="tx1">
+                        <a:lumMod val="75000"/>
+                        <a:lumOff val="25000"/>
+                      </a:schemeClr>
+                    </a:gs>
+                    <a:gs pos="50000">
+                      <a:schemeClr val="tx1">
+                        <a:lumMod val="75000"/>
+                        <a:lumOff val="25000"/>
+                      </a:schemeClr>
+                    </a:gs>
+                  </a:gsLst>
+                  <a:lin ang="5400000" scaled="0"/>
+                </a:gradFill>
+                <a:latin typeface="한컴 윤고딕 230" panose="02020603020101020101" pitchFamily="18" charset="-127"/>
+                <a:ea typeface="한컴 윤고딕 230" panose="02020603020101020101" pitchFamily="18" charset="-127"/>
+              </a:rPr>
+              <a:t>인자 전달에 용이</a:t>
+            </a:r>
+            <a:endParaRPr lang="en-US" altLang="ko-KR" sz="1200" spc="-20" dirty="0" smtClean="0">
+              <a:gradFill>
+                <a:gsLst>
+                  <a:gs pos="0">
+                    <a:schemeClr val="tx1">
+                      <a:lumMod val="75000"/>
+                      <a:lumOff val="25000"/>
+                    </a:schemeClr>
+                  </a:gs>
+                  <a:gs pos="50000">
+                    <a:schemeClr val="tx1">
+                      <a:lumMod val="75000"/>
+                      <a:lumOff val="25000"/>
+                    </a:schemeClr>
+                  </a:gs>
+                </a:gsLst>
+                <a:lin ang="5400000" scaled="0"/>
+              </a:gradFill>
+              <a:latin typeface="한컴 윤고딕 230" panose="02020603020101020101" pitchFamily="18" charset="-127"/>
+              <a:ea typeface="한컴 윤고딕 230" panose="02020603020101020101" pitchFamily="18" charset="-127"/>
+            </a:endParaRPr>
+          </a:p>
+          <a:p>
+            <a:pPr marL="742950" lvl="1" indent="-285750">
+              <a:lnSpc>
+                <a:spcPct val="150000"/>
+              </a:lnSpc>
+              <a:buFont typeface="Wingdings" panose="05000000000000000000" pitchFamily="2" charset="2"/>
+              <a:buChar char="ü"/>
+            </a:pPr>
+            <a:endParaRPr lang="en-US" altLang="ko-KR" sz="1200" spc="-20" dirty="0" smtClean="0">
+              <a:gradFill>
+                <a:gsLst>
+                  <a:gs pos="0">
+                    <a:schemeClr val="tx1">
+                      <a:lumMod val="75000"/>
+                      <a:lumOff val="25000"/>
+                    </a:schemeClr>
+                  </a:gs>
+                  <a:gs pos="50000">
+                    <a:schemeClr val="tx1">
+                      <a:lumMod val="75000"/>
+                      <a:lumOff val="25000"/>
+                    </a:schemeClr>
+                  </a:gs>
+                </a:gsLst>
+                <a:lin ang="5400000" scaled="0"/>
+              </a:gradFill>
+              <a:latin typeface="한컴 윤고딕 230" panose="02020603020101020101" pitchFamily="18" charset="-127"/>
+              <a:ea typeface="한컴 윤고딕 230" panose="02020603020101020101" pitchFamily="18" charset="-127"/>
+            </a:endParaRPr>
+          </a:p>
+          <a:p>
+            <a:pPr>
+              <a:lnSpc>
+                <a:spcPct val="150000"/>
+              </a:lnSpc>
+            </a:pPr>
+            <a:r>
+              <a:rPr lang="en-US" altLang="ko-KR" sz="1400" b="1" spc="-20" dirty="0" smtClean="0">
+                <a:gradFill>
+                  <a:gsLst>
+                    <a:gs pos="0">
+                      <a:schemeClr val="tx1">
+                        <a:lumMod val="75000"/>
+                        <a:lumOff val="25000"/>
+                      </a:schemeClr>
+                    </a:gs>
+                    <a:gs pos="50000">
+                      <a:schemeClr val="tx1">
+                        <a:lumMod val="75000"/>
+                        <a:lumOff val="25000"/>
+                      </a:schemeClr>
+                    </a:gs>
+                  </a:gsLst>
+                  <a:lin ang="5400000" scaled="0"/>
+                </a:gradFill>
+                <a:latin typeface="한컴 윤고딕 230" panose="02020603020101020101" pitchFamily="18" charset="-127"/>
+                <a:ea typeface="한컴 윤고딕 230" panose="02020603020101020101" pitchFamily="18" charset="-127"/>
+              </a:rPr>
+              <a:t>2. </a:t>
+            </a:r>
+            <a:r>
+              <a:rPr lang="ko-KR" altLang="en-US" sz="1400" b="1" spc="-20" dirty="0" smtClean="0">
+                <a:gradFill>
+                  <a:gsLst>
+                    <a:gs pos="0">
+                      <a:schemeClr val="tx1">
+                        <a:lumMod val="75000"/>
+                        <a:lumOff val="25000"/>
+                      </a:schemeClr>
+                    </a:gs>
+                    <a:gs pos="50000">
+                      <a:schemeClr val="tx1">
+                        <a:lumMod val="75000"/>
+                        <a:lumOff val="25000"/>
+                      </a:schemeClr>
+                    </a:gs>
+                  </a:gsLst>
+                  <a:lin ang="5400000" scaled="0"/>
+                </a:gradFill>
+                <a:latin typeface="한컴 윤고딕 230" panose="02020603020101020101" pitchFamily="18" charset="-127"/>
+                <a:ea typeface="한컴 윤고딕 230" panose="02020603020101020101" pitchFamily="18" charset="-127"/>
+              </a:rPr>
+              <a:t>인자 전달 시 </a:t>
+            </a:r>
+            <a:r>
+              <a:rPr lang="en-US" altLang="ko-KR" sz="1400" b="1" spc="-20" dirty="0" smtClean="0">
+                <a:gradFill>
+                  <a:gsLst>
+                    <a:gs pos="0">
+                      <a:schemeClr val="tx1">
+                        <a:lumMod val="75000"/>
+                        <a:lumOff val="25000"/>
+                      </a:schemeClr>
+                    </a:gs>
+                    <a:gs pos="50000">
+                      <a:schemeClr val="tx1">
+                        <a:lumMod val="75000"/>
+                        <a:lumOff val="25000"/>
+                      </a:schemeClr>
+                    </a:gs>
+                  </a:gsLst>
+                  <a:lin ang="5400000" scaled="0"/>
+                </a:gradFill>
+                <a:latin typeface="한컴 윤고딕 230" panose="02020603020101020101" pitchFamily="18" charset="-127"/>
+                <a:ea typeface="한컴 윤고딕 230" panose="02020603020101020101" pitchFamily="18" charset="-127"/>
+              </a:rPr>
+              <a:t>“</a:t>
+            </a:r>
+            <a:r>
+              <a:rPr lang="ko-KR" altLang="en-US" sz="1400" b="1" spc="-20" dirty="0" smtClean="0">
+                <a:gradFill>
+                  <a:gsLst>
+                    <a:gs pos="0">
+                      <a:schemeClr val="tx1">
+                        <a:lumMod val="75000"/>
+                        <a:lumOff val="25000"/>
+                      </a:schemeClr>
+                    </a:gs>
+                    <a:gs pos="50000">
+                      <a:schemeClr val="tx1">
+                        <a:lumMod val="75000"/>
+                        <a:lumOff val="25000"/>
+                      </a:schemeClr>
+                    </a:gs>
+                  </a:gsLst>
+                  <a:lin ang="5400000" scaled="0"/>
+                </a:gradFill>
+                <a:latin typeface="한컴 윤고딕 230" panose="02020603020101020101" pitchFamily="18" charset="-127"/>
+                <a:ea typeface="한컴 윤고딕 230" panose="02020603020101020101" pitchFamily="18" charset="-127"/>
+              </a:rPr>
+              <a:t>포인터</a:t>
+            </a:r>
+            <a:r>
+              <a:rPr lang="en-US" altLang="ko-KR" sz="1400" b="1" spc="-20" dirty="0" smtClean="0">
+                <a:gradFill>
+                  <a:gsLst>
+                    <a:gs pos="0">
+                      <a:schemeClr val="tx1">
+                        <a:lumMod val="75000"/>
+                        <a:lumOff val="25000"/>
+                      </a:schemeClr>
+                    </a:gs>
+                    <a:gs pos="50000">
+                      <a:schemeClr val="tx1">
+                        <a:lumMod val="75000"/>
+                        <a:lumOff val="25000"/>
+                      </a:schemeClr>
+                    </a:gs>
+                  </a:gsLst>
+                  <a:lin ang="5400000" scaled="0"/>
+                </a:gradFill>
+                <a:latin typeface="한컴 윤고딕 230" panose="02020603020101020101" pitchFamily="18" charset="-127"/>
+                <a:ea typeface="한컴 윤고딕 230" panose="02020603020101020101" pitchFamily="18" charset="-127"/>
+              </a:rPr>
+              <a:t>＂</a:t>
+            </a:r>
+            <a:r>
+              <a:rPr lang="ko-KR" altLang="en-US" sz="1400" b="1" spc="-20" dirty="0" smtClean="0">
+                <a:gradFill>
+                  <a:gsLst>
+                    <a:gs pos="0">
+                      <a:schemeClr val="tx1">
+                        <a:lumMod val="75000"/>
+                        <a:lumOff val="25000"/>
+                      </a:schemeClr>
+                    </a:gs>
+                    <a:gs pos="50000">
+                      <a:schemeClr val="tx1">
+                        <a:lumMod val="75000"/>
+                        <a:lumOff val="25000"/>
+                      </a:schemeClr>
+                    </a:gs>
+                  </a:gsLst>
+                  <a:lin ang="5400000" scaled="0"/>
+                </a:gradFill>
+                <a:latin typeface="한컴 윤고딕 230" panose="02020603020101020101" pitchFamily="18" charset="-127"/>
+                <a:ea typeface="한컴 윤고딕 230" panose="02020603020101020101" pitchFamily="18" charset="-127"/>
+              </a:rPr>
+              <a:t>를 활용</a:t>
+            </a:r>
+            <a:endParaRPr lang="en-US" altLang="ko-KR" sz="1400" b="1" spc="-20" dirty="0">
+              <a:gradFill>
+                <a:gsLst>
+                  <a:gs pos="0">
+                    <a:schemeClr val="tx1">
+                      <a:lumMod val="75000"/>
+                      <a:lumOff val="25000"/>
+                    </a:schemeClr>
+                  </a:gs>
+                  <a:gs pos="50000">
+                    <a:schemeClr val="tx1">
+                      <a:lumMod val="75000"/>
+                      <a:lumOff val="25000"/>
+                    </a:schemeClr>
+                  </a:gs>
+                </a:gsLst>
+                <a:lin ang="5400000" scaled="0"/>
+              </a:gradFill>
+              <a:latin typeface="한컴 윤고딕 230" panose="02020603020101020101" pitchFamily="18" charset="-127"/>
+              <a:ea typeface="한컴 윤고딕 230" panose="02020603020101020101" pitchFamily="18" charset="-127"/>
+            </a:endParaRPr>
+          </a:p>
+          <a:p>
+            <a:pPr marL="742950" lvl="1" indent="-285750">
+              <a:lnSpc>
+                <a:spcPct val="150000"/>
+              </a:lnSpc>
+              <a:buFont typeface="Wingdings" panose="05000000000000000000" pitchFamily="2" charset="2"/>
+              <a:buChar char="ü"/>
+            </a:pPr>
+            <a:r>
+              <a:rPr lang="ko-KR" altLang="en-US" sz="1200" spc="-20" dirty="0" smtClean="0">
+                <a:gradFill>
+                  <a:gsLst>
+                    <a:gs pos="0">
+                      <a:schemeClr val="tx1">
+                        <a:lumMod val="75000"/>
+                        <a:lumOff val="25000"/>
+                      </a:schemeClr>
+                    </a:gs>
+                    <a:gs pos="50000">
+                      <a:schemeClr val="tx1">
+                        <a:lumMod val="75000"/>
+                        <a:lumOff val="25000"/>
+                      </a:schemeClr>
+                    </a:gs>
+                  </a:gsLst>
+                  <a:lin ang="5400000" scaled="0"/>
+                </a:gradFill>
+                <a:latin typeface="한컴 윤고딕 230" panose="02020603020101020101" pitchFamily="18" charset="-127"/>
+                <a:ea typeface="한컴 윤고딕 230" panose="02020603020101020101" pitchFamily="18" charset="-127"/>
+              </a:rPr>
+              <a:t>시간</a:t>
+            </a:r>
+            <a:r>
+              <a:rPr lang="en-US" altLang="ko-KR" sz="1200" spc="-20" dirty="0" smtClean="0">
+                <a:gradFill>
+                  <a:gsLst>
+                    <a:gs pos="0">
+                      <a:schemeClr val="tx1">
+                        <a:lumMod val="75000"/>
+                        <a:lumOff val="25000"/>
+                      </a:schemeClr>
+                    </a:gs>
+                    <a:gs pos="50000">
+                      <a:schemeClr val="tx1">
+                        <a:lumMod val="75000"/>
+                        <a:lumOff val="25000"/>
+                      </a:schemeClr>
+                    </a:gs>
+                  </a:gsLst>
+                  <a:lin ang="5400000" scaled="0"/>
+                </a:gradFill>
+                <a:latin typeface="한컴 윤고딕 230" panose="02020603020101020101" pitchFamily="18" charset="-127"/>
+                <a:ea typeface="한컴 윤고딕 230" panose="02020603020101020101" pitchFamily="18" charset="-127"/>
+              </a:rPr>
+              <a:t>, </a:t>
+            </a:r>
+            <a:r>
+              <a:rPr lang="ko-KR" altLang="en-US" sz="1200" spc="-20" dirty="0" smtClean="0">
+                <a:gradFill>
+                  <a:gsLst>
+                    <a:gs pos="0">
+                      <a:schemeClr val="tx1">
+                        <a:lumMod val="75000"/>
+                        <a:lumOff val="25000"/>
+                      </a:schemeClr>
+                    </a:gs>
+                    <a:gs pos="50000">
+                      <a:schemeClr val="tx1">
+                        <a:lumMod val="75000"/>
+                        <a:lumOff val="25000"/>
+                      </a:schemeClr>
+                    </a:gs>
+                  </a:gsLst>
+                  <a:lin ang="5400000" scaled="0"/>
+                </a:gradFill>
+                <a:latin typeface="한컴 윤고딕 230" panose="02020603020101020101" pitchFamily="18" charset="-127"/>
+                <a:ea typeface="한컴 윤고딕 230" panose="02020603020101020101" pitchFamily="18" charset="-127"/>
+              </a:rPr>
+              <a:t>메모리 소모를 줄임</a:t>
+            </a:r>
+            <a:endParaRPr lang="en-US" altLang="ko-KR" sz="1200" spc="-20" dirty="0">
+              <a:gradFill>
+                <a:gsLst>
+                  <a:gs pos="0">
+                    <a:schemeClr val="tx1">
+                      <a:lumMod val="75000"/>
+                      <a:lumOff val="25000"/>
+                    </a:schemeClr>
+                  </a:gs>
+                  <a:gs pos="50000">
+                    <a:schemeClr val="tx1">
+                      <a:lumMod val="75000"/>
+                      <a:lumOff val="25000"/>
+                    </a:schemeClr>
+                  </a:gs>
+                </a:gsLst>
+                <a:lin ang="5400000" scaled="0"/>
+              </a:gradFill>
+              <a:latin typeface="한컴 윤고딕 230" panose="02020603020101020101" pitchFamily="18" charset="-127"/>
+              <a:ea typeface="한컴 윤고딕 230" panose="02020603020101020101" pitchFamily="18" charset="-127"/>
+            </a:endParaRPr>
+          </a:p>
+          <a:p>
+            <a:pPr marL="742950" lvl="1" indent="-285750">
+              <a:lnSpc>
+                <a:spcPct val="150000"/>
+              </a:lnSpc>
+              <a:buFont typeface="Wingdings" panose="05000000000000000000" pitchFamily="2" charset="2"/>
+              <a:buChar char="ü"/>
+            </a:pPr>
+            <a:r>
+              <a:rPr lang="ko-KR" altLang="en-US" sz="1200" spc="-20" dirty="0" smtClean="0">
+                <a:gradFill>
+                  <a:gsLst>
+                    <a:gs pos="0">
+                      <a:schemeClr val="tx1">
+                        <a:lumMod val="75000"/>
+                        <a:lumOff val="25000"/>
+                      </a:schemeClr>
+                    </a:gs>
+                    <a:gs pos="50000">
+                      <a:schemeClr val="tx1">
+                        <a:lumMod val="75000"/>
+                        <a:lumOff val="25000"/>
+                      </a:schemeClr>
+                    </a:gs>
+                  </a:gsLst>
+                  <a:lin ang="5400000" scaled="0"/>
+                </a:gradFill>
+                <a:latin typeface="한컴 윤고딕 230" panose="02020603020101020101" pitchFamily="18" charset="-127"/>
+                <a:ea typeface="한컴 윤고딕 230" panose="02020603020101020101" pitchFamily="18" charset="-127"/>
+              </a:rPr>
+              <a:t>내용 수정의 어려움</a:t>
+            </a:r>
+            <a:endParaRPr lang="en-US" altLang="ko-KR" sz="1200" spc="-20" dirty="0" smtClean="0">
+              <a:gradFill>
+                <a:gsLst>
+                  <a:gs pos="0">
+                    <a:schemeClr val="tx1">
+                      <a:lumMod val="75000"/>
+                      <a:lumOff val="25000"/>
+                    </a:schemeClr>
+                  </a:gs>
+                  <a:gs pos="50000">
+                    <a:schemeClr val="tx1">
+                      <a:lumMod val="75000"/>
+                      <a:lumOff val="25000"/>
+                    </a:schemeClr>
+                  </a:gs>
+                </a:gsLst>
+                <a:lin ang="5400000" scaled="0"/>
+              </a:gradFill>
+              <a:latin typeface="한컴 윤고딕 230" panose="02020603020101020101" pitchFamily="18" charset="-127"/>
+              <a:ea typeface="한컴 윤고딕 230" panose="02020603020101020101" pitchFamily="18" charset="-127"/>
+            </a:endParaRPr>
+          </a:p>
+        </p:txBody>
+      </p:sp>
+      <p:sp>
+        <p:nvSpPr>
+          <p:cNvPr id="13" name="TextBox 12"/>
+          <p:cNvSpPr txBox="1"/>
+          <p:nvPr/>
+        </p:nvSpPr>
+        <p:spPr>
+          <a:xfrm>
+            <a:off x="341779" y="86058"/>
+            <a:ext cx="3861626" cy="178510"/>
+          </a:xfrm>
+          <a:prstGeom prst="rect">
+            <a:avLst/>
+          </a:prstGeom>
+          <a:noFill/>
+        </p:spPr>
+        <p:txBody>
+          <a:bodyPr wrap="square" rtlCol="0">
+            <a:spAutoFit/>
+          </a:bodyPr>
+          <a:lstStyle/>
+          <a:p>
+            <a:pPr>
+              <a:lnSpc>
+                <a:spcPct val="80000"/>
+              </a:lnSpc>
+            </a:pPr>
+            <a:r>
+              <a:rPr lang="en-US" altLang="ko-KR" sz="700" b="1" dirty="0" smtClean="0">
+                <a:solidFill>
+                  <a:schemeClr val="tx1">
+                    <a:lumMod val="75000"/>
+                    <a:lumOff val="25000"/>
+                  </a:schemeClr>
+                </a:solidFill>
+                <a:latin typeface="맑은 고딕" panose="020B0503020000020004" pitchFamily="50" charset="-127"/>
+                <a:ea typeface="맑은 고딕" panose="020B0503020000020004" pitchFamily="50" charset="-127"/>
+              </a:rPr>
+              <a:t>3</a:t>
+            </a:r>
+            <a:r>
+              <a:rPr lang="en-US" altLang="ko-KR" sz="700" b="1" baseline="30000" dirty="0" smtClean="0">
+                <a:solidFill>
+                  <a:schemeClr val="tx1">
+                    <a:lumMod val="75000"/>
+                    <a:lumOff val="25000"/>
+                  </a:schemeClr>
+                </a:solidFill>
+                <a:latin typeface="맑은 고딕" panose="020B0503020000020004" pitchFamily="50" charset="-127"/>
+                <a:ea typeface="맑은 고딕" panose="020B0503020000020004" pitchFamily="50" charset="-127"/>
+              </a:rPr>
+              <a:t>rd</a:t>
+            </a:r>
+            <a:r>
+              <a:rPr lang="en-US" altLang="ko-KR" sz="700" b="1" dirty="0" smtClean="0">
+                <a:solidFill>
+                  <a:schemeClr val="tx1">
+                    <a:lumMod val="75000"/>
+                    <a:lumOff val="25000"/>
+                  </a:schemeClr>
+                </a:solidFill>
+                <a:latin typeface="맑은 고딕" panose="020B0503020000020004" pitchFamily="50" charset="-127"/>
+                <a:ea typeface="맑은 고딕" panose="020B0503020000020004" pitchFamily="50" charset="-127"/>
+              </a:rPr>
+              <a:t> Programming Seminar</a:t>
+            </a:r>
+            <a:endParaRPr lang="ko-KR" altLang="en-US" sz="700" b="1" dirty="0">
+              <a:solidFill>
+                <a:schemeClr val="tx1">
+                  <a:lumMod val="75000"/>
+                  <a:lumOff val="25000"/>
+                </a:schemeClr>
+              </a:solidFill>
+              <a:latin typeface="맑은 고딕" panose="020B0503020000020004" pitchFamily="50" charset="-127"/>
+              <a:ea typeface="맑은 고딕" panose="020B0503020000020004" pitchFamily="50" charset="-127"/>
+            </a:endParaRPr>
+          </a:p>
+        </p:txBody>
+      </p:sp>
+      <p:pic>
+        <p:nvPicPr>
+          <p:cNvPr id="5" name="그림 4"/>
+          <p:cNvPicPr>
+            <a:picLocks noChangeAspect="1"/>
+          </p:cNvPicPr>
+          <p:nvPr/>
+        </p:nvPicPr>
+        <p:blipFill>
+          <a:blip r:embed="rId3"/>
+          <a:stretch>
+            <a:fillRect/>
+          </a:stretch>
+        </p:blipFill>
+        <p:spPr>
+          <a:xfrm>
+            <a:off x="845820" y="1690377"/>
+            <a:ext cx="2133600" cy="1724025"/>
+          </a:xfrm>
+          <a:prstGeom prst="rect">
+            <a:avLst/>
+          </a:prstGeom>
+        </p:spPr>
+      </p:pic>
+      <p:sp>
+        <p:nvSpPr>
+          <p:cNvPr id="11" name="TextBox 10"/>
+          <p:cNvSpPr txBox="1"/>
+          <p:nvPr/>
+        </p:nvSpPr>
+        <p:spPr>
+          <a:xfrm>
+            <a:off x="6103838" y="1284923"/>
+            <a:ext cx="5758414" cy="5444172"/>
+          </a:xfrm>
+          <a:prstGeom prst="rect">
+            <a:avLst/>
+          </a:prstGeom>
+          <a:noFill/>
+        </p:spPr>
+        <p:txBody>
+          <a:bodyPr wrap="square" rtlCol="0">
+            <a:normAutofit/>
+          </a:bodyPr>
+          <a:lstStyle/>
+          <a:p>
+            <a:pPr>
+              <a:lnSpc>
+                <a:spcPct val="150000"/>
+              </a:lnSpc>
+            </a:pPr>
+            <a:r>
+              <a:rPr lang="en-US" altLang="ko-KR" sz="1400" b="1" spc="-20" dirty="0" smtClean="0">
+                <a:gradFill>
+                  <a:gsLst>
+                    <a:gs pos="0">
+                      <a:schemeClr val="tx1">
+                        <a:lumMod val="75000"/>
+                        <a:lumOff val="25000"/>
+                      </a:schemeClr>
+                    </a:gs>
+                    <a:gs pos="50000">
+                      <a:schemeClr val="tx1">
+                        <a:lumMod val="75000"/>
+                        <a:lumOff val="25000"/>
+                      </a:schemeClr>
+                    </a:gs>
+                  </a:gsLst>
+                  <a:lin ang="5400000" scaled="0"/>
+                </a:gradFill>
+                <a:latin typeface="한컴 윤고딕 230" panose="02020603020101020101" pitchFamily="18" charset="-127"/>
+                <a:ea typeface="한컴 윤고딕 230" panose="02020603020101020101" pitchFamily="18" charset="-127"/>
+              </a:rPr>
+              <a:t>3. </a:t>
+            </a:r>
+            <a:r>
+              <a:rPr lang="ko-KR" altLang="en-US" sz="1400" b="1" spc="-20" dirty="0" smtClean="0">
+                <a:gradFill>
+                  <a:gsLst>
+                    <a:gs pos="0">
+                      <a:schemeClr val="tx1">
+                        <a:lumMod val="75000"/>
+                        <a:lumOff val="25000"/>
+                      </a:schemeClr>
+                    </a:gs>
+                    <a:gs pos="50000">
+                      <a:schemeClr val="tx1">
+                        <a:lumMod val="75000"/>
+                        <a:lumOff val="25000"/>
+                      </a:schemeClr>
+                    </a:gs>
+                  </a:gsLst>
+                  <a:lin ang="5400000" scaled="0"/>
+                </a:gradFill>
+                <a:latin typeface="한컴 윤고딕 230" panose="02020603020101020101" pitchFamily="18" charset="-127"/>
+                <a:ea typeface="한컴 윤고딕 230" panose="02020603020101020101" pitchFamily="18" charset="-127"/>
+              </a:rPr>
+              <a:t>포인터를 멤버로 가지는 구조</a:t>
+            </a:r>
+            <a:r>
+              <a:rPr lang="ko-KR" altLang="en-US" sz="1400" b="1" spc="-20" dirty="0" smtClean="0">
+                <a:gradFill>
+                  <a:gsLst>
+                    <a:gs pos="0">
+                      <a:schemeClr val="tx1">
+                        <a:lumMod val="75000"/>
+                        <a:lumOff val="25000"/>
+                      </a:schemeClr>
+                    </a:gs>
+                    <a:gs pos="50000">
+                      <a:schemeClr val="tx1">
+                        <a:lumMod val="75000"/>
+                        <a:lumOff val="25000"/>
+                      </a:schemeClr>
+                    </a:gs>
+                  </a:gsLst>
+                  <a:lin ang="5400000" scaled="0"/>
+                </a:gradFill>
+                <a:latin typeface="한컴 윤고딕 230" panose="02020603020101020101" pitchFamily="18" charset="-127"/>
+                <a:ea typeface="한컴 윤고딕 230" panose="02020603020101020101" pitchFamily="18" charset="-127"/>
+              </a:rPr>
+              <a:t>체</a:t>
+            </a:r>
+            <a:endParaRPr lang="en-US" altLang="ko-KR" sz="1400" b="1" spc="-20" dirty="0" smtClean="0">
+              <a:gradFill>
+                <a:gsLst>
+                  <a:gs pos="0">
+                    <a:schemeClr val="tx1">
+                      <a:lumMod val="75000"/>
+                      <a:lumOff val="25000"/>
+                    </a:schemeClr>
+                  </a:gs>
+                  <a:gs pos="50000">
+                    <a:schemeClr val="tx1">
+                      <a:lumMod val="75000"/>
+                      <a:lumOff val="25000"/>
+                    </a:schemeClr>
+                  </a:gs>
+                </a:gsLst>
+                <a:lin ang="5400000" scaled="0"/>
+              </a:gradFill>
+              <a:latin typeface="한컴 윤고딕 230" panose="02020603020101020101" pitchFamily="18" charset="-127"/>
+              <a:ea typeface="한컴 윤고딕 230" panose="02020603020101020101" pitchFamily="18" charset="-127"/>
+            </a:endParaRPr>
+          </a:p>
+          <a:p>
+            <a:pPr marL="742950" lvl="1" indent="-285750">
+              <a:lnSpc>
+                <a:spcPct val="150000"/>
+              </a:lnSpc>
+              <a:buFont typeface="Wingdings" panose="05000000000000000000" pitchFamily="2" charset="2"/>
+              <a:buChar char="ü"/>
+            </a:pPr>
+            <a:endParaRPr lang="en-US" altLang="ko-KR" sz="1200" spc="-20" dirty="0" smtClean="0">
+              <a:gradFill>
+                <a:gsLst>
+                  <a:gs pos="0">
+                    <a:schemeClr val="tx1">
+                      <a:lumMod val="75000"/>
+                      <a:lumOff val="25000"/>
+                    </a:schemeClr>
+                  </a:gs>
+                  <a:gs pos="50000">
+                    <a:schemeClr val="tx1">
+                      <a:lumMod val="75000"/>
+                      <a:lumOff val="25000"/>
+                    </a:schemeClr>
+                  </a:gs>
+                </a:gsLst>
+                <a:lin ang="5400000" scaled="0"/>
+              </a:gradFill>
+              <a:latin typeface="한컴 윤고딕 230" panose="02020603020101020101" pitchFamily="18" charset="-127"/>
+              <a:ea typeface="한컴 윤고딕 230" panose="02020603020101020101" pitchFamily="18" charset="-127"/>
+            </a:endParaRPr>
+          </a:p>
+          <a:p>
+            <a:pPr marL="742950" lvl="1" indent="-285750">
+              <a:lnSpc>
+                <a:spcPct val="150000"/>
+              </a:lnSpc>
+              <a:buFont typeface="Wingdings" panose="05000000000000000000" pitchFamily="2" charset="2"/>
+              <a:buChar char="ü"/>
+            </a:pPr>
+            <a:endParaRPr lang="en-US" altLang="ko-KR" sz="1200" spc="-20" dirty="0">
+              <a:gradFill>
+                <a:gsLst>
+                  <a:gs pos="0">
+                    <a:schemeClr val="tx1">
+                      <a:lumMod val="75000"/>
+                      <a:lumOff val="25000"/>
+                    </a:schemeClr>
+                  </a:gs>
+                  <a:gs pos="50000">
+                    <a:schemeClr val="tx1">
+                      <a:lumMod val="75000"/>
+                      <a:lumOff val="25000"/>
+                    </a:schemeClr>
+                  </a:gs>
+                </a:gsLst>
+                <a:lin ang="5400000" scaled="0"/>
+              </a:gradFill>
+              <a:latin typeface="한컴 윤고딕 230" panose="02020603020101020101" pitchFamily="18" charset="-127"/>
+              <a:ea typeface="한컴 윤고딕 230" panose="02020603020101020101" pitchFamily="18" charset="-127"/>
+            </a:endParaRPr>
+          </a:p>
+          <a:p>
+            <a:pPr marL="742950" lvl="1" indent="-285750">
+              <a:lnSpc>
+                <a:spcPct val="150000"/>
+              </a:lnSpc>
+              <a:buFont typeface="Wingdings" panose="05000000000000000000" pitchFamily="2" charset="2"/>
+              <a:buChar char="ü"/>
+            </a:pPr>
+            <a:endParaRPr lang="en-US" altLang="ko-KR" sz="1200" spc="-20" dirty="0" smtClean="0">
+              <a:gradFill>
+                <a:gsLst>
+                  <a:gs pos="0">
+                    <a:schemeClr val="tx1">
+                      <a:lumMod val="75000"/>
+                      <a:lumOff val="25000"/>
+                    </a:schemeClr>
+                  </a:gs>
+                  <a:gs pos="50000">
+                    <a:schemeClr val="tx1">
+                      <a:lumMod val="75000"/>
+                      <a:lumOff val="25000"/>
+                    </a:schemeClr>
+                  </a:gs>
+                </a:gsLst>
+                <a:lin ang="5400000" scaled="0"/>
+              </a:gradFill>
+              <a:latin typeface="한컴 윤고딕 230" panose="02020603020101020101" pitchFamily="18" charset="-127"/>
+              <a:ea typeface="한컴 윤고딕 230" panose="02020603020101020101" pitchFamily="18" charset="-127"/>
+            </a:endParaRPr>
+          </a:p>
+          <a:p>
+            <a:pPr marL="742950" lvl="1" indent="-285750">
+              <a:lnSpc>
+                <a:spcPct val="150000"/>
+              </a:lnSpc>
+              <a:buFont typeface="Wingdings" panose="05000000000000000000" pitchFamily="2" charset="2"/>
+              <a:buChar char="ü"/>
+            </a:pPr>
+            <a:endParaRPr lang="en-US" altLang="ko-KR" sz="1200" spc="-20" dirty="0">
+              <a:gradFill>
+                <a:gsLst>
+                  <a:gs pos="0">
+                    <a:schemeClr val="tx1">
+                      <a:lumMod val="75000"/>
+                      <a:lumOff val="25000"/>
+                    </a:schemeClr>
+                  </a:gs>
+                  <a:gs pos="50000">
+                    <a:schemeClr val="tx1">
+                      <a:lumMod val="75000"/>
+                      <a:lumOff val="25000"/>
+                    </a:schemeClr>
+                  </a:gs>
+                </a:gsLst>
+                <a:lin ang="5400000" scaled="0"/>
+              </a:gradFill>
+              <a:latin typeface="한컴 윤고딕 230" panose="02020603020101020101" pitchFamily="18" charset="-127"/>
+              <a:ea typeface="한컴 윤고딕 230" panose="02020603020101020101" pitchFamily="18" charset="-127"/>
+            </a:endParaRPr>
+          </a:p>
+          <a:p>
+            <a:pPr marL="742950" lvl="1" indent="-285750">
+              <a:lnSpc>
+                <a:spcPct val="150000"/>
+              </a:lnSpc>
+              <a:buFont typeface="Wingdings" panose="05000000000000000000" pitchFamily="2" charset="2"/>
+              <a:buChar char="ü"/>
+            </a:pPr>
+            <a:endParaRPr lang="en-US" altLang="ko-KR" sz="1200" spc="-20" dirty="0" smtClean="0">
+              <a:gradFill>
+                <a:gsLst>
+                  <a:gs pos="0">
+                    <a:schemeClr val="tx1">
+                      <a:lumMod val="75000"/>
+                      <a:lumOff val="25000"/>
+                    </a:schemeClr>
+                  </a:gs>
+                  <a:gs pos="50000">
+                    <a:schemeClr val="tx1">
+                      <a:lumMod val="75000"/>
+                      <a:lumOff val="25000"/>
+                    </a:schemeClr>
+                  </a:gs>
+                </a:gsLst>
+                <a:lin ang="5400000" scaled="0"/>
+              </a:gradFill>
+              <a:latin typeface="한컴 윤고딕 230" panose="02020603020101020101" pitchFamily="18" charset="-127"/>
+              <a:ea typeface="한컴 윤고딕 230" panose="02020603020101020101" pitchFamily="18" charset="-127"/>
+            </a:endParaRPr>
+          </a:p>
+          <a:p>
+            <a:pPr marL="742950" lvl="1" indent="-285750">
+              <a:lnSpc>
+                <a:spcPct val="150000"/>
+              </a:lnSpc>
+              <a:buFont typeface="Wingdings" panose="05000000000000000000" pitchFamily="2" charset="2"/>
+              <a:buChar char="ü"/>
+            </a:pPr>
+            <a:endParaRPr lang="en-US" altLang="ko-KR" sz="1200" spc="-20" dirty="0">
+              <a:gradFill>
+                <a:gsLst>
+                  <a:gs pos="0">
+                    <a:schemeClr val="tx1">
+                      <a:lumMod val="75000"/>
+                      <a:lumOff val="25000"/>
+                    </a:schemeClr>
+                  </a:gs>
+                  <a:gs pos="50000">
+                    <a:schemeClr val="tx1">
+                      <a:lumMod val="75000"/>
+                      <a:lumOff val="25000"/>
+                    </a:schemeClr>
+                  </a:gs>
+                </a:gsLst>
+                <a:lin ang="5400000" scaled="0"/>
+              </a:gradFill>
+              <a:latin typeface="한컴 윤고딕 230" panose="02020603020101020101" pitchFamily="18" charset="-127"/>
+              <a:ea typeface="한컴 윤고딕 230" panose="02020603020101020101" pitchFamily="18" charset="-127"/>
+            </a:endParaRPr>
+          </a:p>
+          <a:p>
+            <a:pPr marL="742950" lvl="1" indent="-285750">
+              <a:lnSpc>
+                <a:spcPct val="150000"/>
+              </a:lnSpc>
+              <a:buFont typeface="Wingdings" panose="05000000000000000000" pitchFamily="2" charset="2"/>
+              <a:buChar char="ü"/>
+            </a:pPr>
+            <a:endParaRPr lang="en-US" altLang="ko-KR" sz="1200" spc="-20" dirty="0" smtClean="0">
+              <a:gradFill>
+                <a:gsLst>
+                  <a:gs pos="0">
+                    <a:schemeClr val="tx1">
+                      <a:lumMod val="75000"/>
+                      <a:lumOff val="25000"/>
+                    </a:schemeClr>
+                  </a:gs>
+                  <a:gs pos="50000">
+                    <a:schemeClr val="tx1">
+                      <a:lumMod val="75000"/>
+                      <a:lumOff val="25000"/>
+                    </a:schemeClr>
+                  </a:gs>
+                </a:gsLst>
+                <a:lin ang="5400000" scaled="0"/>
+              </a:gradFill>
+              <a:latin typeface="한컴 윤고딕 230" panose="02020603020101020101" pitchFamily="18" charset="-127"/>
+              <a:ea typeface="한컴 윤고딕 230" panose="02020603020101020101" pitchFamily="18" charset="-127"/>
+            </a:endParaRPr>
+          </a:p>
+          <a:p>
+            <a:pPr marL="742950" lvl="1" indent="-285750">
+              <a:lnSpc>
+                <a:spcPct val="150000"/>
+              </a:lnSpc>
+              <a:buFont typeface="Wingdings" panose="05000000000000000000" pitchFamily="2" charset="2"/>
+              <a:buChar char="ü"/>
+            </a:pPr>
+            <a:endParaRPr lang="en-US" altLang="ko-KR" sz="1200" spc="-20" dirty="0">
+              <a:gradFill>
+                <a:gsLst>
+                  <a:gs pos="0">
+                    <a:schemeClr val="tx1">
+                      <a:lumMod val="75000"/>
+                      <a:lumOff val="25000"/>
+                    </a:schemeClr>
+                  </a:gs>
+                  <a:gs pos="50000">
+                    <a:schemeClr val="tx1">
+                      <a:lumMod val="75000"/>
+                      <a:lumOff val="25000"/>
+                    </a:schemeClr>
+                  </a:gs>
+                </a:gsLst>
+                <a:lin ang="5400000" scaled="0"/>
+              </a:gradFill>
+              <a:latin typeface="한컴 윤고딕 230" panose="02020603020101020101" pitchFamily="18" charset="-127"/>
+              <a:ea typeface="한컴 윤고딕 230" panose="02020603020101020101" pitchFamily="18" charset="-127"/>
+            </a:endParaRPr>
+          </a:p>
+          <a:p>
+            <a:pPr marL="742950" lvl="1" indent="-285750">
+              <a:lnSpc>
+                <a:spcPct val="150000"/>
+              </a:lnSpc>
+              <a:buFont typeface="Wingdings" panose="05000000000000000000" pitchFamily="2" charset="2"/>
+              <a:buChar char="ü"/>
+            </a:pPr>
+            <a:endParaRPr lang="en-US" altLang="ko-KR" sz="1200" spc="-20" dirty="0" smtClean="0">
+              <a:gradFill>
+                <a:gsLst>
+                  <a:gs pos="0">
+                    <a:schemeClr val="tx1">
+                      <a:lumMod val="75000"/>
+                      <a:lumOff val="25000"/>
+                    </a:schemeClr>
+                  </a:gs>
+                  <a:gs pos="50000">
+                    <a:schemeClr val="tx1">
+                      <a:lumMod val="75000"/>
+                      <a:lumOff val="25000"/>
+                    </a:schemeClr>
+                  </a:gs>
+                </a:gsLst>
+                <a:lin ang="5400000" scaled="0"/>
+              </a:gradFill>
+              <a:latin typeface="한컴 윤고딕 230" panose="02020603020101020101" pitchFamily="18" charset="-127"/>
+              <a:ea typeface="한컴 윤고딕 230" panose="02020603020101020101" pitchFamily="18" charset="-127"/>
+            </a:endParaRPr>
+          </a:p>
+          <a:p>
+            <a:pPr marL="742950" lvl="1" indent="-285750">
+              <a:lnSpc>
+                <a:spcPct val="150000"/>
+              </a:lnSpc>
+              <a:buFont typeface="Wingdings" panose="05000000000000000000" pitchFamily="2" charset="2"/>
+              <a:buChar char="ü"/>
+            </a:pPr>
+            <a:r>
+              <a:rPr lang="en-US" altLang="ko-KR" sz="1200" spc="-20" dirty="0" smtClean="0">
+                <a:gradFill>
+                  <a:gsLst>
+                    <a:gs pos="0">
+                      <a:schemeClr val="tx1">
+                        <a:lumMod val="75000"/>
+                        <a:lumOff val="25000"/>
+                      </a:schemeClr>
+                    </a:gs>
+                    <a:gs pos="50000">
+                      <a:schemeClr val="tx1">
+                        <a:lumMod val="75000"/>
+                        <a:lumOff val="25000"/>
+                      </a:schemeClr>
+                    </a:gs>
+                  </a:gsLst>
+                  <a:lin ang="5400000" scaled="0"/>
+                </a:gradFill>
+                <a:latin typeface="한컴 윤고딕 230" panose="02020603020101020101" pitchFamily="18" charset="-127"/>
+                <a:ea typeface="한컴 윤고딕 230" panose="02020603020101020101" pitchFamily="18" charset="-127"/>
+              </a:rPr>
+              <a:t>Linked list </a:t>
+            </a:r>
+            <a:r>
+              <a:rPr lang="ko-KR" altLang="en-US" sz="1200" spc="-20" dirty="0" smtClean="0">
+                <a:gradFill>
+                  <a:gsLst>
+                    <a:gs pos="0">
+                      <a:schemeClr val="tx1">
+                        <a:lumMod val="75000"/>
+                        <a:lumOff val="25000"/>
+                      </a:schemeClr>
+                    </a:gs>
+                    <a:gs pos="50000">
+                      <a:schemeClr val="tx1">
+                        <a:lumMod val="75000"/>
+                        <a:lumOff val="25000"/>
+                      </a:schemeClr>
+                    </a:gs>
+                  </a:gsLst>
+                  <a:lin ang="5400000" scaled="0"/>
+                </a:gradFill>
+                <a:latin typeface="한컴 윤고딕 230" panose="02020603020101020101" pitchFamily="18" charset="-127"/>
+                <a:ea typeface="한컴 윤고딕 230" panose="02020603020101020101" pitchFamily="18" charset="-127"/>
+              </a:rPr>
+              <a:t>활용</a:t>
+            </a:r>
+            <a:endParaRPr lang="en-US" altLang="ko-KR" sz="1200" spc="-20" dirty="0">
+              <a:gradFill>
+                <a:gsLst>
+                  <a:gs pos="0">
+                    <a:schemeClr val="tx1">
+                      <a:lumMod val="75000"/>
+                      <a:lumOff val="25000"/>
+                    </a:schemeClr>
+                  </a:gs>
+                  <a:gs pos="50000">
+                    <a:schemeClr val="tx1">
+                      <a:lumMod val="75000"/>
+                      <a:lumOff val="25000"/>
+                    </a:schemeClr>
+                  </a:gs>
+                </a:gsLst>
+                <a:lin ang="5400000" scaled="0"/>
+              </a:gradFill>
+              <a:latin typeface="한컴 윤고딕 230" panose="02020603020101020101" pitchFamily="18" charset="-127"/>
+              <a:ea typeface="한컴 윤고딕 230" panose="02020603020101020101" pitchFamily="18" charset="-127"/>
+            </a:endParaRPr>
+          </a:p>
+          <a:p>
+            <a:pPr marL="742950" lvl="1" indent="-285750">
+              <a:lnSpc>
+                <a:spcPct val="150000"/>
+              </a:lnSpc>
+              <a:buFont typeface="Wingdings" panose="05000000000000000000" pitchFamily="2" charset="2"/>
+              <a:buChar char="ü"/>
+            </a:pPr>
+            <a:endParaRPr lang="en-US" altLang="ko-KR" sz="1200" spc="-20" dirty="0" smtClean="0">
+              <a:gradFill>
+                <a:gsLst>
+                  <a:gs pos="0">
+                    <a:schemeClr val="tx1">
+                      <a:lumMod val="75000"/>
+                      <a:lumOff val="25000"/>
+                    </a:schemeClr>
+                  </a:gs>
+                  <a:gs pos="50000">
+                    <a:schemeClr val="tx1">
+                      <a:lumMod val="75000"/>
+                      <a:lumOff val="25000"/>
+                    </a:schemeClr>
+                  </a:gs>
+                </a:gsLst>
+                <a:lin ang="5400000" scaled="0"/>
+              </a:gradFill>
+              <a:latin typeface="한컴 윤고딕 230" panose="02020603020101020101" pitchFamily="18" charset="-127"/>
+              <a:ea typeface="한컴 윤고딕 230" panose="02020603020101020101" pitchFamily="18" charset="-127"/>
+            </a:endParaRPr>
+          </a:p>
+          <a:p>
+            <a:pPr marL="742950" lvl="1" indent="-285750">
+              <a:lnSpc>
+                <a:spcPct val="150000"/>
+              </a:lnSpc>
+              <a:buFont typeface="Wingdings" panose="05000000000000000000" pitchFamily="2" charset="2"/>
+              <a:buChar char="ü"/>
+            </a:pPr>
+            <a:endParaRPr lang="en-US" altLang="ko-KR" sz="1200" spc="-20" dirty="0">
+              <a:gradFill>
+                <a:gsLst>
+                  <a:gs pos="0">
+                    <a:schemeClr val="tx1">
+                      <a:lumMod val="75000"/>
+                      <a:lumOff val="25000"/>
+                    </a:schemeClr>
+                  </a:gs>
+                  <a:gs pos="50000">
+                    <a:schemeClr val="tx1">
+                      <a:lumMod val="75000"/>
+                      <a:lumOff val="25000"/>
+                    </a:schemeClr>
+                  </a:gs>
+                </a:gsLst>
+                <a:lin ang="5400000" scaled="0"/>
+              </a:gradFill>
+              <a:latin typeface="한컴 윤고딕 230" panose="02020603020101020101" pitchFamily="18" charset="-127"/>
+              <a:ea typeface="한컴 윤고딕 230" panose="02020603020101020101" pitchFamily="18" charset="-127"/>
+            </a:endParaRPr>
+          </a:p>
+          <a:p>
+            <a:pPr marL="742950" lvl="1" indent="-285750">
+              <a:lnSpc>
+                <a:spcPct val="150000"/>
+              </a:lnSpc>
+              <a:buFont typeface="Wingdings" panose="05000000000000000000" pitchFamily="2" charset="2"/>
+              <a:buChar char="ü"/>
+            </a:pPr>
+            <a:endParaRPr lang="en-US" altLang="ko-KR" sz="1200" spc="-20" dirty="0" smtClean="0">
+              <a:gradFill>
+                <a:gsLst>
+                  <a:gs pos="0">
+                    <a:schemeClr val="tx1">
+                      <a:lumMod val="75000"/>
+                      <a:lumOff val="25000"/>
+                    </a:schemeClr>
+                  </a:gs>
+                  <a:gs pos="50000">
+                    <a:schemeClr val="tx1">
+                      <a:lumMod val="75000"/>
+                      <a:lumOff val="25000"/>
+                    </a:schemeClr>
+                  </a:gs>
+                </a:gsLst>
+                <a:lin ang="5400000" scaled="0"/>
+              </a:gradFill>
+              <a:latin typeface="한컴 윤고딕 230" panose="02020603020101020101" pitchFamily="18" charset="-127"/>
+              <a:ea typeface="한컴 윤고딕 230" panose="02020603020101020101" pitchFamily="18" charset="-127"/>
+            </a:endParaRPr>
+          </a:p>
+          <a:p>
+            <a:pPr marL="742950" lvl="1" indent="-285750">
+              <a:lnSpc>
+                <a:spcPct val="150000"/>
+              </a:lnSpc>
+              <a:buFont typeface="Wingdings" panose="05000000000000000000" pitchFamily="2" charset="2"/>
+              <a:buChar char="ü"/>
+            </a:pPr>
+            <a:endParaRPr lang="en-US" altLang="ko-KR" sz="1200" spc="-20" dirty="0" smtClean="0">
+              <a:gradFill>
+                <a:gsLst>
+                  <a:gs pos="0">
+                    <a:schemeClr val="tx1">
+                      <a:lumMod val="75000"/>
+                      <a:lumOff val="25000"/>
+                    </a:schemeClr>
+                  </a:gs>
+                  <a:gs pos="50000">
+                    <a:schemeClr val="tx1">
+                      <a:lumMod val="75000"/>
+                      <a:lumOff val="25000"/>
+                    </a:schemeClr>
+                  </a:gs>
+                </a:gsLst>
+                <a:lin ang="5400000" scaled="0"/>
+              </a:gradFill>
+              <a:latin typeface="한컴 윤고딕 230" panose="02020603020101020101" pitchFamily="18" charset="-127"/>
+              <a:ea typeface="한컴 윤고딕 230" panose="02020603020101020101" pitchFamily="18" charset="-127"/>
+            </a:endParaRPr>
+          </a:p>
+        </p:txBody>
+      </p:sp>
+      <p:pic>
+        <p:nvPicPr>
+          <p:cNvPr id="6" name="그림 5"/>
+          <p:cNvPicPr>
+            <a:picLocks noChangeAspect="1"/>
+          </p:cNvPicPr>
+          <p:nvPr/>
+        </p:nvPicPr>
+        <p:blipFill>
+          <a:blip r:embed="rId4"/>
+          <a:stretch>
+            <a:fillRect/>
+          </a:stretch>
+        </p:blipFill>
+        <p:spPr>
+          <a:xfrm>
+            <a:off x="6654182" y="1690377"/>
+            <a:ext cx="4657725" cy="2238375"/>
+          </a:xfrm>
+          <a:prstGeom prst="rect">
+            <a:avLst/>
+          </a:prstGeom>
+        </p:spPr>
+      </p:pic>
+      <p:pic>
+        <p:nvPicPr>
+          <p:cNvPr id="7" name="그림 6"/>
+          <p:cNvPicPr>
+            <a:picLocks noChangeAspect="1"/>
+          </p:cNvPicPr>
+          <p:nvPr/>
+        </p:nvPicPr>
+        <p:blipFill>
+          <a:blip r:embed="rId5"/>
+          <a:stretch>
+            <a:fillRect/>
+          </a:stretch>
+        </p:blipFill>
+        <p:spPr>
+          <a:xfrm>
+            <a:off x="6654182" y="4406783"/>
+            <a:ext cx="2228850" cy="1266825"/>
+          </a:xfrm>
+          <a:prstGeom prst="rect">
+            <a:avLst/>
+          </a:prstGeom>
+        </p:spPr>
+      </p:pic>
+    </p:spTree>
+    <p:extLst>
+      <p:ext uri="{BB962C8B-B14F-4D97-AF65-F5344CB8AC3E}">
+        <p14:creationId xmlns:p14="http://schemas.microsoft.com/office/powerpoint/2010/main" val="1986309671"/>
+      </p:ext>
+    </p:extLst>
+  </p:cSld>
+  <p:clrMapOvr>
+    <a:masterClrMapping/>
+  </p:clrMapOvr>
+  <p:timing>
+    <p:tnLst>
+      <p:par>
+        <p:cTn id="1" dur="indefinite" restart="never" nodeType="tmRoot"/>
+      </p:par>
+    </p:tnLst>
+  </p:timing>
+</p:sld>
+</file>
+
+<file path=ppt/slides/slide11.xml><?xml version="1.0" encoding="utf-8"?>
+<p:sld xmlns:a="http://schemas.openxmlformats.org/drawingml/2006/main" xmlns:r="http://schemas.openxmlformats.org/officeDocument/2006/relationships" xmlns:p="http://schemas.openxmlformats.org/presentationml/2006/main">
+  <p:cSld>
+    <p:spTree>
+      <p:nvGrpSpPr>
+        <p:cNvPr id="1" name=""/>
+        <p:cNvGrpSpPr/>
+        <p:nvPr/>
+      </p:nvGrpSpPr>
+      <p:grpSpPr>
+        <a:xfrm>
+          <a:off x="0" y="0"/>
+          <a:ext cx="0" cy="0"/>
+          <a:chOff x="0" y="0"/>
+          <a:chExt cx="0" cy="0"/>
+        </a:xfrm>
+      </p:grpSpPr>
+      <p:cxnSp>
+        <p:nvCxnSpPr>
+          <p:cNvPr id="2" name="직선 연결선 1"/>
+          <p:cNvCxnSpPr/>
+          <p:nvPr/>
+        </p:nvCxnSpPr>
+        <p:spPr>
+          <a:xfrm>
+            <a:off x="335499" y="260291"/>
+            <a:ext cx="11525387" cy="0"/>
+          </a:xfrm>
+          <a:prstGeom prst="line">
+            <a:avLst/>
+          </a:prstGeom>
+          <a:ln w="3175">
+            <a:solidFill>
+              <a:srgbClr val="68727E"/>
+            </a:solidFill>
+          </a:ln>
+        </p:spPr>
+        <p:style>
+          <a:lnRef idx="1">
+            <a:schemeClr val="accent1"/>
+          </a:lnRef>
+          <a:fillRef idx="0">
+            <a:schemeClr val="accent1"/>
+          </a:fillRef>
+          <a:effectRef idx="0">
+            <a:schemeClr val="accent1"/>
+          </a:effectRef>
+          <a:fontRef idx="minor">
+            <a:schemeClr val="tx1"/>
+          </a:fontRef>
+        </p:style>
+      </p:cxnSp>
+      <p:cxnSp>
+        <p:nvCxnSpPr>
+          <p:cNvPr id="3" name="직선 연결선 2"/>
+          <p:cNvCxnSpPr/>
+          <p:nvPr/>
+        </p:nvCxnSpPr>
+        <p:spPr>
+          <a:xfrm>
+            <a:off x="335499" y="1271494"/>
+            <a:ext cx="11525387" cy="0"/>
+          </a:xfrm>
+          <a:prstGeom prst="line">
+            <a:avLst/>
+          </a:prstGeom>
+          <a:ln w="3175">
+            <a:solidFill>
+              <a:srgbClr val="68727E"/>
+            </a:solidFill>
+          </a:ln>
+        </p:spPr>
+        <p:style>
+          <a:lnRef idx="1">
+            <a:schemeClr val="accent1"/>
+          </a:lnRef>
+          <a:fillRef idx="0">
+            <a:schemeClr val="accent1"/>
+          </a:fillRef>
+          <a:effectRef idx="0">
+            <a:schemeClr val="accent1"/>
+          </a:effectRef>
+          <a:fontRef idx="minor">
+            <a:schemeClr val="tx1"/>
+          </a:fontRef>
+        </p:style>
+      </p:cxnSp>
+      <p:sp>
+        <p:nvSpPr>
+          <p:cNvPr id="4" name="TextBox 3"/>
+          <p:cNvSpPr txBox="1"/>
+          <p:nvPr/>
+        </p:nvSpPr>
+        <p:spPr>
+          <a:xfrm>
+            <a:off x="335497" y="437560"/>
+            <a:ext cx="11525387" cy="369332"/>
+          </a:xfrm>
+          <a:prstGeom prst="rect">
+            <a:avLst/>
+          </a:prstGeom>
+          <a:noFill/>
+        </p:spPr>
+        <p:txBody>
+          <a:bodyPr wrap="square" rtlCol="0">
+            <a:spAutoFit/>
+          </a:bodyPr>
+          <a:lstStyle/>
+          <a:p>
+            <a:pPr>
+              <a:lnSpc>
+                <a:spcPct val="90000"/>
+              </a:lnSpc>
+            </a:pPr>
+            <a:r>
+              <a:rPr lang="en-US" altLang="ko-KR" sz="2000" dirty="0" smtClean="0">
+                <a:gradFill>
+                  <a:gsLst>
+                    <a:gs pos="0">
+                      <a:srgbClr val="C00000"/>
+                    </a:gs>
+                    <a:gs pos="100000">
+                      <a:srgbClr val="C00000"/>
+                    </a:gs>
+                  </a:gsLst>
+                  <a:lin ang="5400000" scaled="0"/>
+                </a:gradFill>
+                <a:latin typeface="HY견명조" panose="02030600000101010101" pitchFamily="18" charset="-127"/>
+                <a:ea typeface="HY견명조" panose="02030600000101010101" pitchFamily="18" charset="-127"/>
+              </a:rPr>
+              <a:t>5. Union</a:t>
+            </a:r>
+            <a:endParaRPr lang="ko-KR" altLang="en-US" sz="2000" dirty="0">
+              <a:gradFill>
+                <a:gsLst>
+                  <a:gs pos="0">
+                    <a:srgbClr val="C00000"/>
+                  </a:gs>
+                  <a:gs pos="100000">
+                    <a:srgbClr val="C00000"/>
+                  </a:gs>
+                </a:gsLst>
+                <a:lin ang="5400000" scaled="0"/>
+              </a:gradFill>
+              <a:latin typeface="HY견명조" panose="02030600000101010101" pitchFamily="18" charset="-127"/>
+              <a:ea typeface="HY견명조" panose="02030600000101010101" pitchFamily="18" charset="-127"/>
+            </a:endParaRPr>
+          </a:p>
+        </p:txBody>
+      </p:sp>
+      <p:sp>
+        <p:nvSpPr>
+          <p:cNvPr id="8" name="슬라이드 번호 개체 틀 7"/>
+          <p:cNvSpPr>
+            <a:spLocks noGrp="1"/>
+          </p:cNvSpPr>
+          <p:nvPr>
+            <p:ph type="sldNum" sz="quarter" idx="12"/>
+          </p:nvPr>
+        </p:nvSpPr>
+        <p:spPr/>
+        <p:txBody>
+          <a:bodyPr/>
+          <a:lstStyle/>
+          <a:p>
+            <a:fld id="{2E4EDC03-0EA7-4885-89F1-D70FDD3585C5}" type="slidenum">
+              <a:rPr lang="ko-KR" altLang="en-US" smtClean="0"/>
+              <a:t>11</a:t>
+            </a:fld>
+            <a:endParaRPr lang="ko-KR" altLang="en-US"/>
+          </a:p>
+        </p:txBody>
+      </p:sp>
+      <p:sp>
+        <p:nvSpPr>
+          <p:cNvPr id="17" name="TextBox 16"/>
+          <p:cNvSpPr txBox="1"/>
+          <p:nvPr/>
+        </p:nvSpPr>
+        <p:spPr>
+          <a:xfrm>
+            <a:off x="335497" y="1272713"/>
+            <a:ext cx="5758414" cy="5448762"/>
+          </a:xfrm>
+          <a:prstGeom prst="rect">
+            <a:avLst/>
+          </a:prstGeom>
+          <a:noFill/>
+        </p:spPr>
+        <p:txBody>
+          <a:bodyPr wrap="square" rtlCol="0">
+            <a:normAutofit/>
+          </a:bodyPr>
+          <a:lstStyle/>
+          <a:p>
+            <a:pPr>
+              <a:lnSpc>
+                <a:spcPct val="150000"/>
+              </a:lnSpc>
+            </a:pPr>
+            <a:r>
+              <a:rPr lang="en-US" altLang="ko-KR" sz="1400" b="1" spc="-20" dirty="0" smtClean="0">
+                <a:gradFill>
+                  <a:gsLst>
+                    <a:gs pos="0">
+                      <a:schemeClr val="tx1">
+                        <a:lumMod val="75000"/>
+                        <a:lumOff val="25000"/>
+                      </a:schemeClr>
+                    </a:gs>
+                    <a:gs pos="50000">
+                      <a:schemeClr val="tx1">
+                        <a:lumMod val="75000"/>
+                        <a:lumOff val="25000"/>
+                      </a:schemeClr>
+                    </a:gs>
+                  </a:gsLst>
+                  <a:lin ang="5400000" scaled="0"/>
+                </a:gradFill>
+                <a:latin typeface="한컴 윤고딕 230" panose="02020603020101020101" pitchFamily="18" charset="-127"/>
+                <a:ea typeface="한컴 윤고딕 230" panose="02020603020101020101" pitchFamily="18" charset="-127"/>
+              </a:rPr>
+              <a:t>1. </a:t>
+            </a:r>
+            <a:r>
+              <a:rPr lang="ko-KR" altLang="en-US" sz="1400" b="1" spc="-20" dirty="0" smtClean="0">
+                <a:gradFill>
+                  <a:gsLst>
+                    <a:gs pos="0">
+                      <a:schemeClr val="tx1">
+                        <a:lumMod val="75000"/>
+                        <a:lumOff val="25000"/>
+                      </a:schemeClr>
+                    </a:gs>
+                    <a:gs pos="50000">
+                      <a:schemeClr val="tx1">
+                        <a:lumMod val="75000"/>
+                        <a:lumOff val="25000"/>
+                      </a:schemeClr>
+                    </a:gs>
+                  </a:gsLst>
+                  <a:lin ang="5400000" scaled="0"/>
+                </a:gradFill>
+                <a:latin typeface="한컴 윤고딕 230" panose="02020603020101020101" pitchFamily="18" charset="-127"/>
+                <a:ea typeface="한컴 윤고딕 230" panose="02020603020101020101" pitchFamily="18" charset="-127"/>
+              </a:rPr>
+              <a:t>정의 </a:t>
+            </a:r>
+            <a:r>
+              <a:rPr lang="en-US" altLang="ko-KR" sz="1400" b="1" spc="-20" dirty="0" smtClean="0">
+                <a:gradFill>
+                  <a:gsLst>
+                    <a:gs pos="0">
+                      <a:schemeClr val="tx1">
+                        <a:lumMod val="75000"/>
+                        <a:lumOff val="25000"/>
+                      </a:schemeClr>
+                    </a:gs>
+                    <a:gs pos="50000">
+                      <a:schemeClr val="tx1">
+                        <a:lumMod val="75000"/>
+                        <a:lumOff val="25000"/>
+                      </a:schemeClr>
+                    </a:gs>
+                  </a:gsLst>
+                  <a:lin ang="5400000" scaled="0"/>
+                </a:gradFill>
+                <a:latin typeface="한컴 윤고딕 230" panose="02020603020101020101" pitchFamily="18" charset="-127"/>
+                <a:ea typeface="한컴 윤고딕 230" panose="02020603020101020101" pitchFamily="18" charset="-127"/>
+              </a:rPr>
+              <a:t>:</a:t>
+            </a:r>
+          </a:p>
+          <a:p>
+            <a:pPr marL="742950" lvl="1" indent="-285750">
+              <a:lnSpc>
+                <a:spcPct val="150000"/>
+              </a:lnSpc>
+              <a:buFont typeface="Wingdings" panose="05000000000000000000" pitchFamily="2" charset="2"/>
+              <a:buChar char="ü"/>
+            </a:pPr>
+            <a:r>
+              <a:rPr lang="ko-KR" altLang="en-US" sz="1200" spc="-20" dirty="0" smtClean="0">
+                <a:gradFill>
+                  <a:gsLst>
+                    <a:gs pos="0">
+                      <a:schemeClr val="tx1">
+                        <a:lumMod val="75000"/>
+                        <a:lumOff val="25000"/>
+                      </a:schemeClr>
+                    </a:gs>
+                    <a:gs pos="50000">
+                      <a:schemeClr val="tx1">
+                        <a:lumMod val="75000"/>
+                        <a:lumOff val="25000"/>
+                      </a:schemeClr>
+                    </a:gs>
+                  </a:gsLst>
+                  <a:lin ang="5400000" scaled="0"/>
+                </a:gradFill>
+                <a:latin typeface="한컴 윤고딕 230" panose="02020603020101020101" pitchFamily="18" charset="-127"/>
+                <a:ea typeface="한컴 윤고딕 230" panose="02020603020101020101" pitchFamily="18" charset="-127"/>
+              </a:rPr>
+              <a:t>같은 메모리 영역을 여러 개의 변수가 공유</a:t>
+            </a:r>
+            <a:endParaRPr lang="en-US" altLang="ko-KR" sz="1200" spc="-20" dirty="0" smtClean="0">
+              <a:gradFill>
+                <a:gsLst>
+                  <a:gs pos="0">
+                    <a:schemeClr val="tx1">
+                      <a:lumMod val="75000"/>
+                      <a:lumOff val="25000"/>
+                    </a:schemeClr>
+                  </a:gs>
+                  <a:gs pos="50000">
+                    <a:schemeClr val="tx1">
+                      <a:lumMod val="75000"/>
+                      <a:lumOff val="25000"/>
+                    </a:schemeClr>
+                  </a:gs>
+                </a:gsLst>
+                <a:lin ang="5400000" scaled="0"/>
+              </a:gradFill>
+              <a:latin typeface="한컴 윤고딕 230" panose="02020603020101020101" pitchFamily="18" charset="-127"/>
+              <a:ea typeface="한컴 윤고딕 230" panose="02020603020101020101" pitchFamily="18" charset="-127"/>
+            </a:endParaRPr>
+          </a:p>
+          <a:p>
+            <a:pPr lvl="1">
+              <a:lnSpc>
+                <a:spcPct val="150000"/>
+              </a:lnSpc>
+            </a:pPr>
+            <a:r>
+              <a:rPr lang="en-US" altLang="ko-KR" sz="1200" spc="-20" dirty="0">
+                <a:gradFill>
+                  <a:gsLst>
+                    <a:gs pos="0">
+                      <a:schemeClr val="tx1">
+                        <a:lumMod val="75000"/>
+                        <a:lumOff val="25000"/>
+                      </a:schemeClr>
+                    </a:gs>
+                    <a:gs pos="50000">
+                      <a:schemeClr val="tx1">
+                        <a:lumMod val="75000"/>
+                        <a:lumOff val="25000"/>
+                      </a:schemeClr>
+                    </a:gs>
+                  </a:gsLst>
+                  <a:lin ang="5400000" scaled="0"/>
+                </a:gradFill>
+                <a:latin typeface="한컴 윤고딕 230" panose="02020603020101020101" pitchFamily="18" charset="-127"/>
+                <a:ea typeface="한컴 윤고딕 230" panose="02020603020101020101" pitchFamily="18" charset="-127"/>
+              </a:rPr>
+              <a:t> </a:t>
+            </a:r>
+            <a:r>
+              <a:rPr lang="en-US" altLang="ko-KR" sz="1200" spc="-20" dirty="0" smtClean="0">
+                <a:gradFill>
+                  <a:gsLst>
+                    <a:gs pos="0">
+                      <a:schemeClr val="tx1">
+                        <a:lumMod val="75000"/>
+                        <a:lumOff val="25000"/>
+                      </a:schemeClr>
+                    </a:gs>
+                    <a:gs pos="50000">
+                      <a:schemeClr val="tx1">
+                        <a:lumMod val="75000"/>
+                        <a:lumOff val="25000"/>
+                      </a:schemeClr>
+                    </a:gs>
+                  </a:gsLst>
+                  <a:lin ang="5400000" scaled="0"/>
+                </a:gradFill>
+                <a:latin typeface="한컴 윤고딕 230" panose="02020603020101020101" pitchFamily="18" charset="-127"/>
+                <a:ea typeface="한컴 윤고딕 230" panose="02020603020101020101" pitchFamily="18" charset="-127"/>
+              </a:rPr>
+              <a:t>    (</a:t>
+            </a:r>
+            <a:r>
+              <a:rPr lang="ko-KR" altLang="en-US" sz="1200" spc="-20" dirty="0" smtClean="0">
+                <a:gradFill>
+                  <a:gsLst>
+                    <a:gs pos="0">
+                      <a:schemeClr val="tx1">
+                        <a:lumMod val="75000"/>
+                        <a:lumOff val="25000"/>
+                      </a:schemeClr>
+                    </a:gs>
+                    <a:gs pos="50000">
+                      <a:schemeClr val="tx1">
+                        <a:lumMod val="75000"/>
+                        <a:lumOff val="25000"/>
+                      </a:schemeClr>
+                    </a:gs>
+                  </a:gsLst>
+                  <a:lin ang="5400000" scaled="0"/>
+                </a:gradFill>
+                <a:latin typeface="한컴 윤고딕 230" panose="02020603020101020101" pitchFamily="18" charset="-127"/>
+                <a:ea typeface="한컴 윤고딕 230" panose="02020603020101020101" pitchFamily="18" charset="-127"/>
+              </a:rPr>
+              <a:t>공용체의 크기는 가장 큰 맴버의 크기</a:t>
+            </a:r>
+            <a:r>
+              <a:rPr lang="en-US" altLang="ko-KR" sz="1200" spc="-20" dirty="0" smtClean="0">
+                <a:gradFill>
+                  <a:gsLst>
+                    <a:gs pos="0">
+                      <a:schemeClr val="tx1">
+                        <a:lumMod val="75000"/>
+                        <a:lumOff val="25000"/>
+                      </a:schemeClr>
+                    </a:gs>
+                    <a:gs pos="50000">
+                      <a:schemeClr val="tx1">
+                        <a:lumMod val="75000"/>
+                        <a:lumOff val="25000"/>
+                      </a:schemeClr>
+                    </a:gs>
+                  </a:gsLst>
+                  <a:lin ang="5400000" scaled="0"/>
+                </a:gradFill>
+                <a:latin typeface="한컴 윤고딕 230" panose="02020603020101020101" pitchFamily="18" charset="-127"/>
+                <a:ea typeface="한컴 윤고딕 230" panose="02020603020101020101" pitchFamily="18" charset="-127"/>
+              </a:rPr>
+              <a:t>)</a:t>
+            </a:r>
+            <a:endParaRPr lang="en-US" altLang="ko-KR" sz="1200" spc="-20" dirty="0">
+              <a:gradFill>
+                <a:gsLst>
+                  <a:gs pos="0">
+                    <a:schemeClr val="tx1">
+                      <a:lumMod val="75000"/>
+                      <a:lumOff val="25000"/>
+                    </a:schemeClr>
+                  </a:gs>
+                  <a:gs pos="50000">
+                    <a:schemeClr val="tx1">
+                      <a:lumMod val="75000"/>
+                      <a:lumOff val="25000"/>
+                    </a:schemeClr>
+                  </a:gs>
+                </a:gsLst>
+                <a:lin ang="5400000" scaled="0"/>
+              </a:gradFill>
+              <a:latin typeface="한컴 윤고딕 230" panose="02020603020101020101" pitchFamily="18" charset="-127"/>
+              <a:ea typeface="한컴 윤고딕 230" panose="02020603020101020101" pitchFamily="18" charset="-127"/>
+            </a:endParaRPr>
+          </a:p>
+          <a:p>
+            <a:pPr marL="742950" lvl="1" indent="-285750">
+              <a:lnSpc>
+                <a:spcPct val="150000"/>
+              </a:lnSpc>
+              <a:buFont typeface="Wingdings" panose="05000000000000000000" pitchFamily="2" charset="2"/>
+              <a:buChar char="ü"/>
+            </a:pPr>
+            <a:endParaRPr lang="en-US" altLang="ko-KR" sz="1200" spc="-20" dirty="0" smtClean="0">
+              <a:gradFill>
+                <a:gsLst>
+                  <a:gs pos="0">
+                    <a:schemeClr val="tx1">
+                      <a:lumMod val="75000"/>
+                      <a:lumOff val="25000"/>
+                    </a:schemeClr>
+                  </a:gs>
+                  <a:gs pos="50000">
+                    <a:schemeClr val="tx1">
+                      <a:lumMod val="75000"/>
+                      <a:lumOff val="25000"/>
+                    </a:schemeClr>
+                  </a:gs>
+                </a:gsLst>
+                <a:lin ang="5400000" scaled="0"/>
+              </a:gradFill>
+              <a:latin typeface="한컴 윤고딕 230" panose="02020603020101020101" pitchFamily="18" charset="-127"/>
+              <a:ea typeface="한컴 윤고딕 230" panose="02020603020101020101" pitchFamily="18" charset="-127"/>
+            </a:endParaRPr>
+          </a:p>
+          <a:p>
+            <a:pPr marL="742950" lvl="1" indent="-285750">
+              <a:lnSpc>
+                <a:spcPct val="150000"/>
+              </a:lnSpc>
+              <a:buFont typeface="Wingdings" panose="05000000000000000000" pitchFamily="2" charset="2"/>
+              <a:buChar char="ü"/>
+            </a:pPr>
+            <a:endParaRPr lang="en-US" altLang="ko-KR" sz="1200" spc="-20" dirty="0">
+              <a:gradFill>
+                <a:gsLst>
+                  <a:gs pos="0">
+                    <a:schemeClr val="tx1">
+                      <a:lumMod val="75000"/>
+                      <a:lumOff val="25000"/>
+                    </a:schemeClr>
+                  </a:gs>
+                  <a:gs pos="50000">
+                    <a:schemeClr val="tx1">
+                      <a:lumMod val="75000"/>
+                      <a:lumOff val="25000"/>
+                    </a:schemeClr>
+                  </a:gs>
+                </a:gsLst>
+                <a:lin ang="5400000" scaled="0"/>
+              </a:gradFill>
+              <a:latin typeface="한컴 윤고딕 230" panose="02020603020101020101" pitchFamily="18" charset="-127"/>
+              <a:ea typeface="한컴 윤고딕 230" panose="02020603020101020101" pitchFamily="18" charset="-127"/>
+            </a:endParaRPr>
+          </a:p>
+          <a:p>
+            <a:pPr marL="742950" lvl="1" indent="-285750">
+              <a:lnSpc>
+                <a:spcPct val="150000"/>
+              </a:lnSpc>
+              <a:buFont typeface="Wingdings" panose="05000000000000000000" pitchFamily="2" charset="2"/>
+              <a:buChar char="ü"/>
+            </a:pPr>
+            <a:endParaRPr lang="en-US" altLang="ko-KR" sz="1200" spc="-20" dirty="0" smtClean="0">
+              <a:gradFill>
+                <a:gsLst>
+                  <a:gs pos="0">
+                    <a:schemeClr val="tx1">
+                      <a:lumMod val="75000"/>
+                      <a:lumOff val="25000"/>
+                    </a:schemeClr>
+                  </a:gs>
+                  <a:gs pos="50000">
+                    <a:schemeClr val="tx1">
+                      <a:lumMod val="75000"/>
+                      <a:lumOff val="25000"/>
+                    </a:schemeClr>
+                  </a:gs>
+                </a:gsLst>
+                <a:lin ang="5400000" scaled="0"/>
+              </a:gradFill>
+              <a:latin typeface="한컴 윤고딕 230" panose="02020603020101020101" pitchFamily="18" charset="-127"/>
+              <a:ea typeface="한컴 윤고딕 230" panose="02020603020101020101" pitchFamily="18" charset="-127"/>
+            </a:endParaRPr>
+          </a:p>
+          <a:p>
+            <a:pPr marL="742950" lvl="1" indent="-285750">
+              <a:lnSpc>
+                <a:spcPct val="150000"/>
+              </a:lnSpc>
+              <a:buFont typeface="Wingdings" panose="05000000000000000000" pitchFamily="2" charset="2"/>
+              <a:buChar char="ü"/>
+            </a:pPr>
+            <a:endParaRPr lang="en-US" altLang="ko-KR" sz="1200" spc="-20" dirty="0">
+              <a:gradFill>
+                <a:gsLst>
+                  <a:gs pos="0">
+                    <a:schemeClr val="tx1">
+                      <a:lumMod val="75000"/>
+                      <a:lumOff val="25000"/>
+                    </a:schemeClr>
+                  </a:gs>
+                  <a:gs pos="50000">
+                    <a:schemeClr val="tx1">
+                      <a:lumMod val="75000"/>
+                      <a:lumOff val="25000"/>
+                    </a:schemeClr>
+                  </a:gs>
+                </a:gsLst>
+                <a:lin ang="5400000" scaled="0"/>
+              </a:gradFill>
+              <a:latin typeface="한컴 윤고딕 230" panose="02020603020101020101" pitchFamily="18" charset="-127"/>
+              <a:ea typeface="한컴 윤고딕 230" panose="02020603020101020101" pitchFamily="18" charset="-127"/>
+            </a:endParaRPr>
+          </a:p>
+          <a:p>
+            <a:pPr marL="742950" lvl="1" indent="-285750">
+              <a:lnSpc>
+                <a:spcPct val="150000"/>
+              </a:lnSpc>
+              <a:buFont typeface="Wingdings" panose="05000000000000000000" pitchFamily="2" charset="2"/>
+              <a:buChar char="ü"/>
+            </a:pPr>
+            <a:endParaRPr lang="en-US" altLang="ko-KR" sz="1200" spc="-20" dirty="0" smtClean="0">
+              <a:gradFill>
+                <a:gsLst>
+                  <a:gs pos="0">
+                    <a:schemeClr val="tx1">
+                      <a:lumMod val="75000"/>
+                      <a:lumOff val="25000"/>
+                    </a:schemeClr>
+                  </a:gs>
+                  <a:gs pos="50000">
+                    <a:schemeClr val="tx1">
+                      <a:lumMod val="75000"/>
+                      <a:lumOff val="25000"/>
+                    </a:schemeClr>
+                  </a:gs>
+                </a:gsLst>
+                <a:lin ang="5400000" scaled="0"/>
+              </a:gradFill>
+              <a:latin typeface="한컴 윤고딕 230" panose="02020603020101020101" pitchFamily="18" charset="-127"/>
+              <a:ea typeface="한컴 윤고딕 230" panose="02020603020101020101" pitchFamily="18" charset="-127"/>
+            </a:endParaRPr>
+          </a:p>
+          <a:p>
+            <a:pPr marL="742950" lvl="1" indent="-285750">
+              <a:lnSpc>
+                <a:spcPct val="150000"/>
+              </a:lnSpc>
+              <a:buFont typeface="Wingdings" panose="05000000000000000000" pitchFamily="2" charset="2"/>
+              <a:buChar char="ü"/>
+            </a:pPr>
+            <a:endParaRPr lang="en-US" altLang="ko-KR" sz="1200" spc="-20" dirty="0">
+              <a:gradFill>
+                <a:gsLst>
+                  <a:gs pos="0">
+                    <a:schemeClr val="tx1">
+                      <a:lumMod val="75000"/>
+                      <a:lumOff val="25000"/>
+                    </a:schemeClr>
+                  </a:gs>
+                  <a:gs pos="50000">
+                    <a:schemeClr val="tx1">
+                      <a:lumMod val="75000"/>
+                      <a:lumOff val="25000"/>
+                    </a:schemeClr>
+                  </a:gs>
+                </a:gsLst>
+                <a:lin ang="5400000" scaled="0"/>
+              </a:gradFill>
+              <a:latin typeface="한컴 윤고딕 230" panose="02020603020101020101" pitchFamily="18" charset="-127"/>
+              <a:ea typeface="한컴 윤고딕 230" panose="02020603020101020101" pitchFamily="18" charset="-127"/>
+            </a:endParaRPr>
+          </a:p>
+          <a:p>
+            <a:pPr marL="742950" lvl="1" indent="-285750">
+              <a:lnSpc>
+                <a:spcPct val="150000"/>
+              </a:lnSpc>
+              <a:buFont typeface="Wingdings" panose="05000000000000000000" pitchFamily="2" charset="2"/>
+              <a:buChar char="ü"/>
+            </a:pPr>
+            <a:endParaRPr lang="en-US" altLang="ko-KR" sz="1200" spc="-20" dirty="0" smtClean="0">
+              <a:gradFill>
+                <a:gsLst>
+                  <a:gs pos="0">
+                    <a:schemeClr val="tx1">
+                      <a:lumMod val="75000"/>
+                      <a:lumOff val="25000"/>
+                    </a:schemeClr>
+                  </a:gs>
+                  <a:gs pos="50000">
+                    <a:schemeClr val="tx1">
+                      <a:lumMod val="75000"/>
+                      <a:lumOff val="25000"/>
+                    </a:schemeClr>
+                  </a:gs>
+                </a:gsLst>
+                <a:lin ang="5400000" scaled="0"/>
+              </a:gradFill>
+              <a:latin typeface="한컴 윤고딕 230" panose="02020603020101020101" pitchFamily="18" charset="-127"/>
+              <a:ea typeface="한컴 윤고딕 230" panose="02020603020101020101" pitchFamily="18" charset="-127"/>
+            </a:endParaRPr>
+          </a:p>
+          <a:p>
+            <a:pPr marL="742950" lvl="1" indent="-285750">
+              <a:lnSpc>
+                <a:spcPct val="150000"/>
+              </a:lnSpc>
+              <a:buFont typeface="Wingdings" panose="05000000000000000000" pitchFamily="2" charset="2"/>
+              <a:buChar char="ü"/>
+            </a:pPr>
+            <a:endParaRPr lang="en-US" altLang="ko-KR" sz="1200" spc="-20" dirty="0">
+              <a:gradFill>
+                <a:gsLst>
+                  <a:gs pos="0">
+                    <a:schemeClr val="tx1">
+                      <a:lumMod val="75000"/>
+                      <a:lumOff val="25000"/>
+                    </a:schemeClr>
+                  </a:gs>
+                  <a:gs pos="50000">
+                    <a:schemeClr val="tx1">
+                      <a:lumMod val="75000"/>
+                      <a:lumOff val="25000"/>
+                    </a:schemeClr>
+                  </a:gs>
+                </a:gsLst>
+                <a:lin ang="5400000" scaled="0"/>
+              </a:gradFill>
+              <a:latin typeface="한컴 윤고딕 230" panose="02020603020101020101" pitchFamily="18" charset="-127"/>
+              <a:ea typeface="한컴 윤고딕 230" panose="02020603020101020101" pitchFamily="18" charset="-127"/>
+            </a:endParaRPr>
+          </a:p>
+          <a:p>
+            <a:pPr marL="742950" lvl="1" indent="-285750">
+              <a:lnSpc>
+                <a:spcPct val="150000"/>
+              </a:lnSpc>
+              <a:buFont typeface="Wingdings" panose="05000000000000000000" pitchFamily="2" charset="2"/>
+              <a:buChar char="ü"/>
+            </a:pPr>
+            <a:endParaRPr lang="en-US" altLang="ko-KR" sz="1200" spc="-20" dirty="0" smtClean="0">
+              <a:gradFill>
+                <a:gsLst>
+                  <a:gs pos="0">
+                    <a:schemeClr val="tx1">
+                      <a:lumMod val="75000"/>
+                      <a:lumOff val="25000"/>
+                    </a:schemeClr>
+                  </a:gs>
+                  <a:gs pos="50000">
+                    <a:schemeClr val="tx1">
+                      <a:lumMod val="75000"/>
+                      <a:lumOff val="25000"/>
+                    </a:schemeClr>
+                  </a:gs>
+                </a:gsLst>
+                <a:lin ang="5400000" scaled="0"/>
+              </a:gradFill>
+              <a:latin typeface="한컴 윤고딕 230" panose="02020603020101020101" pitchFamily="18" charset="-127"/>
+              <a:ea typeface="한컴 윤고딕 230" panose="02020603020101020101" pitchFamily="18" charset="-127"/>
+            </a:endParaRPr>
+          </a:p>
+        </p:txBody>
+      </p:sp>
+      <p:sp>
+        <p:nvSpPr>
+          <p:cNvPr id="20" name="TextBox 19"/>
+          <p:cNvSpPr txBox="1"/>
+          <p:nvPr/>
+        </p:nvSpPr>
+        <p:spPr>
+          <a:xfrm>
+            <a:off x="6092415" y="1272712"/>
+            <a:ext cx="5766280" cy="5331351"/>
+          </a:xfrm>
+          <a:prstGeom prst="rect">
+            <a:avLst/>
+          </a:prstGeom>
+          <a:noFill/>
+        </p:spPr>
+        <p:txBody>
+          <a:bodyPr wrap="square" rtlCol="0">
+            <a:normAutofit/>
+          </a:bodyPr>
+          <a:lstStyle/>
+          <a:p>
+            <a:pPr>
+              <a:lnSpc>
+                <a:spcPct val="150000"/>
+              </a:lnSpc>
+            </a:pPr>
+            <a:r>
+              <a:rPr lang="en-US" altLang="ko-KR" sz="1400" b="1" spc="-20" dirty="0" smtClean="0">
+                <a:gradFill>
+                  <a:gsLst>
+                    <a:gs pos="0">
+                      <a:schemeClr val="tx1">
+                        <a:lumMod val="75000"/>
+                        <a:lumOff val="25000"/>
+                      </a:schemeClr>
+                    </a:gs>
+                    <a:gs pos="50000">
+                      <a:schemeClr val="tx1">
+                        <a:lumMod val="75000"/>
+                        <a:lumOff val="25000"/>
+                      </a:schemeClr>
+                    </a:gs>
+                  </a:gsLst>
+                  <a:lin ang="5400000" scaled="0"/>
+                </a:gradFill>
+                <a:latin typeface="한컴 윤고딕 230" panose="02020603020101020101" pitchFamily="18" charset="-127"/>
+                <a:ea typeface="한컴 윤고딕 230" panose="02020603020101020101" pitchFamily="18" charset="-127"/>
+              </a:rPr>
+              <a:t>2. Union</a:t>
+            </a:r>
+            <a:r>
+              <a:rPr lang="ko-KR" altLang="en-US" sz="1400" b="1" spc="-20" dirty="0" smtClean="0">
+                <a:gradFill>
+                  <a:gsLst>
+                    <a:gs pos="0">
+                      <a:schemeClr val="tx1">
+                        <a:lumMod val="75000"/>
+                        <a:lumOff val="25000"/>
+                      </a:schemeClr>
+                    </a:gs>
+                    <a:gs pos="50000">
+                      <a:schemeClr val="tx1">
+                        <a:lumMod val="75000"/>
+                        <a:lumOff val="25000"/>
+                      </a:schemeClr>
+                    </a:gs>
+                  </a:gsLst>
+                  <a:lin ang="5400000" scaled="0"/>
+                </a:gradFill>
+                <a:latin typeface="한컴 윤고딕 230" panose="02020603020101020101" pitchFamily="18" charset="-127"/>
+                <a:ea typeface="한컴 윤고딕 230" panose="02020603020101020101" pitchFamily="18" charset="-127"/>
+              </a:rPr>
+              <a:t>의 활용</a:t>
+            </a:r>
+            <a:endParaRPr lang="en-US" altLang="ko-KR" sz="1400" b="1" spc="-20" dirty="0">
+              <a:gradFill>
+                <a:gsLst>
+                  <a:gs pos="0">
+                    <a:schemeClr val="tx1">
+                      <a:lumMod val="75000"/>
+                      <a:lumOff val="25000"/>
+                    </a:schemeClr>
+                  </a:gs>
+                  <a:gs pos="50000">
+                    <a:schemeClr val="tx1">
+                      <a:lumMod val="75000"/>
+                      <a:lumOff val="25000"/>
+                    </a:schemeClr>
+                  </a:gs>
+                </a:gsLst>
+                <a:lin ang="5400000" scaled="0"/>
+              </a:gradFill>
+              <a:latin typeface="한컴 윤고딕 230" panose="02020603020101020101" pitchFamily="18" charset="-127"/>
+              <a:ea typeface="한컴 윤고딕 230" panose="02020603020101020101" pitchFamily="18" charset="-127"/>
+            </a:endParaRPr>
+          </a:p>
+          <a:p>
+            <a:pPr marL="742950" lvl="1" indent="-285750">
+              <a:lnSpc>
+                <a:spcPct val="150000"/>
+              </a:lnSpc>
+              <a:buFont typeface="Wingdings" panose="05000000000000000000" pitchFamily="2" charset="2"/>
+              <a:buChar char="ü"/>
+            </a:pPr>
+            <a:r>
+              <a:rPr lang="ko-KR" altLang="en-US" sz="1200" spc="-20" dirty="0" smtClean="0">
+                <a:gradFill>
+                  <a:gsLst>
+                    <a:gs pos="0">
+                      <a:schemeClr val="tx1">
+                        <a:lumMod val="75000"/>
+                        <a:lumOff val="25000"/>
+                      </a:schemeClr>
+                    </a:gs>
+                    <a:gs pos="50000">
+                      <a:schemeClr val="tx1">
+                        <a:lumMod val="75000"/>
+                        <a:lumOff val="25000"/>
+                      </a:schemeClr>
+                    </a:gs>
+                  </a:gsLst>
+                  <a:lin ang="5400000" scaled="0"/>
+                </a:gradFill>
+                <a:latin typeface="한컴 윤고딕 230" panose="02020603020101020101" pitchFamily="18" charset="-127"/>
+                <a:ea typeface="한컴 윤고딕 230" panose="02020603020101020101" pitchFamily="18" charset="-127"/>
+              </a:rPr>
+              <a:t>통신 </a:t>
+            </a:r>
+            <a:r>
+              <a:rPr lang="en-US" altLang="ko-KR" sz="1200" spc="-20" dirty="0" smtClean="0">
+                <a:gradFill>
+                  <a:gsLst>
+                    <a:gs pos="0">
+                      <a:schemeClr val="tx1">
+                        <a:lumMod val="75000"/>
+                        <a:lumOff val="25000"/>
+                      </a:schemeClr>
+                    </a:gs>
+                    <a:gs pos="50000">
+                      <a:schemeClr val="tx1">
+                        <a:lumMod val="75000"/>
+                        <a:lumOff val="25000"/>
+                      </a:schemeClr>
+                    </a:gs>
+                  </a:gsLst>
+                  <a:lin ang="5400000" scaled="0"/>
+                </a:gradFill>
+                <a:latin typeface="한컴 윤고딕 230" panose="02020603020101020101" pitchFamily="18" charset="-127"/>
+                <a:ea typeface="한컴 윤고딕 230" panose="02020603020101020101" pitchFamily="18" charset="-127"/>
+              </a:rPr>
+              <a:t>(</a:t>
+            </a:r>
+            <a:r>
+              <a:rPr lang="en-US" altLang="ko-KR" sz="1200" spc="-20" dirty="0" err="1" smtClean="0">
+                <a:gradFill>
+                  <a:gsLst>
+                    <a:gs pos="0">
+                      <a:schemeClr val="tx1">
+                        <a:lumMod val="75000"/>
+                        <a:lumOff val="25000"/>
+                      </a:schemeClr>
+                    </a:gs>
+                    <a:gs pos="50000">
+                      <a:schemeClr val="tx1">
+                        <a:lumMod val="75000"/>
+                        <a:lumOff val="25000"/>
+                      </a:schemeClr>
+                    </a:gs>
+                  </a:gsLst>
+                  <a:lin ang="5400000" scaled="0"/>
+                </a:gradFill>
+                <a:latin typeface="한컴 윤고딕 230" panose="02020603020101020101" pitchFamily="18" charset="-127"/>
+                <a:ea typeface="한컴 윤고딕 230" panose="02020603020101020101" pitchFamily="18" charset="-127"/>
+              </a:rPr>
+              <a:t>ip</a:t>
+            </a:r>
+            <a:r>
+              <a:rPr lang="en-US" altLang="ko-KR" sz="1200" spc="-20" dirty="0" smtClean="0">
+                <a:gradFill>
+                  <a:gsLst>
+                    <a:gs pos="0">
+                      <a:schemeClr val="tx1">
+                        <a:lumMod val="75000"/>
+                        <a:lumOff val="25000"/>
+                      </a:schemeClr>
+                    </a:gs>
+                    <a:gs pos="50000">
+                      <a:schemeClr val="tx1">
+                        <a:lumMod val="75000"/>
+                        <a:lumOff val="25000"/>
+                      </a:schemeClr>
+                    </a:gs>
+                  </a:gsLst>
+                  <a:lin ang="5400000" scaled="0"/>
+                </a:gradFill>
+                <a:latin typeface="한컴 윤고딕 230" panose="02020603020101020101" pitchFamily="18" charset="-127"/>
+                <a:ea typeface="한컴 윤고딕 230" panose="02020603020101020101" pitchFamily="18" charset="-127"/>
+              </a:rPr>
+              <a:t> address)</a:t>
+            </a:r>
+            <a:endParaRPr lang="en-US" altLang="ko-KR" sz="1400" spc="-20" dirty="0" smtClean="0">
+              <a:gradFill>
+                <a:gsLst>
+                  <a:gs pos="0">
+                    <a:schemeClr val="tx1">
+                      <a:lumMod val="75000"/>
+                      <a:lumOff val="25000"/>
+                    </a:schemeClr>
+                  </a:gs>
+                  <a:gs pos="50000">
+                    <a:schemeClr val="tx1">
+                      <a:lumMod val="75000"/>
+                      <a:lumOff val="25000"/>
+                    </a:schemeClr>
+                  </a:gs>
+                </a:gsLst>
+                <a:lin ang="5400000" scaled="0"/>
+              </a:gradFill>
+              <a:latin typeface="한컴 윤고딕 230" panose="02020603020101020101" pitchFamily="18" charset="-127"/>
+              <a:ea typeface="한컴 윤고딕 230" panose="02020603020101020101" pitchFamily="18" charset="-127"/>
+            </a:endParaRPr>
+          </a:p>
+          <a:p>
+            <a:pPr marL="1200150" lvl="2" indent="-285750">
+              <a:lnSpc>
+                <a:spcPct val="150000"/>
+              </a:lnSpc>
+              <a:buFont typeface="Arial" panose="020B0604020202020204" pitchFamily="34" charset="0"/>
+              <a:buChar char="•"/>
+            </a:pPr>
+            <a:r>
+              <a:rPr lang="ko-KR" altLang="en-US" sz="1100" spc="-20" dirty="0" smtClean="0">
+                <a:gradFill>
+                  <a:gsLst>
+                    <a:gs pos="0">
+                      <a:schemeClr val="tx1">
+                        <a:lumMod val="75000"/>
+                        <a:lumOff val="25000"/>
+                      </a:schemeClr>
+                    </a:gs>
+                    <a:gs pos="50000">
+                      <a:schemeClr val="tx1">
+                        <a:lumMod val="75000"/>
+                        <a:lumOff val="25000"/>
+                      </a:schemeClr>
+                    </a:gs>
+                  </a:gsLst>
+                  <a:lin ang="5400000" scaled="0"/>
+                </a:gradFill>
+                <a:latin typeface="한컴 윤고딕 230" panose="02020603020101020101" pitchFamily="18" charset="-127"/>
+                <a:ea typeface="한컴 윤고딕 230" panose="02020603020101020101" pitchFamily="18" charset="-127"/>
+              </a:rPr>
+              <a:t>상대방이 보내려는 정수 값 </a:t>
+            </a:r>
+            <a:r>
+              <a:rPr lang="en-US" altLang="ko-KR" sz="1100" spc="-20" dirty="0" smtClean="0">
+                <a:gradFill>
+                  <a:gsLst>
+                    <a:gs pos="0">
+                      <a:schemeClr val="tx1">
+                        <a:lumMod val="75000"/>
+                        <a:lumOff val="25000"/>
+                      </a:schemeClr>
+                    </a:gs>
+                    <a:gs pos="50000">
+                      <a:schemeClr val="tx1">
+                        <a:lumMod val="75000"/>
+                        <a:lumOff val="25000"/>
+                      </a:schemeClr>
+                    </a:gs>
+                  </a:gsLst>
+                  <a:lin ang="5400000" scaled="0"/>
+                </a:gradFill>
+                <a:latin typeface="한컴 윤고딕 230" panose="02020603020101020101" pitchFamily="18" charset="-127"/>
+                <a:ea typeface="한컴 윤고딕 230" panose="02020603020101020101" pitchFamily="18" charset="-127"/>
+              </a:rPr>
+              <a:t>: 0x12345678</a:t>
+            </a:r>
+          </a:p>
+          <a:p>
+            <a:pPr marL="1200150" lvl="2" indent="-285750">
+              <a:lnSpc>
+                <a:spcPct val="150000"/>
+              </a:lnSpc>
+              <a:buFont typeface="Arial" panose="020B0604020202020204" pitchFamily="34" charset="0"/>
+              <a:buChar char="•"/>
+            </a:pPr>
+            <a:r>
+              <a:rPr lang="ko-KR" altLang="en-US" sz="1100" spc="-20" dirty="0" smtClean="0">
+                <a:gradFill>
+                  <a:gsLst>
+                    <a:gs pos="0">
+                      <a:schemeClr val="tx1">
+                        <a:lumMod val="75000"/>
+                        <a:lumOff val="25000"/>
+                      </a:schemeClr>
+                    </a:gs>
+                    <a:gs pos="50000">
+                      <a:schemeClr val="tx1">
+                        <a:lumMod val="75000"/>
+                        <a:lumOff val="25000"/>
+                      </a:schemeClr>
+                    </a:gs>
+                  </a:gsLst>
+                  <a:lin ang="5400000" scaled="0"/>
+                </a:gradFill>
+                <a:latin typeface="한컴 윤고딕 230" panose="02020603020101020101" pitchFamily="18" charset="-127"/>
+                <a:ea typeface="한컴 윤고딕 230" panose="02020603020101020101" pitchFamily="18" charset="-127"/>
+              </a:rPr>
+              <a:t>상대방이 하나 씩 보낸 순서 </a:t>
+            </a:r>
+            <a:r>
+              <a:rPr lang="en-US" altLang="ko-KR" sz="1100" spc="-20" dirty="0" smtClean="0">
+                <a:gradFill>
+                  <a:gsLst>
+                    <a:gs pos="0">
+                      <a:schemeClr val="tx1">
+                        <a:lumMod val="75000"/>
+                        <a:lumOff val="25000"/>
+                      </a:schemeClr>
+                    </a:gs>
+                    <a:gs pos="50000">
+                      <a:schemeClr val="tx1">
+                        <a:lumMod val="75000"/>
+                        <a:lumOff val="25000"/>
+                      </a:schemeClr>
+                    </a:gs>
+                  </a:gsLst>
+                  <a:lin ang="5400000" scaled="0"/>
+                </a:gradFill>
+                <a:latin typeface="한컴 윤고딕 230" panose="02020603020101020101" pitchFamily="18" charset="-127"/>
+                <a:ea typeface="한컴 윤고딕 230" panose="02020603020101020101" pitchFamily="18" charset="-127"/>
+              </a:rPr>
+              <a:t>: 0x12, 0x34, 0x56, 0x78</a:t>
+            </a:r>
+          </a:p>
+          <a:p>
+            <a:pPr lvl="2">
+              <a:lnSpc>
+                <a:spcPct val="150000"/>
+              </a:lnSpc>
+            </a:pPr>
+            <a:endParaRPr lang="en-US" altLang="ko-KR" sz="1100" spc="-20" dirty="0" smtClean="0">
+              <a:gradFill>
+                <a:gsLst>
+                  <a:gs pos="0">
+                    <a:schemeClr val="tx1">
+                      <a:lumMod val="75000"/>
+                      <a:lumOff val="25000"/>
+                    </a:schemeClr>
+                  </a:gs>
+                  <a:gs pos="50000">
+                    <a:schemeClr val="tx1">
+                      <a:lumMod val="75000"/>
+                      <a:lumOff val="25000"/>
+                    </a:schemeClr>
+                  </a:gs>
+                </a:gsLst>
+                <a:lin ang="5400000" scaled="0"/>
+              </a:gradFill>
+              <a:latin typeface="한컴 윤고딕 230" panose="02020603020101020101" pitchFamily="18" charset="-127"/>
+              <a:ea typeface="한컴 윤고딕 230" panose="02020603020101020101" pitchFamily="18" charset="-127"/>
+            </a:endParaRPr>
+          </a:p>
+          <a:p>
+            <a:pPr marL="1085850" lvl="2" indent="-171450">
+              <a:lnSpc>
+                <a:spcPct val="150000"/>
+              </a:lnSpc>
+              <a:buFont typeface="Wingdings" panose="05000000000000000000" pitchFamily="2" charset="2"/>
+              <a:buChar char="Ø"/>
+            </a:pPr>
+            <a:r>
+              <a:rPr lang="ko-KR" altLang="en-US" sz="1100" spc="-20" dirty="0" smtClean="0">
+                <a:gradFill>
+                  <a:gsLst>
+                    <a:gs pos="0">
+                      <a:schemeClr val="tx1">
+                        <a:lumMod val="75000"/>
+                        <a:lumOff val="25000"/>
+                      </a:schemeClr>
+                    </a:gs>
+                    <a:gs pos="50000">
+                      <a:schemeClr val="tx1">
+                        <a:lumMod val="75000"/>
+                        <a:lumOff val="25000"/>
+                      </a:schemeClr>
+                    </a:gs>
+                  </a:gsLst>
+                  <a:lin ang="5400000" scaled="0"/>
+                </a:gradFill>
+                <a:latin typeface="한컴 윤고딕 230" panose="02020603020101020101" pitchFamily="18" charset="-127"/>
+                <a:ea typeface="한컴 윤고딕 230" panose="02020603020101020101" pitchFamily="18" charset="-127"/>
+              </a:rPr>
+              <a:t>직접 계산</a:t>
+            </a:r>
+            <a:endParaRPr lang="en-US" altLang="ko-KR" sz="1100" spc="-20" dirty="0" smtClean="0">
+              <a:gradFill>
+                <a:gsLst>
+                  <a:gs pos="0">
+                    <a:schemeClr val="tx1">
+                      <a:lumMod val="75000"/>
+                      <a:lumOff val="25000"/>
+                    </a:schemeClr>
+                  </a:gs>
+                  <a:gs pos="50000">
+                    <a:schemeClr val="tx1">
+                      <a:lumMod val="75000"/>
+                      <a:lumOff val="25000"/>
+                    </a:schemeClr>
+                  </a:gs>
+                </a:gsLst>
+                <a:lin ang="5400000" scaled="0"/>
+              </a:gradFill>
+              <a:latin typeface="한컴 윤고딕 230" panose="02020603020101020101" pitchFamily="18" charset="-127"/>
+              <a:ea typeface="한컴 윤고딕 230" panose="02020603020101020101" pitchFamily="18" charset="-127"/>
+            </a:endParaRPr>
+          </a:p>
+          <a:p>
+            <a:pPr lvl="2">
+              <a:lnSpc>
+                <a:spcPct val="150000"/>
+              </a:lnSpc>
+            </a:pPr>
+            <a:endParaRPr lang="en-US" altLang="ko-KR" sz="1100" spc="-20" dirty="0">
+              <a:gradFill>
+                <a:gsLst>
+                  <a:gs pos="0">
+                    <a:schemeClr val="tx1">
+                      <a:lumMod val="75000"/>
+                      <a:lumOff val="25000"/>
+                    </a:schemeClr>
+                  </a:gs>
+                  <a:gs pos="50000">
+                    <a:schemeClr val="tx1">
+                      <a:lumMod val="75000"/>
+                      <a:lumOff val="25000"/>
+                    </a:schemeClr>
+                  </a:gs>
+                </a:gsLst>
+                <a:lin ang="5400000" scaled="0"/>
+              </a:gradFill>
+              <a:latin typeface="한컴 윤고딕 230" panose="02020603020101020101" pitchFamily="18" charset="-127"/>
+              <a:ea typeface="한컴 윤고딕 230" panose="02020603020101020101" pitchFamily="18" charset="-127"/>
+            </a:endParaRPr>
+          </a:p>
+          <a:p>
+            <a:pPr lvl="2">
+              <a:lnSpc>
+                <a:spcPct val="150000"/>
+              </a:lnSpc>
+            </a:pPr>
+            <a:endParaRPr lang="en-US" altLang="ko-KR" sz="1100" spc="-20" dirty="0" smtClean="0">
+              <a:gradFill>
+                <a:gsLst>
+                  <a:gs pos="0">
+                    <a:schemeClr val="tx1">
+                      <a:lumMod val="75000"/>
+                      <a:lumOff val="25000"/>
+                    </a:schemeClr>
+                  </a:gs>
+                  <a:gs pos="50000">
+                    <a:schemeClr val="tx1">
+                      <a:lumMod val="75000"/>
+                      <a:lumOff val="25000"/>
+                    </a:schemeClr>
+                  </a:gs>
+                </a:gsLst>
+                <a:lin ang="5400000" scaled="0"/>
+              </a:gradFill>
+              <a:latin typeface="한컴 윤고딕 230" panose="02020603020101020101" pitchFamily="18" charset="-127"/>
+              <a:ea typeface="한컴 윤고딕 230" panose="02020603020101020101" pitchFamily="18" charset="-127"/>
+            </a:endParaRPr>
+          </a:p>
+          <a:p>
+            <a:pPr marL="1085850" lvl="2" indent="-171450">
+              <a:lnSpc>
+                <a:spcPct val="150000"/>
+              </a:lnSpc>
+              <a:buFont typeface="Wingdings" panose="05000000000000000000" pitchFamily="2" charset="2"/>
+              <a:buChar char="Ø"/>
+            </a:pPr>
+            <a:r>
+              <a:rPr lang="en-US" altLang="ko-KR" sz="1100" spc="-20" dirty="0" smtClean="0">
+                <a:gradFill>
+                  <a:gsLst>
+                    <a:gs pos="0">
+                      <a:schemeClr val="tx1">
+                        <a:lumMod val="75000"/>
+                        <a:lumOff val="25000"/>
+                      </a:schemeClr>
+                    </a:gs>
+                    <a:gs pos="50000">
+                      <a:schemeClr val="tx1">
+                        <a:lumMod val="75000"/>
+                        <a:lumOff val="25000"/>
+                      </a:schemeClr>
+                    </a:gs>
+                  </a:gsLst>
+                  <a:lin ang="5400000" scaled="0"/>
+                </a:gradFill>
+                <a:latin typeface="한컴 윤고딕 230" panose="02020603020101020101" pitchFamily="18" charset="-127"/>
+                <a:ea typeface="한컴 윤고딕 230" panose="02020603020101020101" pitchFamily="18" charset="-127"/>
+              </a:rPr>
+              <a:t>Union</a:t>
+            </a:r>
+            <a:r>
+              <a:rPr lang="ko-KR" altLang="en-US" sz="1200" spc="-20" dirty="0" smtClean="0">
+                <a:gradFill>
+                  <a:gsLst>
+                    <a:gs pos="0">
+                      <a:schemeClr val="tx1">
+                        <a:lumMod val="75000"/>
+                        <a:lumOff val="25000"/>
+                      </a:schemeClr>
+                    </a:gs>
+                    <a:gs pos="50000">
+                      <a:schemeClr val="tx1">
+                        <a:lumMod val="75000"/>
+                        <a:lumOff val="25000"/>
+                      </a:schemeClr>
+                    </a:gs>
+                  </a:gsLst>
+                  <a:lin ang="5400000" scaled="0"/>
+                </a:gradFill>
+                <a:latin typeface="한컴 윤고딕 230" panose="02020603020101020101" pitchFamily="18" charset="-127"/>
+                <a:ea typeface="한컴 윤고딕 230" panose="02020603020101020101" pitchFamily="18" charset="-127"/>
+              </a:rPr>
+              <a:t>을 이용</a:t>
+            </a:r>
+            <a:endParaRPr lang="en-US" altLang="ko-KR" sz="1200" spc="-20" dirty="0" smtClean="0">
+              <a:gradFill>
+                <a:gsLst>
+                  <a:gs pos="0">
+                    <a:schemeClr val="tx1">
+                      <a:lumMod val="75000"/>
+                      <a:lumOff val="25000"/>
+                    </a:schemeClr>
+                  </a:gs>
+                  <a:gs pos="50000">
+                    <a:schemeClr val="tx1">
+                      <a:lumMod val="75000"/>
+                      <a:lumOff val="25000"/>
+                    </a:schemeClr>
+                  </a:gs>
+                </a:gsLst>
+                <a:lin ang="5400000" scaled="0"/>
+              </a:gradFill>
+              <a:latin typeface="한컴 윤고딕 230" panose="02020603020101020101" pitchFamily="18" charset="-127"/>
+              <a:ea typeface="한컴 윤고딕 230" panose="02020603020101020101" pitchFamily="18" charset="-127"/>
+            </a:endParaRPr>
+          </a:p>
+          <a:p>
+            <a:pPr lvl="2">
+              <a:lnSpc>
+                <a:spcPct val="150000"/>
+              </a:lnSpc>
+            </a:pPr>
+            <a:endParaRPr lang="en-US" altLang="ko-KR" sz="1200" spc="-20" dirty="0">
+              <a:gradFill>
+                <a:gsLst>
+                  <a:gs pos="0">
+                    <a:schemeClr val="tx1">
+                      <a:lumMod val="75000"/>
+                      <a:lumOff val="25000"/>
+                    </a:schemeClr>
+                  </a:gs>
+                  <a:gs pos="50000">
+                    <a:schemeClr val="tx1">
+                      <a:lumMod val="75000"/>
+                      <a:lumOff val="25000"/>
+                    </a:schemeClr>
+                  </a:gs>
+                </a:gsLst>
+                <a:lin ang="5400000" scaled="0"/>
+              </a:gradFill>
+              <a:latin typeface="한컴 윤고딕 230" panose="02020603020101020101" pitchFamily="18" charset="-127"/>
+              <a:ea typeface="한컴 윤고딕 230" panose="02020603020101020101" pitchFamily="18" charset="-127"/>
+            </a:endParaRPr>
+          </a:p>
+        </p:txBody>
+      </p:sp>
+      <p:cxnSp>
+        <p:nvCxnSpPr>
+          <p:cNvPr id="21" name="직선 연결선 20"/>
+          <p:cNvCxnSpPr/>
+          <p:nvPr/>
+        </p:nvCxnSpPr>
+        <p:spPr>
+          <a:xfrm>
+            <a:off x="6092414" y="1525329"/>
+            <a:ext cx="0" cy="5078735"/>
+          </a:xfrm>
+          <a:prstGeom prst="line">
+            <a:avLst/>
+          </a:prstGeom>
+          <a:ln>
+            <a:prstDash val="dash"/>
+          </a:ln>
+        </p:spPr>
+        <p:style>
+          <a:lnRef idx="1">
+            <a:schemeClr val="dk1"/>
+          </a:lnRef>
+          <a:fillRef idx="0">
+            <a:schemeClr val="dk1"/>
+          </a:fillRef>
+          <a:effectRef idx="0">
+            <a:schemeClr val="dk1"/>
+          </a:effectRef>
+          <a:fontRef idx="minor">
+            <a:schemeClr val="tx1"/>
+          </a:fontRef>
+        </p:style>
+      </p:cxnSp>
+      <p:pic>
+        <p:nvPicPr>
+          <p:cNvPr id="10" name="그림 9"/>
+          <p:cNvPicPr>
+            <a:picLocks noChangeAspect="1"/>
+          </p:cNvPicPr>
+          <p:nvPr/>
+        </p:nvPicPr>
+        <p:blipFill>
+          <a:blip r:embed="rId3"/>
+          <a:stretch>
+            <a:fillRect/>
+          </a:stretch>
+        </p:blipFill>
+        <p:spPr>
+          <a:xfrm>
+            <a:off x="964876" y="4961916"/>
+            <a:ext cx="4933950" cy="1438275"/>
+          </a:xfrm>
+          <a:prstGeom prst="rect">
+            <a:avLst/>
+          </a:prstGeom>
+        </p:spPr>
+      </p:pic>
+      <p:pic>
+        <p:nvPicPr>
+          <p:cNvPr id="13" name="그림 12"/>
+          <p:cNvPicPr>
+            <a:picLocks noChangeAspect="1"/>
+          </p:cNvPicPr>
+          <p:nvPr/>
+        </p:nvPicPr>
+        <p:blipFill>
+          <a:blip r:embed="rId4"/>
+          <a:stretch>
+            <a:fillRect/>
+          </a:stretch>
+        </p:blipFill>
+        <p:spPr>
+          <a:xfrm>
+            <a:off x="7153209" y="2923777"/>
+            <a:ext cx="4696122" cy="190500"/>
+          </a:xfrm>
+          <a:prstGeom prst="rect">
+            <a:avLst/>
+          </a:prstGeom>
+        </p:spPr>
+      </p:pic>
+      <p:pic>
+        <p:nvPicPr>
+          <p:cNvPr id="16" name="그림 15"/>
+          <p:cNvPicPr>
+            <a:picLocks noChangeAspect="1"/>
+          </p:cNvPicPr>
+          <p:nvPr/>
+        </p:nvPicPr>
+        <p:blipFill rotWithShape="1">
+          <a:blip r:embed="rId5"/>
+          <a:srcRect b="56285"/>
+          <a:stretch/>
+        </p:blipFill>
+        <p:spPr>
+          <a:xfrm>
+            <a:off x="7108716" y="3691264"/>
+            <a:ext cx="2333625" cy="849421"/>
+          </a:xfrm>
+          <a:prstGeom prst="rect">
+            <a:avLst/>
+          </a:prstGeom>
+        </p:spPr>
+      </p:pic>
+      <p:pic>
+        <p:nvPicPr>
+          <p:cNvPr id="24" name="그림 23"/>
+          <p:cNvPicPr>
+            <a:picLocks noChangeAspect="1"/>
+          </p:cNvPicPr>
+          <p:nvPr/>
+        </p:nvPicPr>
+        <p:blipFill>
+          <a:blip r:embed="rId6"/>
+          <a:stretch>
+            <a:fillRect/>
+          </a:stretch>
+        </p:blipFill>
+        <p:spPr>
+          <a:xfrm>
+            <a:off x="7108716" y="4851136"/>
+            <a:ext cx="2095500" cy="666750"/>
+          </a:xfrm>
+          <a:prstGeom prst="rect">
+            <a:avLst/>
+          </a:prstGeom>
+        </p:spPr>
+      </p:pic>
+      <p:pic>
+        <p:nvPicPr>
+          <p:cNvPr id="25" name="그림 24"/>
+          <p:cNvPicPr>
+            <a:picLocks noChangeAspect="1"/>
+          </p:cNvPicPr>
+          <p:nvPr/>
+        </p:nvPicPr>
+        <p:blipFill>
+          <a:blip r:embed="rId7"/>
+          <a:stretch>
+            <a:fillRect/>
+          </a:stretch>
+        </p:blipFill>
+        <p:spPr>
+          <a:xfrm>
+            <a:off x="7108716" y="5700754"/>
+            <a:ext cx="2439247" cy="157613"/>
+          </a:xfrm>
+          <a:prstGeom prst="rect">
+            <a:avLst/>
+          </a:prstGeom>
+        </p:spPr>
+      </p:pic>
+      <p:pic>
+        <p:nvPicPr>
+          <p:cNvPr id="26" name="그림 25"/>
+          <p:cNvPicPr>
+            <a:picLocks noChangeAspect="1"/>
+          </p:cNvPicPr>
+          <p:nvPr/>
+        </p:nvPicPr>
+        <p:blipFill rotWithShape="1">
+          <a:blip r:embed="rId5"/>
+          <a:srcRect t="53786"/>
+          <a:stretch/>
+        </p:blipFill>
+        <p:spPr>
+          <a:xfrm>
+            <a:off x="9442341" y="3691264"/>
+            <a:ext cx="2333625" cy="897981"/>
+          </a:xfrm>
+          <a:prstGeom prst="rect">
+            <a:avLst/>
+          </a:prstGeom>
+        </p:spPr>
+      </p:pic>
+      <p:pic>
+        <p:nvPicPr>
+          <p:cNvPr id="27" name="그림 26"/>
+          <p:cNvPicPr>
+            <a:picLocks noChangeAspect="1"/>
+          </p:cNvPicPr>
+          <p:nvPr/>
+        </p:nvPicPr>
+        <p:blipFill>
+          <a:blip r:embed="rId8"/>
+          <a:stretch>
+            <a:fillRect/>
+          </a:stretch>
+        </p:blipFill>
+        <p:spPr>
+          <a:xfrm>
+            <a:off x="1127995" y="2251382"/>
+            <a:ext cx="3238500" cy="2419350"/>
+          </a:xfrm>
+          <a:prstGeom prst="rect">
+            <a:avLst/>
+          </a:prstGeom>
+        </p:spPr>
+      </p:pic>
+      <p:sp>
+        <p:nvSpPr>
+          <p:cNvPr id="28" name="TextBox 27"/>
+          <p:cNvSpPr txBox="1"/>
+          <p:nvPr/>
+        </p:nvSpPr>
+        <p:spPr>
+          <a:xfrm>
+            <a:off x="341779" y="86058"/>
+            <a:ext cx="3861626" cy="178510"/>
+          </a:xfrm>
+          <a:prstGeom prst="rect">
+            <a:avLst/>
+          </a:prstGeom>
+          <a:noFill/>
+        </p:spPr>
+        <p:txBody>
+          <a:bodyPr wrap="square" rtlCol="0">
+            <a:spAutoFit/>
+          </a:bodyPr>
+          <a:lstStyle/>
+          <a:p>
+            <a:pPr>
+              <a:lnSpc>
+                <a:spcPct val="80000"/>
+              </a:lnSpc>
+            </a:pPr>
+            <a:r>
+              <a:rPr lang="en-US" altLang="ko-KR" sz="700" b="1" dirty="0" smtClean="0">
+                <a:solidFill>
+                  <a:schemeClr val="tx1">
+                    <a:lumMod val="75000"/>
+                    <a:lumOff val="25000"/>
+                  </a:schemeClr>
+                </a:solidFill>
+                <a:latin typeface="맑은 고딕" panose="020B0503020000020004" pitchFamily="50" charset="-127"/>
+                <a:ea typeface="맑은 고딕" panose="020B0503020000020004" pitchFamily="50" charset="-127"/>
+              </a:rPr>
+              <a:t>3</a:t>
+            </a:r>
+            <a:r>
+              <a:rPr lang="en-US" altLang="ko-KR" sz="700" b="1" baseline="30000" dirty="0" smtClean="0">
+                <a:solidFill>
+                  <a:schemeClr val="tx1">
+                    <a:lumMod val="75000"/>
+                    <a:lumOff val="25000"/>
+                  </a:schemeClr>
+                </a:solidFill>
+                <a:latin typeface="맑은 고딕" panose="020B0503020000020004" pitchFamily="50" charset="-127"/>
+                <a:ea typeface="맑은 고딕" panose="020B0503020000020004" pitchFamily="50" charset="-127"/>
+              </a:rPr>
+              <a:t>rd</a:t>
+            </a:r>
+            <a:r>
+              <a:rPr lang="en-US" altLang="ko-KR" sz="700" b="1" dirty="0" smtClean="0">
+                <a:solidFill>
+                  <a:schemeClr val="tx1">
+                    <a:lumMod val="75000"/>
+                    <a:lumOff val="25000"/>
+                  </a:schemeClr>
+                </a:solidFill>
+                <a:latin typeface="맑은 고딕" panose="020B0503020000020004" pitchFamily="50" charset="-127"/>
+                <a:ea typeface="맑은 고딕" panose="020B0503020000020004" pitchFamily="50" charset="-127"/>
+              </a:rPr>
+              <a:t> Programming Seminar</a:t>
+            </a:r>
+            <a:endParaRPr lang="ko-KR" altLang="en-US" sz="700" b="1" dirty="0">
+              <a:solidFill>
+                <a:schemeClr val="tx1">
+                  <a:lumMod val="75000"/>
+                  <a:lumOff val="25000"/>
+                </a:schemeClr>
+              </a:solidFill>
+              <a:latin typeface="맑은 고딕" panose="020B0503020000020004" pitchFamily="50" charset="-127"/>
+              <a:ea typeface="맑은 고딕" panose="020B0503020000020004" pitchFamily="50" charset="-127"/>
+            </a:endParaRPr>
+          </a:p>
+        </p:txBody>
+      </p:sp>
+    </p:spTree>
+    <p:extLst>
+      <p:ext uri="{BB962C8B-B14F-4D97-AF65-F5344CB8AC3E}">
+        <p14:creationId xmlns:p14="http://schemas.microsoft.com/office/powerpoint/2010/main" val="2003896356"/>
+      </p:ext>
+    </p:extLst>
+  </p:cSld>
+  <p:clrMapOvr>
+    <a:masterClrMapping/>
+  </p:clrMapOvr>
+  <p:timing>
+    <p:tnLst>
+      <p:par>
+        <p:cTn id="1" dur="indefinite" restart="never" nodeType="tmRoot"/>
+      </p:par>
+    </p:tnLst>
+  </p:timing>
+</p:sld>
+</file>
+
+<file path=ppt/slides/slide12.xml><?xml version="1.0" encoding="utf-8"?>
+<p:sld xmlns:a="http://schemas.openxmlformats.org/drawingml/2006/main" xmlns:r="http://schemas.openxmlformats.org/officeDocument/2006/relationships" xmlns:p="http://schemas.openxmlformats.org/presentationml/2006/main">
+  <p:cSld>
+    <p:spTree>
+      <p:nvGrpSpPr>
+        <p:cNvPr id="1" name=""/>
+        <p:cNvGrpSpPr/>
+        <p:nvPr/>
+      </p:nvGrpSpPr>
+      <p:grpSpPr>
+        <a:xfrm>
+          <a:off x="0" y="0"/>
+          <a:ext cx="0" cy="0"/>
+          <a:chOff x="0" y="0"/>
+          <a:chExt cx="0" cy="0"/>
+        </a:xfrm>
+      </p:grpSpPr>
       <p:sp>
         <p:nvSpPr>
           <p:cNvPr id="2" name="TextBox 1"/>
@@ -6304,7 +9731,7 @@
         <p:spPr>
           <a:xfrm>
             <a:off x="2596111" y="2406218"/>
-            <a:ext cx="461986" cy="253916"/>
+            <a:ext cx="1383712" cy="253916"/>
           </a:xfrm>
           <a:prstGeom prst="rect">
             <a:avLst/>
@@ -6318,8 +9745,8 @@
           <a:lstStyle/>
           <a:p>
             <a:r>
-              <a:rPr lang="en-US" altLang="ko-KR" sz="1050" dirty="0" smtClean="0"/>
-              <a:t>error</a:t>
+              <a:rPr lang="ko-KR" altLang="en-US" sz="1050" dirty="0" smtClean="0"/>
+              <a:t>배열의 잘 못 된 비교</a:t>
             </a:r>
             <a:endParaRPr lang="ko-KR" altLang="en-US" sz="1050" dirty="0"/>
           </a:p>
@@ -6817,6 +10244,585 @@
           </a:p>
         </p:txBody>
       </p:sp>
+      <p:sp>
+        <p:nvSpPr>
+          <p:cNvPr id="25" name="TextBox 24"/>
+          <p:cNvSpPr txBox="1"/>
+          <p:nvPr/>
+        </p:nvSpPr>
+        <p:spPr>
+          <a:xfrm>
+            <a:off x="6104800" y="1265686"/>
+            <a:ext cx="5758414" cy="5444172"/>
+          </a:xfrm>
+          <a:prstGeom prst="rect">
+            <a:avLst/>
+          </a:prstGeom>
+          <a:noFill/>
+        </p:spPr>
+        <p:txBody>
+          <a:bodyPr wrap="square" rtlCol="0">
+            <a:normAutofit/>
+          </a:bodyPr>
+          <a:lstStyle/>
+          <a:p>
+            <a:pPr>
+              <a:lnSpc>
+                <a:spcPct val="150000"/>
+              </a:lnSpc>
+            </a:pPr>
+            <a:r>
+              <a:rPr lang="en-US" altLang="ko-KR" sz="1400" b="1" spc="-20" dirty="0" smtClean="0">
+                <a:gradFill>
+                  <a:gsLst>
+                    <a:gs pos="0">
+                      <a:schemeClr val="tx1">
+                        <a:lumMod val="75000"/>
+                        <a:lumOff val="25000"/>
+                      </a:schemeClr>
+                    </a:gs>
+                    <a:gs pos="50000">
+                      <a:schemeClr val="tx1">
+                        <a:lumMod val="75000"/>
+                        <a:lumOff val="25000"/>
+                      </a:schemeClr>
+                    </a:gs>
+                  </a:gsLst>
+                  <a:lin ang="5400000" scaled="0"/>
+                </a:gradFill>
+                <a:latin typeface="한컴 윤고딕 230" panose="02020603020101020101" pitchFamily="18" charset="-127"/>
+                <a:ea typeface="한컴 윤고딕 230" panose="02020603020101020101" pitchFamily="18" charset="-127"/>
+              </a:rPr>
+              <a:t>4. </a:t>
+            </a:r>
+            <a:r>
+              <a:rPr lang="ko-KR" altLang="en-US" sz="1400" b="1" spc="-20" dirty="0" smtClean="0">
+                <a:gradFill>
+                  <a:gsLst>
+                    <a:gs pos="0">
+                      <a:schemeClr val="tx1">
+                        <a:lumMod val="75000"/>
+                        <a:lumOff val="25000"/>
+                      </a:schemeClr>
+                    </a:gs>
+                    <a:gs pos="50000">
+                      <a:schemeClr val="tx1">
+                        <a:lumMod val="75000"/>
+                        <a:lumOff val="25000"/>
+                      </a:schemeClr>
+                    </a:gs>
+                  </a:gsLst>
+                  <a:lin ang="5400000" scaled="0"/>
+                </a:gradFill>
+                <a:latin typeface="한컴 윤고딕 230" panose="02020603020101020101" pitchFamily="18" charset="-127"/>
+                <a:ea typeface="한컴 윤고딕 230" panose="02020603020101020101" pitchFamily="18" charset="-127"/>
+              </a:rPr>
+              <a:t>잘못된 인덱스 문제</a:t>
+            </a:r>
+            <a:endParaRPr lang="en-US" altLang="ko-KR" sz="1400" b="1" spc="-20" dirty="0" smtClean="0">
+              <a:gradFill>
+                <a:gsLst>
+                  <a:gs pos="0">
+                    <a:schemeClr val="tx1">
+                      <a:lumMod val="75000"/>
+                      <a:lumOff val="25000"/>
+                    </a:schemeClr>
+                  </a:gs>
+                  <a:gs pos="50000">
+                    <a:schemeClr val="tx1">
+                      <a:lumMod val="75000"/>
+                      <a:lumOff val="25000"/>
+                    </a:schemeClr>
+                  </a:gs>
+                </a:gsLst>
+                <a:lin ang="5400000" scaled="0"/>
+              </a:gradFill>
+              <a:latin typeface="한컴 윤고딕 230" panose="02020603020101020101" pitchFamily="18" charset="-127"/>
+              <a:ea typeface="한컴 윤고딕 230" panose="02020603020101020101" pitchFamily="18" charset="-127"/>
+            </a:endParaRPr>
+          </a:p>
+          <a:p>
+            <a:pPr marL="742950" lvl="1" indent="-285750">
+              <a:lnSpc>
+                <a:spcPct val="150000"/>
+              </a:lnSpc>
+              <a:buFont typeface="Wingdings" panose="05000000000000000000" pitchFamily="2" charset="2"/>
+              <a:buChar char="ü"/>
+            </a:pPr>
+            <a:r>
+              <a:rPr lang="ko-KR" altLang="en-US" sz="1200" spc="-20" dirty="0" smtClean="0">
+                <a:gradFill>
+                  <a:gsLst>
+                    <a:gs pos="0">
+                      <a:schemeClr val="tx1">
+                        <a:lumMod val="75000"/>
+                        <a:lumOff val="25000"/>
+                      </a:schemeClr>
+                    </a:gs>
+                    <a:gs pos="50000">
+                      <a:schemeClr val="tx1">
+                        <a:lumMod val="75000"/>
+                        <a:lumOff val="25000"/>
+                      </a:schemeClr>
+                    </a:gs>
+                  </a:gsLst>
+                  <a:lin ang="5400000" scaled="0"/>
+                </a:gradFill>
+                <a:latin typeface="한컴 윤고딕 230" panose="02020603020101020101" pitchFamily="18" charset="-127"/>
+                <a:ea typeface="한컴 윤고딕 230" panose="02020603020101020101" pitchFamily="18" charset="-127"/>
+              </a:rPr>
+              <a:t>인덱스 </a:t>
+            </a:r>
+            <a:r>
+              <a:rPr lang="ko-KR" altLang="en-US" sz="1200" spc="-20" dirty="0" err="1" smtClean="0">
+                <a:gradFill>
+                  <a:gsLst>
+                    <a:gs pos="0">
+                      <a:schemeClr val="tx1">
+                        <a:lumMod val="75000"/>
+                        <a:lumOff val="25000"/>
+                      </a:schemeClr>
+                    </a:gs>
+                    <a:gs pos="50000">
+                      <a:schemeClr val="tx1">
+                        <a:lumMod val="75000"/>
+                        <a:lumOff val="25000"/>
+                      </a:schemeClr>
+                    </a:gs>
+                  </a:gsLst>
+                  <a:lin ang="5400000" scaled="0"/>
+                </a:gradFill>
+                <a:latin typeface="한컴 윤고딕 230" panose="02020603020101020101" pitchFamily="18" charset="-127"/>
+                <a:ea typeface="한컴 윤고딕 230" panose="02020603020101020101" pitchFamily="18" charset="-127"/>
+              </a:rPr>
+              <a:t>바운더리</a:t>
+            </a:r>
+            <a:r>
+              <a:rPr lang="ko-KR" altLang="en-US" sz="1200" spc="-20" dirty="0" smtClean="0">
+                <a:gradFill>
+                  <a:gsLst>
+                    <a:gs pos="0">
+                      <a:schemeClr val="tx1">
+                        <a:lumMod val="75000"/>
+                        <a:lumOff val="25000"/>
+                      </a:schemeClr>
+                    </a:gs>
+                    <a:gs pos="50000">
+                      <a:schemeClr val="tx1">
+                        <a:lumMod val="75000"/>
+                        <a:lumOff val="25000"/>
+                      </a:schemeClr>
+                    </a:gs>
+                  </a:gsLst>
+                  <a:lin ang="5400000" scaled="0"/>
+                </a:gradFill>
+                <a:latin typeface="한컴 윤고딕 230" panose="02020603020101020101" pitchFamily="18" charset="-127"/>
+                <a:ea typeface="한컴 윤고딕 230" panose="02020603020101020101" pitchFamily="18" charset="-127"/>
+              </a:rPr>
+              <a:t> 외부 접근 시</a:t>
+            </a:r>
+            <a:r>
+              <a:rPr lang="en-US" altLang="ko-KR" sz="1200" spc="-20" dirty="0">
+                <a:gradFill>
+                  <a:gsLst>
+                    <a:gs pos="0">
+                      <a:schemeClr val="tx1">
+                        <a:lumMod val="75000"/>
+                        <a:lumOff val="25000"/>
+                      </a:schemeClr>
+                    </a:gs>
+                    <a:gs pos="50000">
+                      <a:schemeClr val="tx1">
+                        <a:lumMod val="75000"/>
+                        <a:lumOff val="25000"/>
+                      </a:schemeClr>
+                    </a:gs>
+                  </a:gsLst>
+                  <a:lin ang="5400000" scaled="0"/>
+                </a:gradFill>
+                <a:latin typeface="한컴 윤고딕 230" panose="02020603020101020101" pitchFamily="18" charset="-127"/>
+                <a:ea typeface="한컴 윤고딕 230" panose="02020603020101020101" pitchFamily="18" charset="-127"/>
+              </a:rPr>
+              <a:t> </a:t>
+            </a:r>
+            <a:r>
+              <a:rPr lang="en-US" altLang="ko-KR" sz="1200" spc="-20" dirty="0" smtClean="0">
+                <a:gradFill>
+                  <a:gsLst>
+                    <a:gs pos="0">
+                      <a:schemeClr val="tx1">
+                        <a:lumMod val="75000"/>
+                        <a:lumOff val="25000"/>
+                      </a:schemeClr>
+                    </a:gs>
+                    <a:gs pos="50000">
+                      <a:schemeClr val="tx1">
+                        <a:lumMod val="75000"/>
+                        <a:lumOff val="25000"/>
+                      </a:schemeClr>
+                    </a:gs>
+                  </a:gsLst>
+                  <a:lin ang="5400000" scaled="0"/>
+                </a:gradFill>
+                <a:latin typeface="한컴 윤고딕 230" panose="02020603020101020101" pitchFamily="18" charset="-127"/>
+                <a:ea typeface="한컴 윤고딕 230" panose="02020603020101020101" pitchFamily="18" charset="-127"/>
+              </a:rPr>
+              <a:t>:</a:t>
+            </a:r>
+            <a:r>
+              <a:rPr lang="en-US" altLang="ko-KR" sz="1200" spc="-20" dirty="0" smtClean="0">
+                <a:gradFill>
+                  <a:gsLst>
+                    <a:gs pos="0">
+                      <a:schemeClr val="tx1">
+                        <a:lumMod val="75000"/>
+                        <a:lumOff val="25000"/>
+                      </a:schemeClr>
+                    </a:gs>
+                    <a:gs pos="50000">
+                      <a:schemeClr val="tx1">
+                        <a:lumMod val="75000"/>
+                        <a:lumOff val="25000"/>
+                      </a:schemeClr>
+                    </a:gs>
+                  </a:gsLst>
+                  <a:lin ang="5400000" scaled="0"/>
+                </a:gradFill>
+                <a:latin typeface="한컴 윤고딕 230" panose="02020603020101020101" pitchFamily="18" charset="-127"/>
+                <a:ea typeface="한컴 윤고딕 230" panose="02020603020101020101" pitchFamily="18" charset="-127"/>
+              </a:rPr>
+              <a:t> </a:t>
+            </a:r>
+            <a:r>
+              <a:rPr lang="ko-KR" altLang="en-US" sz="1200" spc="-20" dirty="0" smtClean="0">
+                <a:gradFill>
+                  <a:gsLst>
+                    <a:gs pos="0">
+                      <a:schemeClr val="tx1">
+                        <a:lumMod val="75000"/>
+                        <a:lumOff val="25000"/>
+                      </a:schemeClr>
+                    </a:gs>
+                    <a:gs pos="50000">
+                      <a:schemeClr val="tx1">
+                        <a:lumMod val="75000"/>
+                        <a:lumOff val="25000"/>
+                      </a:schemeClr>
+                    </a:gs>
+                  </a:gsLst>
+                  <a:lin ang="5400000" scaled="0"/>
+                </a:gradFill>
+                <a:latin typeface="한컴 윤고딕 230" panose="02020603020101020101" pitchFamily="18" charset="-127"/>
+                <a:ea typeface="한컴 윤고딕 230" panose="02020603020101020101" pitchFamily="18" charset="-127"/>
+              </a:rPr>
+              <a:t>읽기는 가능</a:t>
+            </a:r>
+            <a:r>
+              <a:rPr lang="en-US" altLang="ko-KR" sz="1200" spc="-20" dirty="0" smtClean="0">
+                <a:gradFill>
+                  <a:gsLst>
+                    <a:gs pos="0">
+                      <a:schemeClr val="tx1">
+                        <a:lumMod val="75000"/>
+                        <a:lumOff val="25000"/>
+                      </a:schemeClr>
+                    </a:gs>
+                    <a:gs pos="50000">
+                      <a:schemeClr val="tx1">
+                        <a:lumMod val="75000"/>
+                        <a:lumOff val="25000"/>
+                      </a:schemeClr>
+                    </a:gs>
+                  </a:gsLst>
+                  <a:lin ang="5400000" scaled="0"/>
+                </a:gradFill>
+                <a:latin typeface="한컴 윤고딕 230" panose="02020603020101020101" pitchFamily="18" charset="-127"/>
+                <a:ea typeface="한컴 윤고딕 230" panose="02020603020101020101" pitchFamily="18" charset="-127"/>
+              </a:rPr>
+              <a:t>(</a:t>
+            </a:r>
+            <a:r>
+              <a:rPr lang="ko-KR" altLang="en-US" sz="1200" spc="-20" dirty="0" smtClean="0">
+                <a:gradFill>
+                  <a:gsLst>
+                    <a:gs pos="0">
+                      <a:schemeClr val="tx1">
+                        <a:lumMod val="75000"/>
+                        <a:lumOff val="25000"/>
+                      </a:schemeClr>
+                    </a:gs>
+                    <a:gs pos="50000">
+                      <a:schemeClr val="tx1">
+                        <a:lumMod val="75000"/>
+                        <a:lumOff val="25000"/>
+                      </a:schemeClr>
+                    </a:gs>
+                  </a:gsLst>
+                  <a:lin ang="5400000" scaled="0"/>
+                </a:gradFill>
+                <a:latin typeface="한컴 윤고딕 230" panose="02020603020101020101" pitchFamily="18" charset="-127"/>
+                <a:ea typeface="한컴 윤고딕 230" panose="02020603020101020101" pitchFamily="18" charset="-127"/>
+              </a:rPr>
+              <a:t>쓰레기 값</a:t>
+            </a:r>
+            <a:r>
+              <a:rPr lang="en-US" altLang="ko-KR" sz="1200" spc="-20" dirty="0" smtClean="0">
+                <a:gradFill>
+                  <a:gsLst>
+                    <a:gs pos="0">
+                      <a:schemeClr val="tx1">
+                        <a:lumMod val="75000"/>
+                        <a:lumOff val="25000"/>
+                      </a:schemeClr>
+                    </a:gs>
+                    <a:gs pos="50000">
+                      <a:schemeClr val="tx1">
+                        <a:lumMod val="75000"/>
+                        <a:lumOff val="25000"/>
+                      </a:schemeClr>
+                    </a:gs>
+                  </a:gsLst>
+                  <a:lin ang="5400000" scaled="0"/>
+                </a:gradFill>
+                <a:latin typeface="한컴 윤고딕 230" panose="02020603020101020101" pitchFamily="18" charset="-127"/>
+                <a:ea typeface="한컴 윤고딕 230" panose="02020603020101020101" pitchFamily="18" charset="-127"/>
+              </a:rPr>
+              <a:t>), </a:t>
+            </a:r>
+            <a:r>
+              <a:rPr lang="ko-KR" altLang="en-US" sz="1200" spc="-20" dirty="0" smtClean="0">
+                <a:gradFill>
+                  <a:gsLst>
+                    <a:gs pos="0">
+                      <a:schemeClr val="tx1">
+                        <a:lumMod val="75000"/>
+                        <a:lumOff val="25000"/>
+                      </a:schemeClr>
+                    </a:gs>
+                    <a:gs pos="50000">
+                      <a:schemeClr val="tx1">
+                        <a:lumMod val="75000"/>
+                        <a:lumOff val="25000"/>
+                      </a:schemeClr>
+                    </a:gs>
+                  </a:gsLst>
+                  <a:lin ang="5400000" scaled="0"/>
+                </a:gradFill>
+                <a:latin typeface="한컴 윤고딕 230" panose="02020603020101020101" pitchFamily="18" charset="-127"/>
+                <a:ea typeface="한컴 윤고딕 230" panose="02020603020101020101" pitchFamily="18" charset="-127"/>
+              </a:rPr>
+              <a:t>쓰기</a:t>
+            </a:r>
+            <a:r>
+              <a:rPr lang="en-US" altLang="ko-KR" sz="1200" spc="-20" dirty="0" smtClean="0">
+                <a:gradFill>
+                  <a:gsLst>
+                    <a:gs pos="0">
+                      <a:schemeClr val="tx1">
+                        <a:lumMod val="75000"/>
+                        <a:lumOff val="25000"/>
+                      </a:schemeClr>
+                    </a:gs>
+                    <a:gs pos="50000">
+                      <a:schemeClr val="tx1">
+                        <a:lumMod val="75000"/>
+                        <a:lumOff val="25000"/>
+                      </a:schemeClr>
+                    </a:gs>
+                  </a:gsLst>
+                  <a:lin ang="5400000" scaled="0"/>
+                </a:gradFill>
+                <a:latin typeface="한컴 윤고딕 230" panose="02020603020101020101" pitchFamily="18" charset="-127"/>
+                <a:ea typeface="한컴 윤고딕 230" panose="02020603020101020101" pitchFamily="18" charset="-127"/>
+              </a:rPr>
+              <a:t>(</a:t>
+            </a:r>
+            <a:r>
+              <a:rPr lang="ko-KR" altLang="en-US" sz="1200" spc="-20" dirty="0" err="1" smtClean="0">
+                <a:gradFill>
+                  <a:gsLst>
+                    <a:gs pos="0">
+                      <a:schemeClr val="tx1">
+                        <a:lumMod val="75000"/>
+                        <a:lumOff val="25000"/>
+                      </a:schemeClr>
+                    </a:gs>
+                    <a:gs pos="50000">
+                      <a:schemeClr val="tx1">
+                        <a:lumMod val="75000"/>
+                        <a:lumOff val="25000"/>
+                      </a:schemeClr>
+                    </a:gs>
+                  </a:gsLst>
+                  <a:lin ang="5400000" scaled="0"/>
+                </a:gradFill>
+                <a:latin typeface="한컴 윤고딕 230" panose="02020603020101020101" pitchFamily="18" charset="-127"/>
+                <a:ea typeface="한컴 윤고딕 230" panose="02020603020101020101" pitchFamily="18" charset="-127"/>
+              </a:rPr>
+              <a:t>컵파엘</a:t>
+            </a:r>
+            <a:r>
+              <a:rPr lang="ko-KR" altLang="en-US" sz="1200" spc="-20" dirty="0" smtClean="0">
+                <a:gradFill>
+                  <a:gsLst>
+                    <a:gs pos="0">
+                      <a:schemeClr val="tx1">
+                        <a:lumMod val="75000"/>
+                        <a:lumOff val="25000"/>
+                      </a:schemeClr>
+                    </a:gs>
+                    <a:gs pos="50000">
+                      <a:schemeClr val="tx1">
+                        <a:lumMod val="75000"/>
+                        <a:lumOff val="25000"/>
+                      </a:schemeClr>
+                    </a:gs>
+                  </a:gsLst>
+                  <a:lin ang="5400000" scaled="0"/>
+                </a:gradFill>
+                <a:latin typeface="한컴 윤고딕 230" panose="02020603020101020101" pitchFamily="18" charset="-127"/>
+                <a:ea typeface="한컴 윤고딕 230" panose="02020603020101020101" pitchFamily="18" charset="-127"/>
+              </a:rPr>
+              <a:t> 에러</a:t>
+            </a:r>
+            <a:r>
+              <a:rPr lang="en-US" altLang="ko-KR" sz="1200" spc="-20" dirty="0" smtClean="0">
+                <a:gradFill>
+                  <a:gsLst>
+                    <a:gs pos="0">
+                      <a:schemeClr val="tx1">
+                        <a:lumMod val="75000"/>
+                        <a:lumOff val="25000"/>
+                      </a:schemeClr>
+                    </a:gs>
+                    <a:gs pos="50000">
+                      <a:schemeClr val="tx1">
+                        <a:lumMod val="75000"/>
+                        <a:lumOff val="25000"/>
+                      </a:schemeClr>
+                    </a:gs>
+                  </a:gsLst>
+                  <a:lin ang="5400000" scaled="0"/>
+                </a:gradFill>
+                <a:latin typeface="한컴 윤고딕 230" panose="02020603020101020101" pitchFamily="18" charset="-127"/>
+                <a:ea typeface="한컴 윤고딕 230" panose="02020603020101020101" pitchFamily="18" charset="-127"/>
+              </a:rPr>
+              <a:t>);</a:t>
+            </a:r>
+            <a:endParaRPr lang="en-US" altLang="ko-KR" sz="1200" spc="-20" dirty="0">
+              <a:gradFill>
+                <a:gsLst>
+                  <a:gs pos="0">
+                    <a:schemeClr val="tx1">
+                      <a:lumMod val="75000"/>
+                      <a:lumOff val="25000"/>
+                    </a:schemeClr>
+                  </a:gs>
+                  <a:gs pos="50000">
+                    <a:schemeClr val="tx1">
+                      <a:lumMod val="75000"/>
+                      <a:lumOff val="25000"/>
+                    </a:schemeClr>
+                  </a:gs>
+                </a:gsLst>
+                <a:lin ang="5400000" scaled="0"/>
+              </a:gradFill>
+              <a:latin typeface="한컴 윤고딕 230" panose="02020603020101020101" pitchFamily="18" charset="-127"/>
+              <a:ea typeface="한컴 윤고딕 230" panose="02020603020101020101" pitchFamily="18" charset="-127"/>
+            </a:endParaRPr>
+          </a:p>
+          <a:p>
+            <a:pPr marL="742950" lvl="1" indent="-285750">
+              <a:lnSpc>
+                <a:spcPct val="150000"/>
+              </a:lnSpc>
+              <a:buFont typeface="Wingdings" panose="05000000000000000000" pitchFamily="2" charset="2"/>
+              <a:buChar char="ü"/>
+            </a:pPr>
+            <a:endParaRPr lang="en-US" altLang="ko-KR" sz="1200" spc="-20" dirty="0" smtClean="0">
+              <a:gradFill>
+                <a:gsLst>
+                  <a:gs pos="0">
+                    <a:schemeClr val="tx1">
+                      <a:lumMod val="75000"/>
+                      <a:lumOff val="25000"/>
+                    </a:schemeClr>
+                  </a:gs>
+                  <a:gs pos="50000">
+                    <a:schemeClr val="tx1">
+                      <a:lumMod val="75000"/>
+                      <a:lumOff val="25000"/>
+                    </a:schemeClr>
+                  </a:gs>
+                </a:gsLst>
+                <a:lin ang="5400000" scaled="0"/>
+              </a:gradFill>
+              <a:latin typeface="한컴 윤고딕 230" panose="02020603020101020101" pitchFamily="18" charset="-127"/>
+              <a:ea typeface="한컴 윤고딕 230" panose="02020603020101020101" pitchFamily="18" charset="-127"/>
+            </a:endParaRPr>
+          </a:p>
+          <a:p>
+            <a:pPr marL="742950" lvl="1" indent="-285750">
+              <a:lnSpc>
+                <a:spcPct val="150000"/>
+              </a:lnSpc>
+              <a:buFont typeface="Wingdings" panose="05000000000000000000" pitchFamily="2" charset="2"/>
+              <a:buChar char="ü"/>
+            </a:pPr>
+            <a:endParaRPr lang="en-US" altLang="ko-KR" sz="1200" spc="-20" dirty="0">
+              <a:gradFill>
+                <a:gsLst>
+                  <a:gs pos="0">
+                    <a:schemeClr val="tx1">
+                      <a:lumMod val="75000"/>
+                      <a:lumOff val="25000"/>
+                    </a:schemeClr>
+                  </a:gs>
+                  <a:gs pos="50000">
+                    <a:schemeClr val="tx1">
+                      <a:lumMod val="75000"/>
+                      <a:lumOff val="25000"/>
+                    </a:schemeClr>
+                  </a:gs>
+                </a:gsLst>
+                <a:lin ang="5400000" scaled="0"/>
+              </a:gradFill>
+              <a:latin typeface="한컴 윤고딕 230" panose="02020603020101020101" pitchFamily="18" charset="-127"/>
+              <a:ea typeface="한컴 윤고딕 230" panose="02020603020101020101" pitchFamily="18" charset="-127"/>
+            </a:endParaRPr>
+          </a:p>
+          <a:p>
+            <a:pPr marL="742950" lvl="1" indent="-285750">
+              <a:lnSpc>
+                <a:spcPct val="150000"/>
+              </a:lnSpc>
+              <a:buFont typeface="Wingdings" panose="05000000000000000000" pitchFamily="2" charset="2"/>
+              <a:buChar char="ü"/>
+            </a:pPr>
+            <a:endParaRPr lang="en-US" altLang="ko-KR" sz="1200" spc="-20" dirty="0" smtClean="0">
+              <a:gradFill>
+                <a:gsLst>
+                  <a:gs pos="0">
+                    <a:schemeClr val="tx1">
+                      <a:lumMod val="75000"/>
+                      <a:lumOff val="25000"/>
+                    </a:schemeClr>
+                  </a:gs>
+                  <a:gs pos="50000">
+                    <a:schemeClr val="tx1">
+                      <a:lumMod val="75000"/>
+                      <a:lumOff val="25000"/>
+                    </a:schemeClr>
+                  </a:gs>
+                </a:gsLst>
+                <a:lin ang="5400000" scaled="0"/>
+              </a:gradFill>
+              <a:latin typeface="한컴 윤고딕 230" panose="02020603020101020101" pitchFamily="18" charset="-127"/>
+              <a:ea typeface="한컴 윤고딕 230" panose="02020603020101020101" pitchFamily="18" charset="-127"/>
+            </a:endParaRPr>
+          </a:p>
+        </p:txBody>
+      </p:sp>
     </p:spTree>
     <p:extLst>
       <p:ext uri="{BB962C8B-B14F-4D97-AF65-F5344CB8AC3E}">
@@ -13348,31 +17354,7 @@
                 <a:latin typeface="한컴 윤고딕 230" panose="02020603020101020101" pitchFamily="18" charset="-127"/>
                 <a:ea typeface="한컴 윤고딕 230" panose="02020603020101020101" pitchFamily="18" charset="-127"/>
               </a:rPr>
-              <a:t>(callback</a:t>
-            </a:r>
-            <a:r>
-              <a:rPr lang="en-US" altLang="ko-KR" sz="1100" spc="-20" dirty="0" smtClean="0">
-                <a:gradFill>
-                  <a:gsLst>
-                    <a:gs pos="0">
-                      <a:schemeClr val="tx1">
-                        <a:lumMod val="75000"/>
-                        <a:lumOff val="25000"/>
-                      </a:schemeClr>
-                    </a:gs>
-                    <a:gs pos="50000">
-                      <a:schemeClr val="tx1">
-                        <a:lumMod val="75000"/>
-                        <a:lumOff val="25000"/>
-                      </a:schemeClr>
-                    </a:gs>
-                  </a:gsLst>
-                  <a:lin ang="5400000" scaled="0"/>
-                </a:gradFill>
-                <a:latin typeface="한컴 윤고딕 230" panose="02020603020101020101" pitchFamily="18" charset="-127"/>
-                <a:ea typeface="한컴 윤고딕 230" panose="02020603020101020101" pitchFamily="18" charset="-127"/>
-              </a:rPr>
-              <a:t>)</a:t>
+              <a:t>(callback)</a:t>
             </a:r>
           </a:p>
           <a:p>
@@ -13991,7 +17973,7 @@
         </p:nvSpPr>
         <p:spPr>
           <a:xfrm>
-            <a:off x="333999" y="1271494"/>
+            <a:off x="6102339" y="1271494"/>
             <a:ext cx="5758414" cy="5444172"/>
           </a:xfrm>
           <a:prstGeom prst="rect">
@@ -14032,7 +18014,7 @@
                 <a:latin typeface="한컴 윤고딕 230" panose="02020603020101020101" pitchFamily="18" charset="-127"/>
                 <a:ea typeface="한컴 윤고딕 230" panose="02020603020101020101" pitchFamily="18" charset="-127"/>
               </a:rPr>
-              <a:t>1. </a:t>
+              <a:t>2. </a:t>
             </a:r>
             <a:r>
               <a:rPr lang="ko-KR" altLang="en-US" sz="1400" b="1" spc="-20" dirty="0" smtClean="0">
@@ -14941,7 +18923,7 @@
         </p:blipFill>
         <p:spPr>
           <a:xfrm>
-            <a:off x="1077204" y="1965210"/>
+            <a:off x="6845544" y="1965210"/>
             <a:ext cx="2390775" cy="1066800"/>
           </a:xfrm>
           <a:prstGeom prst="rect">
@@ -14957,7 +18939,7 @@
         </p:nvCxnSpPr>
         <p:spPr>
           <a:xfrm flipH="1">
-            <a:off x="3233494" y="2555310"/>
+            <a:off x="9001834" y="2555310"/>
             <a:ext cx="486736" cy="0"/>
           </a:xfrm>
           <a:prstGeom prst="straightConnector1">
@@ -14990,7 +18972,7 @@
         </p:nvSpPr>
         <p:spPr>
           <a:xfrm>
-            <a:off x="3663863" y="2404998"/>
+            <a:off x="9432203" y="2404998"/>
             <a:ext cx="1049390" cy="276999"/>
           </a:xfrm>
           <a:prstGeom prst="rect">
@@ -15035,7 +19017,7 @@
         </p:blipFill>
         <p:spPr bwMode="auto">
           <a:xfrm>
-            <a:off x="1152813" y="3622110"/>
+            <a:off x="6921153" y="3622110"/>
             <a:ext cx="2968612" cy="1542560"/>
           </a:xfrm>
           <a:prstGeom prst="rect">
@@ -15053,285 +19035,6 @@
           </a:extLst>
         </p:spPr>
       </p:pic>
-      <p:sp>
-        <p:nvSpPr>
-          <p:cNvPr id="23" name="TextBox 22"/>
-          <p:cNvSpPr txBox="1"/>
-          <p:nvPr/>
-        </p:nvSpPr>
-        <p:spPr>
-          <a:xfrm>
-            <a:off x="6092414" y="1281308"/>
-            <a:ext cx="5758414" cy="5444172"/>
-          </a:xfrm>
-          <a:prstGeom prst="rect">
-            <a:avLst/>
-          </a:prstGeom>
-          <a:noFill/>
-        </p:spPr>
-        <p:txBody>
-          <a:bodyPr wrap="square" rtlCol="0">
-            <a:normAutofit/>
-          </a:bodyPr>
-          <a:lstStyle/>
-          <a:p>
-            <a:pPr>
-              <a:lnSpc>
-                <a:spcPct val="150000"/>
-              </a:lnSpc>
-            </a:pPr>
-            <a:r>
-              <a:rPr lang="en-US" altLang="ko-KR" sz="1400" b="1" spc="-20" dirty="0" smtClean="0">
-                <a:gradFill>
-                  <a:gsLst>
-                    <a:gs pos="0">
-                      <a:schemeClr val="tx1">
-                        <a:lumMod val="75000"/>
-                        <a:lumOff val="25000"/>
-                      </a:schemeClr>
-                    </a:gs>
-                    <a:gs pos="50000">
-                      <a:schemeClr val="tx1">
-                        <a:lumMod val="75000"/>
-                        <a:lumOff val="25000"/>
-                      </a:schemeClr>
-                    </a:gs>
-                  </a:gsLst>
-                  <a:lin ang="5400000" scaled="0"/>
-                </a:gradFill>
-                <a:latin typeface="한컴 윤고딕 230" panose="02020603020101020101" pitchFamily="18" charset="-127"/>
-                <a:ea typeface="한컴 윤고딕 230" panose="02020603020101020101" pitchFamily="18" charset="-127"/>
-              </a:rPr>
-              <a:t>2. </a:t>
-            </a:r>
-            <a:r>
-              <a:rPr lang="ko-KR" altLang="en-US" sz="1400" b="1" spc="-20" dirty="0" smtClean="0">
-                <a:gradFill>
-                  <a:gsLst>
-                    <a:gs pos="0">
-                      <a:schemeClr val="tx1">
-                        <a:lumMod val="75000"/>
-                        <a:lumOff val="25000"/>
-                      </a:schemeClr>
-                    </a:gs>
-                    <a:gs pos="50000">
-                      <a:schemeClr val="tx1">
-                        <a:lumMod val="75000"/>
-                        <a:lumOff val="25000"/>
-                      </a:schemeClr>
-                    </a:gs>
-                  </a:gsLst>
-                  <a:lin ang="5400000" scaled="0"/>
-                </a:gradFill>
-                <a:latin typeface="한컴 윤고딕 230" panose="02020603020101020101" pitchFamily="18" charset="-127"/>
-                <a:ea typeface="한컴 윤고딕 230" panose="02020603020101020101" pitchFamily="18" charset="-127"/>
-              </a:rPr>
-              <a:t>라이브러리</a:t>
-            </a:r>
-            <a:endParaRPr lang="en-US" altLang="ko-KR" sz="1400" b="1" spc="-20" dirty="0" smtClean="0">
-              <a:gradFill>
-                <a:gsLst>
-                  <a:gs pos="0">
-                    <a:schemeClr val="tx1">
-                      <a:lumMod val="75000"/>
-                      <a:lumOff val="25000"/>
-                    </a:schemeClr>
-                  </a:gs>
-                  <a:gs pos="50000">
-                    <a:schemeClr val="tx1">
-                      <a:lumMod val="75000"/>
-                      <a:lumOff val="25000"/>
-                    </a:schemeClr>
-                  </a:gs>
-                </a:gsLst>
-                <a:lin ang="5400000" scaled="0"/>
-              </a:gradFill>
-              <a:latin typeface="한컴 윤고딕 230" panose="02020603020101020101" pitchFamily="18" charset="-127"/>
-              <a:ea typeface="한컴 윤고딕 230" panose="02020603020101020101" pitchFamily="18" charset="-127"/>
-            </a:endParaRPr>
-          </a:p>
-          <a:p>
-            <a:pPr marL="742950" lvl="1" indent="-285750">
-              <a:lnSpc>
-                <a:spcPct val="150000"/>
-              </a:lnSpc>
-              <a:buFont typeface="Wingdings" panose="05000000000000000000" pitchFamily="2" charset="2"/>
-              <a:buChar char="ü"/>
-            </a:pPr>
-            <a:endParaRPr lang="en-US" altLang="ko-KR" sz="1200" spc="-20" dirty="0">
-              <a:gradFill>
-                <a:gsLst>
-                  <a:gs pos="0">
-                    <a:schemeClr val="tx1">
-                      <a:lumMod val="75000"/>
-                      <a:lumOff val="25000"/>
-                    </a:schemeClr>
-                  </a:gs>
-                  <a:gs pos="50000">
-                    <a:schemeClr val="tx1">
-                      <a:lumMod val="75000"/>
-                      <a:lumOff val="25000"/>
-                    </a:schemeClr>
-                  </a:gs>
-                </a:gsLst>
-                <a:lin ang="5400000" scaled="0"/>
-              </a:gradFill>
-              <a:latin typeface="한컴 윤고딕 230" panose="02020603020101020101" pitchFamily="18" charset="-127"/>
-              <a:ea typeface="한컴 윤고딕 230" panose="02020603020101020101" pitchFamily="18" charset="-127"/>
-            </a:endParaRPr>
-          </a:p>
-          <a:p>
-            <a:pPr marL="742950" lvl="1" indent="-285750">
-              <a:lnSpc>
-                <a:spcPct val="150000"/>
-              </a:lnSpc>
-              <a:buFont typeface="Wingdings" panose="05000000000000000000" pitchFamily="2" charset="2"/>
-              <a:buChar char="ü"/>
-            </a:pPr>
-            <a:endParaRPr lang="en-US" altLang="ko-KR" sz="1200" spc="-20" dirty="0" smtClean="0">
-              <a:gradFill>
-                <a:gsLst>
-                  <a:gs pos="0">
-                    <a:schemeClr val="tx1">
-                      <a:lumMod val="75000"/>
-                      <a:lumOff val="25000"/>
-                    </a:schemeClr>
-                  </a:gs>
-                  <a:gs pos="50000">
-                    <a:schemeClr val="tx1">
-                      <a:lumMod val="75000"/>
-                      <a:lumOff val="25000"/>
-                    </a:schemeClr>
-                  </a:gs>
-                </a:gsLst>
-                <a:lin ang="5400000" scaled="0"/>
-              </a:gradFill>
-              <a:latin typeface="한컴 윤고딕 230" panose="02020603020101020101" pitchFamily="18" charset="-127"/>
-              <a:ea typeface="한컴 윤고딕 230" panose="02020603020101020101" pitchFamily="18" charset="-127"/>
-            </a:endParaRPr>
-          </a:p>
-          <a:p>
-            <a:pPr marL="742950" lvl="1" indent="-285750">
-              <a:lnSpc>
-                <a:spcPct val="150000"/>
-              </a:lnSpc>
-              <a:buFont typeface="Wingdings" panose="05000000000000000000" pitchFamily="2" charset="2"/>
-              <a:buChar char="ü"/>
-            </a:pPr>
-            <a:endParaRPr lang="en-US" altLang="ko-KR" sz="1200" spc="-20" dirty="0">
-              <a:gradFill>
-                <a:gsLst>
-                  <a:gs pos="0">
-                    <a:schemeClr val="tx1">
-                      <a:lumMod val="75000"/>
-                      <a:lumOff val="25000"/>
-                    </a:schemeClr>
-                  </a:gs>
-                  <a:gs pos="50000">
-                    <a:schemeClr val="tx1">
-                      <a:lumMod val="75000"/>
-                      <a:lumOff val="25000"/>
-                    </a:schemeClr>
-                  </a:gs>
-                </a:gsLst>
-                <a:lin ang="5400000" scaled="0"/>
-              </a:gradFill>
-              <a:latin typeface="한컴 윤고딕 230" panose="02020603020101020101" pitchFamily="18" charset="-127"/>
-              <a:ea typeface="한컴 윤고딕 230" panose="02020603020101020101" pitchFamily="18" charset="-127"/>
-            </a:endParaRPr>
-          </a:p>
-          <a:p>
-            <a:pPr marL="742950" lvl="1" indent="-285750">
-              <a:lnSpc>
-                <a:spcPct val="150000"/>
-              </a:lnSpc>
-              <a:buFont typeface="Wingdings" panose="05000000000000000000" pitchFamily="2" charset="2"/>
-              <a:buChar char="ü"/>
-            </a:pPr>
-            <a:endParaRPr lang="en-US" altLang="ko-KR" sz="1200" spc="-20" dirty="0" smtClean="0">
-              <a:gradFill>
-                <a:gsLst>
-                  <a:gs pos="0">
-                    <a:schemeClr val="tx1">
-                      <a:lumMod val="75000"/>
-                      <a:lumOff val="25000"/>
-                    </a:schemeClr>
-                  </a:gs>
-                  <a:gs pos="50000">
-                    <a:schemeClr val="tx1">
-                      <a:lumMod val="75000"/>
-                      <a:lumOff val="25000"/>
-                    </a:schemeClr>
-                  </a:gs>
-                </a:gsLst>
-                <a:lin ang="5400000" scaled="0"/>
-              </a:gradFill>
-              <a:latin typeface="한컴 윤고딕 230" panose="02020603020101020101" pitchFamily="18" charset="-127"/>
-              <a:ea typeface="한컴 윤고딕 230" panose="02020603020101020101" pitchFamily="18" charset="-127"/>
-            </a:endParaRPr>
-          </a:p>
-          <a:p>
-            <a:pPr marL="742950" lvl="1" indent="-285750">
-              <a:lnSpc>
-                <a:spcPct val="150000"/>
-              </a:lnSpc>
-              <a:buFont typeface="Wingdings" panose="05000000000000000000" pitchFamily="2" charset="2"/>
-              <a:buChar char="ü"/>
-            </a:pPr>
-            <a:endParaRPr lang="en-US" altLang="ko-KR" sz="1200" spc="-20" dirty="0">
-              <a:gradFill>
-                <a:gsLst>
-                  <a:gs pos="0">
-                    <a:schemeClr val="tx1">
-                      <a:lumMod val="75000"/>
-                      <a:lumOff val="25000"/>
-                    </a:schemeClr>
-                  </a:gs>
-                  <a:gs pos="50000">
-                    <a:schemeClr val="tx1">
-                      <a:lumMod val="75000"/>
-                      <a:lumOff val="25000"/>
-                    </a:schemeClr>
-                  </a:gs>
-                </a:gsLst>
-                <a:lin ang="5400000" scaled="0"/>
-              </a:gradFill>
-              <a:latin typeface="한컴 윤고딕 230" panose="02020603020101020101" pitchFamily="18" charset="-127"/>
-              <a:ea typeface="한컴 윤고딕 230" panose="02020603020101020101" pitchFamily="18" charset="-127"/>
-            </a:endParaRPr>
-          </a:p>
-          <a:p>
-            <a:pPr marL="742950" lvl="1" indent="-285750">
-              <a:lnSpc>
-                <a:spcPct val="150000"/>
-              </a:lnSpc>
-              <a:buFont typeface="Wingdings" panose="05000000000000000000" pitchFamily="2" charset="2"/>
-              <a:buChar char="ü"/>
-            </a:pPr>
-            <a:endParaRPr lang="en-US" altLang="ko-KR" sz="1200" spc="-20" dirty="0" smtClean="0">
-              <a:gradFill>
-                <a:gsLst>
-                  <a:gs pos="0">
-                    <a:schemeClr val="tx1">
-                      <a:lumMod val="75000"/>
-                      <a:lumOff val="25000"/>
-                    </a:schemeClr>
-                  </a:gs>
-                  <a:gs pos="50000">
-                    <a:schemeClr val="tx1">
-                      <a:lumMod val="75000"/>
-                      <a:lumOff val="25000"/>
-                    </a:schemeClr>
-                  </a:gs>
-                </a:gsLst>
-                <a:lin ang="5400000" scaled="0"/>
-              </a:gradFill>
-              <a:latin typeface="한컴 윤고딕 230" panose="02020603020101020101" pitchFamily="18" charset="-127"/>
-              <a:ea typeface="한컴 윤고딕 230" panose="02020603020101020101" pitchFamily="18" charset="-127"/>
-            </a:endParaRPr>
-          </a:p>
-        </p:txBody>
-      </p:sp>
       <p:pic>
         <p:nvPicPr>
           <p:cNvPr id="16" name="그림 15"/>
@@ -15348,7 +19051,7 @@
         </p:blipFill>
         <p:spPr>
           <a:xfrm>
-            <a:off x="1152813" y="5586954"/>
+            <a:off x="6921153" y="5586954"/>
             <a:ext cx="2486025" cy="752475"/>
           </a:xfrm>
           <a:prstGeom prst="rect">
@@ -15435,32 +19138,1244 @@
           </a:p>
         </p:txBody>
       </p:sp>
-      <p:pic>
-        <p:nvPicPr>
-          <p:cNvPr id="7" name="그림 6"/>
-          <p:cNvPicPr>
-            <a:picLocks noChangeAspect="1"/>
-          </p:cNvPicPr>
+      <p:sp>
+        <p:nvSpPr>
+          <p:cNvPr id="17" name="TextBox 16"/>
+          <p:cNvSpPr txBox="1"/>
           <p:nvPr/>
-        </p:nvPicPr>
-        <p:blipFill rotWithShape="1">
-          <a:blip r:embed="rId6"/>
-          <a:srcRect b="3125"/>
-          <a:stretch/>
-        </p:blipFill>
+        </p:nvSpPr>
         <p:spPr>
           <a:xfrm>
-            <a:off x="6606540" y="1648113"/>
-            <a:ext cx="5410200" cy="1034127"/>
+            <a:off x="333999" y="1279114"/>
+            <a:ext cx="5758414" cy="5444172"/>
           </a:xfrm>
           <a:prstGeom prst="rect">
             <a:avLst/>
           </a:prstGeom>
+          <a:noFill/>
+        </p:spPr>
+        <p:txBody>
+          <a:bodyPr wrap="square" rtlCol="0">
+            <a:normAutofit/>
+          </a:bodyPr>
+          <a:lstStyle/>
+          <a:p>
+            <a:pPr>
+              <a:lnSpc>
+                <a:spcPct val="150000"/>
+              </a:lnSpc>
+            </a:pPr>
+            <a:r>
+              <a:rPr lang="en-US" altLang="ko-KR" sz="1400" b="1" spc="-20" dirty="0" smtClean="0">
+                <a:gradFill>
+                  <a:gsLst>
+                    <a:gs pos="0">
+                      <a:schemeClr val="tx1">
+                        <a:lumMod val="75000"/>
+                        <a:lumOff val="25000"/>
+                      </a:schemeClr>
+                    </a:gs>
+                    <a:gs pos="50000">
+                      <a:schemeClr val="tx1">
+                        <a:lumMod val="75000"/>
+                        <a:lumOff val="25000"/>
+                      </a:schemeClr>
+                    </a:gs>
+                  </a:gsLst>
+                  <a:lin ang="5400000" scaled="0"/>
+                </a:gradFill>
+                <a:latin typeface="한컴 윤고딕 230" panose="02020603020101020101" pitchFamily="18" charset="-127"/>
+                <a:ea typeface="한컴 윤고딕 230" panose="02020603020101020101" pitchFamily="18" charset="-127"/>
+              </a:rPr>
+              <a:t>1. </a:t>
+            </a:r>
+            <a:r>
+              <a:rPr lang="ko-KR" altLang="en-US" sz="1400" b="1" spc="-20" dirty="0" smtClean="0">
+                <a:gradFill>
+                  <a:gsLst>
+                    <a:gs pos="0">
+                      <a:schemeClr val="tx1">
+                        <a:lumMod val="75000"/>
+                        <a:lumOff val="25000"/>
+                      </a:schemeClr>
+                    </a:gs>
+                    <a:gs pos="50000">
+                      <a:schemeClr val="tx1">
+                        <a:lumMod val="75000"/>
+                        <a:lumOff val="25000"/>
+                      </a:schemeClr>
+                    </a:gs>
+                  </a:gsLst>
+                  <a:lin ang="5400000" scaled="0"/>
+                </a:gradFill>
+                <a:latin typeface="한컴 윤고딕 230" panose="02020603020101020101" pitchFamily="18" charset="-127"/>
+                <a:ea typeface="한컴 윤고딕 230" panose="02020603020101020101" pitchFamily="18" charset="-127"/>
+              </a:rPr>
+              <a:t>문자표현방법</a:t>
+            </a:r>
+            <a:endParaRPr lang="en-US" altLang="ko-KR" sz="1400" b="1" spc="-20" dirty="0" smtClean="0">
+              <a:gradFill>
+                <a:gsLst>
+                  <a:gs pos="0">
+                    <a:schemeClr val="tx1">
+                      <a:lumMod val="75000"/>
+                      <a:lumOff val="25000"/>
+                    </a:schemeClr>
+                  </a:gs>
+                  <a:gs pos="50000">
+                    <a:schemeClr val="tx1">
+                      <a:lumMod val="75000"/>
+                      <a:lumOff val="25000"/>
+                    </a:schemeClr>
+                  </a:gs>
+                </a:gsLst>
+                <a:lin ang="5400000" scaled="0"/>
+              </a:gradFill>
+              <a:latin typeface="한컴 윤고딕 230" panose="02020603020101020101" pitchFamily="18" charset="-127"/>
+              <a:ea typeface="한컴 윤고딕 230" panose="02020603020101020101" pitchFamily="18" charset="-127"/>
+            </a:endParaRPr>
+          </a:p>
+          <a:p>
+            <a:pPr marL="742950" lvl="1" indent="-285750">
+              <a:lnSpc>
+                <a:spcPct val="150000"/>
+              </a:lnSpc>
+              <a:buFont typeface="Wingdings" panose="05000000000000000000" pitchFamily="2" charset="2"/>
+              <a:buChar char="ü"/>
+            </a:pPr>
+            <a:r>
+              <a:rPr lang="ko-KR" altLang="en-US" sz="1200" spc="-20" dirty="0" smtClean="0">
+                <a:gradFill>
+                  <a:gsLst>
+                    <a:gs pos="0">
+                      <a:schemeClr val="tx1">
+                        <a:lumMod val="75000"/>
+                        <a:lumOff val="25000"/>
+                      </a:schemeClr>
+                    </a:gs>
+                    <a:gs pos="50000">
+                      <a:schemeClr val="tx1">
+                        <a:lumMod val="75000"/>
+                        <a:lumOff val="25000"/>
+                      </a:schemeClr>
+                    </a:gs>
+                  </a:gsLst>
+                  <a:lin ang="5400000" scaled="0"/>
+                </a:gradFill>
+                <a:latin typeface="한컴 윤고딕 230" panose="02020603020101020101" pitchFamily="18" charset="-127"/>
+                <a:ea typeface="한컴 윤고딕 230" panose="02020603020101020101" pitchFamily="18" charset="-127"/>
+              </a:rPr>
+              <a:t>아스키코드</a:t>
+            </a:r>
+            <a:r>
+              <a:rPr lang="en-US" altLang="ko-KR" sz="1200" spc="-20" dirty="0" smtClean="0">
+                <a:gradFill>
+                  <a:gsLst>
+                    <a:gs pos="0">
+                      <a:schemeClr val="tx1">
+                        <a:lumMod val="75000"/>
+                        <a:lumOff val="25000"/>
+                      </a:schemeClr>
+                    </a:gs>
+                    <a:gs pos="50000">
+                      <a:schemeClr val="tx1">
+                        <a:lumMod val="75000"/>
+                        <a:lumOff val="25000"/>
+                      </a:schemeClr>
+                    </a:gs>
+                  </a:gsLst>
+                  <a:lin ang="5400000" scaled="0"/>
+                </a:gradFill>
+                <a:latin typeface="한컴 윤고딕 230" panose="02020603020101020101" pitchFamily="18" charset="-127"/>
+                <a:ea typeface="한컴 윤고딕 230" panose="02020603020101020101" pitchFamily="18" charset="-127"/>
+              </a:rPr>
+              <a:t>(ASCII code) : 8bit </a:t>
+            </a:r>
+            <a:endParaRPr lang="en-US" altLang="ko-KR" sz="1200" spc="-20" dirty="0" smtClean="0">
+              <a:gradFill>
+                <a:gsLst>
+                  <a:gs pos="0">
+                    <a:schemeClr val="tx1">
+                      <a:lumMod val="75000"/>
+                      <a:lumOff val="25000"/>
+                    </a:schemeClr>
+                  </a:gs>
+                  <a:gs pos="50000">
+                    <a:schemeClr val="tx1">
+                      <a:lumMod val="75000"/>
+                      <a:lumOff val="25000"/>
+                    </a:schemeClr>
+                  </a:gs>
+                </a:gsLst>
+                <a:lin ang="5400000" scaled="0"/>
+              </a:gradFill>
+              <a:latin typeface="한컴 윤고딕 230" panose="02020603020101020101" pitchFamily="18" charset="-127"/>
+              <a:ea typeface="한컴 윤고딕 230" panose="02020603020101020101" pitchFamily="18" charset="-127"/>
+            </a:endParaRPr>
+          </a:p>
+          <a:p>
+            <a:pPr lvl="1">
+              <a:lnSpc>
+                <a:spcPct val="150000"/>
+              </a:lnSpc>
+            </a:pPr>
+            <a:endParaRPr lang="en-US" altLang="ko-KR" sz="1200" spc="-20" dirty="0" smtClean="0">
+              <a:gradFill>
+                <a:gsLst>
+                  <a:gs pos="0">
+                    <a:schemeClr val="tx1">
+                      <a:lumMod val="75000"/>
+                      <a:lumOff val="25000"/>
+                    </a:schemeClr>
+                  </a:gs>
+                  <a:gs pos="50000">
+                    <a:schemeClr val="tx1">
+                      <a:lumMod val="75000"/>
+                      <a:lumOff val="25000"/>
+                    </a:schemeClr>
+                  </a:gs>
+                </a:gsLst>
+                <a:lin ang="5400000" scaled="0"/>
+              </a:gradFill>
+              <a:latin typeface="한컴 윤고딕 230" panose="02020603020101020101" pitchFamily="18" charset="-127"/>
+              <a:ea typeface="한컴 윤고딕 230" panose="02020603020101020101" pitchFamily="18" charset="-127"/>
+            </a:endParaRPr>
+          </a:p>
+          <a:p>
+            <a:pPr lvl="1">
+              <a:lnSpc>
+                <a:spcPct val="150000"/>
+              </a:lnSpc>
+            </a:pPr>
+            <a:endParaRPr lang="en-US" altLang="ko-KR" sz="1200" spc="-20" dirty="0">
+              <a:gradFill>
+                <a:gsLst>
+                  <a:gs pos="0">
+                    <a:schemeClr val="tx1">
+                      <a:lumMod val="75000"/>
+                      <a:lumOff val="25000"/>
+                    </a:schemeClr>
+                  </a:gs>
+                  <a:gs pos="50000">
+                    <a:schemeClr val="tx1">
+                      <a:lumMod val="75000"/>
+                      <a:lumOff val="25000"/>
+                    </a:schemeClr>
+                  </a:gs>
+                </a:gsLst>
+                <a:lin ang="5400000" scaled="0"/>
+              </a:gradFill>
+              <a:latin typeface="한컴 윤고딕 230" panose="02020603020101020101" pitchFamily="18" charset="-127"/>
+              <a:ea typeface="한컴 윤고딕 230" panose="02020603020101020101" pitchFamily="18" charset="-127"/>
+            </a:endParaRPr>
+          </a:p>
+          <a:p>
+            <a:pPr lvl="1">
+              <a:lnSpc>
+                <a:spcPct val="150000"/>
+              </a:lnSpc>
+            </a:pPr>
+            <a:endParaRPr lang="en-US" altLang="ko-KR" sz="1200" spc="-20" dirty="0" smtClean="0">
+              <a:gradFill>
+                <a:gsLst>
+                  <a:gs pos="0">
+                    <a:schemeClr val="tx1">
+                      <a:lumMod val="75000"/>
+                      <a:lumOff val="25000"/>
+                    </a:schemeClr>
+                  </a:gs>
+                  <a:gs pos="50000">
+                    <a:schemeClr val="tx1">
+                      <a:lumMod val="75000"/>
+                      <a:lumOff val="25000"/>
+                    </a:schemeClr>
+                  </a:gs>
+                </a:gsLst>
+                <a:lin ang="5400000" scaled="0"/>
+              </a:gradFill>
+              <a:latin typeface="한컴 윤고딕 230" panose="02020603020101020101" pitchFamily="18" charset="-127"/>
+              <a:ea typeface="한컴 윤고딕 230" panose="02020603020101020101" pitchFamily="18" charset="-127"/>
+            </a:endParaRPr>
+          </a:p>
+          <a:p>
+            <a:pPr lvl="1">
+              <a:lnSpc>
+                <a:spcPct val="150000"/>
+              </a:lnSpc>
+            </a:pPr>
+            <a:endParaRPr lang="en-US" altLang="ko-KR" sz="1200" spc="-20" dirty="0" smtClean="0">
+              <a:gradFill>
+                <a:gsLst>
+                  <a:gs pos="0">
+                    <a:schemeClr val="tx1">
+                      <a:lumMod val="75000"/>
+                      <a:lumOff val="25000"/>
+                    </a:schemeClr>
+                  </a:gs>
+                  <a:gs pos="50000">
+                    <a:schemeClr val="tx1">
+                      <a:lumMod val="75000"/>
+                      <a:lumOff val="25000"/>
+                    </a:schemeClr>
+                  </a:gs>
+                </a:gsLst>
+                <a:lin ang="5400000" scaled="0"/>
+              </a:gradFill>
+              <a:latin typeface="한컴 윤고딕 230" panose="02020603020101020101" pitchFamily="18" charset="-127"/>
+              <a:ea typeface="한컴 윤고딕 230" panose="02020603020101020101" pitchFamily="18" charset="-127"/>
+            </a:endParaRPr>
+          </a:p>
+          <a:p>
+            <a:pPr lvl="1">
+              <a:lnSpc>
+                <a:spcPct val="150000"/>
+              </a:lnSpc>
+            </a:pPr>
+            <a:endParaRPr lang="en-US" altLang="ko-KR" sz="1200" spc="-20" dirty="0">
+              <a:gradFill>
+                <a:gsLst>
+                  <a:gs pos="0">
+                    <a:schemeClr val="tx1">
+                      <a:lumMod val="75000"/>
+                      <a:lumOff val="25000"/>
+                    </a:schemeClr>
+                  </a:gs>
+                  <a:gs pos="50000">
+                    <a:schemeClr val="tx1">
+                      <a:lumMod val="75000"/>
+                      <a:lumOff val="25000"/>
+                    </a:schemeClr>
+                  </a:gs>
+                </a:gsLst>
+                <a:lin ang="5400000" scaled="0"/>
+              </a:gradFill>
+              <a:latin typeface="한컴 윤고딕 230" panose="02020603020101020101" pitchFamily="18" charset="-127"/>
+              <a:ea typeface="한컴 윤고딕 230" panose="02020603020101020101" pitchFamily="18" charset="-127"/>
+            </a:endParaRPr>
+          </a:p>
+          <a:p>
+            <a:pPr lvl="1">
+              <a:lnSpc>
+                <a:spcPct val="150000"/>
+              </a:lnSpc>
+            </a:pPr>
+            <a:r>
+              <a:rPr lang="en-US" altLang="ko-KR" sz="1200" spc="-20" dirty="0" smtClean="0">
+                <a:gradFill>
+                  <a:gsLst>
+                    <a:gs pos="0">
+                      <a:schemeClr val="tx1">
+                        <a:lumMod val="75000"/>
+                        <a:lumOff val="25000"/>
+                      </a:schemeClr>
+                    </a:gs>
+                    <a:gs pos="50000">
+                      <a:schemeClr val="tx1">
+                        <a:lumMod val="75000"/>
+                        <a:lumOff val="25000"/>
+                      </a:schemeClr>
+                    </a:gs>
+                  </a:gsLst>
+                  <a:lin ang="5400000" scaled="0"/>
+                </a:gradFill>
+                <a:latin typeface="한컴 윤고딕 230" panose="02020603020101020101" pitchFamily="18" charset="-127"/>
+                <a:ea typeface="한컴 윤고딕 230" panose="02020603020101020101" pitchFamily="18" charset="-127"/>
+              </a:rPr>
+              <a:t>	: </a:t>
+            </a:r>
+            <a:r>
+              <a:rPr lang="ko-KR" altLang="en-US" sz="1200" spc="-20" dirty="0" smtClean="0">
+                <a:gradFill>
+                  <a:gsLst>
+                    <a:gs pos="0">
+                      <a:schemeClr val="tx1">
+                        <a:lumMod val="75000"/>
+                        <a:lumOff val="25000"/>
+                      </a:schemeClr>
+                    </a:gs>
+                    <a:gs pos="50000">
+                      <a:schemeClr val="tx1">
+                        <a:lumMod val="75000"/>
+                        <a:lumOff val="25000"/>
+                      </a:schemeClr>
+                    </a:gs>
+                  </a:gsLst>
+                  <a:lin ang="5400000" scaled="0"/>
+                </a:gradFill>
+                <a:latin typeface="한컴 윤고딕 230" panose="02020603020101020101" pitchFamily="18" charset="-127"/>
+                <a:ea typeface="한컴 윤고딕 230" panose="02020603020101020101" pitchFamily="18" charset="-127"/>
+              </a:rPr>
+              <a:t>영문</a:t>
+            </a:r>
+            <a:r>
+              <a:rPr lang="en-US" altLang="ko-KR" sz="1200" spc="-20" dirty="0" smtClean="0">
+                <a:gradFill>
+                  <a:gsLst>
+                    <a:gs pos="0">
+                      <a:schemeClr val="tx1">
+                        <a:lumMod val="75000"/>
+                        <a:lumOff val="25000"/>
+                      </a:schemeClr>
+                    </a:gs>
+                    <a:gs pos="50000">
+                      <a:schemeClr val="tx1">
+                        <a:lumMod val="75000"/>
+                        <a:lumOff val="25000"/>
+                      </a:schemeClr>
+                    </a:gs>
+                  </a:gsLst>
+                  <a:lin ang="5400000" scaled="0"/>
+                </a:gradFill>
+                <a:latin typeface="한컴 윤고딕 230" panose="02020603020101020101" pitchFamily="18" charset="-127"/>
+                <a:ea typeface="한컴 윤고딕 230" panose="02020603020101020101" pitchFamily="18" charset="-127"/>
+              </a:rPr>
+              <a:t>/</a:t>
+            </a:r>
+            <a:r>
+              <a:rPr lang="ko-KR" altLang="en-US" sz="1200" spc="-20" dirty="0" smtClean="0">
+                <a:gradFill>
+                  <a:gsLst>
+                    <a:gs pos="0">
+                      <a:schemeClr val="tx1">
+                        <a:lumMod val="75000"/>
+                        <a:lumOff val="25000"/>
+                      </a:schemeClr>
+                    </a:gs>
+                    <a:gs pos="50000">
+                      <a:schemeClr val="tx1">
+                        <a:lumMod val="75000"/>
+                        <a:lumOff val="25000"/>
+                      </a:schemeClr>
+                    </a:gs>
+                  </a:gsLst>
+                  <a:lin ang="5400000" scaled="0"/>
+                </a:gradFill>
+                <a:latin typeface="한컴 윤고딕 230" panose="02020603020101020101" pitchFamily="18" charset="-127"/>
+                <a:ea typeface="한컴 윤고딕 230" panose="02020603020101020101" pitchFamily="18" charset="-127"/>
+              </a:rPr>
+              <a:t>숫자 </a:t>
+            </a:r>
+            <a:r>
+              <a:rPr lang="en-US" altLang="ko-KR" sz="1200" spc="-20" dirty="0" smtClean="0">
+                <a:gradFill>
+                  <a:gsLst>
+                    <a:gs pos="0">
+                      <a:schemeClr val="tx1">
+                        <a:lumMod val="75000"/>
+                        <a:lumOff val="25000"/>
+                      </a:schemeClr>
+                    </a:gs>
+                    <a:gs pos="50000">
+                      <a:schemeClr val="tx1">
+                        <a:lumMod val="75000"/>
+                        <a:lumOff val="25000"/>
+                      </a:schemeClr>
+                    </a:gs>
+                  </a:gsLst>
+                  <a:lin ang="5400000" scaled="0"/>
+                </a:gradFill>
+                <a:latin typeface="한컴 윤고딕 230" panose="02020603020101020101" pitchFamily="18" charset="-127"/>
+                <a:ea typeface="한컴 윤고딕 230" panose="02020603020101020101" pitchFamily="18" charset="-127"/>
+              </a:rPr>
+              <a:t>1byte, </a:t>
+            </a:r>
+            <a:r>
+              <a:rPr lang="ko-KR" altLang="en-US" sz="1200" spc="-20" dirty="0" smtClean="0">
+                <a:gradFill>
+                  <a:gsLst>
+                    <a:gs pos="0">
+                      <a:schemeClr val="tx1">
+                        <a:lumMod val="75000"/>
+                        <a:lumOff val="25000"/>
+                      </a:schemeClr>
+                    </a:gs>
+                    <a:gs pos="50000">
+                      <a:schemeClr val="tx1">
+                        <a:lumMod val="75000"/>
+                        <a:lumOff val="25000"/>
+                      </a:schemeClr>
+                    </a:gs>
+                  </a:gsLst>
+                  <a:lin ang="5400000" scaled="0"/>
+                </a:gradFill>
+                <a:latin typeface="한컴 윤고딕 230" panose="02020603020101020101" pitchFamily="18" charset="-127"/>
+                <a:ea typeface="한컴 윤고딕 230" panose="02020603020101020101" pitchFamily="18" charset="-127"/>
+              </a:rPr>
+              <a:t>한글</a:t>
+            </a:r>
+            <a:r>
+              <a:rPr lang="en-US" altLang="ko-KR" sz="1200" spc="-20" dirty="0" smtClean="0">
+                <a:gradFill>
+                  <a:gsLst>
+                    <a:gs pos="0">
+                      <a:schemeClr val="tx1">
+                        <a:lumMod val="75000"/>
+                        <a:lumOff val="25000"/>
+                      </a:schemeClr>
+                    </a:gs>
+                    <a:gs pos="50000">
+                      <a:schemeClr val="tx1">
+                        <a:lumMod val="75000"/>
+                        <a:lumOff val="25000"/>
+                      </a:schemeClr>
+                    </a:gs>
+                  </a:gsLst>
+                  <a:lin ang="5400000" scaled="0"/>
+                </a:gradFill>
+                <a:latin typeface="한컴 윤고딕 230" panose="02020603020101020101" pitchFamily="18" charset="-127"/>
+                <a:ea typeface="한컴 윤고딕 230" panose="02020603020101020101" pitchFamily="18" charset="-127"/>
+              </a:rPr>
+              <a:t>/</a:t>
+            </a:r>
+            <a:r>
+              <a:rPr lang="ko-KR" altLang="en-US" sz="1200" spc="-20" dirty="0" smtClean="0">
+                <a:gradFill>
+                  <a:gsLst>
+                    <a:gs pos="0">
+                      <a:schemeClr val="tx1">
+                        <a:lumMod val="75000"/>
+                        <a:lumOff val="25000"/>
+                      </a:schemeClr>
+                    </a:gs>
+                    <a:gs pos="50000">
+                      <a:schemeClr val="tx1">
+                        <a:lumMod val="75000"/>
+                        <a:lumOff val="25000"/>
+                      </a:schemeClr>
+                    </a:gs>
+                  </a:gsLst>
+                  <a:lin ang="5400000" scaled="0"/>
+                </a:gradFill>
+                <a:latin typeface="한컴 윤고딕 230" panose="02020603020101020101" pitchFamily="18" charset="-127"/>
+                <a:ea typeface="한컴 윤고딕 230" panose="02020603020101020101" pitchFamily="18" charset="-127"/>
+              </a:rPr>
+              <a:t>한자 </a:t>
+            </a:r>
+            <a:r>
+              <a:rPr lang="en-US" altLang="ko-KR" sz="1200" spc="-20" dirty="0" smtClean="0">
+                <a:gradFill>
+                  <a:gsLst>
+                    <a:gs pos="0">
+                      <a:schemeClr val="tx1">
+                        <a:lumMod val="75000"/>
+                        <a:lumOff val="25000"/>
+                      </a:schemeClr>
+                    </a:gs>
+                    <a:gs pos="50000">
+                      <a:schemeClr val="tx1">
+                        <a:lumMod val="75000"/>
+                        <a:lumOff val="25000"/>
+                      </a:schemeClr>
+                    </a:gs>
+                  </a:gsLst>
+                  <a:lin ang="5400000" scaled="0"/>
+                </a:gradFill>
+                <a:latin typeface="한컴 윤고딕 230" panose="02020603020101020101" pitchFamily="18" charset="-127"/>
+                <a:ea typeface="한컴 윤고딕 230" panose="02020603020101020101" pitchFamily="18" charset="-127"/>
+              </a:rPr>
+              <a:t>2byte</a:t>
+            </a:r>
+            <a:endParaRPr lang="en-US" altLang="ko-KR" sz="1200" spc="-20" dirty="0">
+              <a:gradFill>
+                <a:gsLst>
+                  <a:gs pos="0">
+                    <a:schemeClr val="tx1">
+                      <a:lumMod val="75000"/>
+                      <a:lumOff val="25000"/>
+                    </a:schemeClr>
+                  </a:gs>
+                  <a:gs pos="50000">
+                    <a:schemeClr val="tx1">
+                      <a:lumMod val="75000"/>
+                      <a:lumOff val="25000"/>
+                    </a:schemeClr>
+                  </a:gs>
+                </a:gsLst>
+                <a:lin ang="5400000" scaled="0"/>
+              </a:gradFill>
+              <a:latin typeface="한컴 윤고딕 230" panose="02020603020101020101" pitchFamily="18" charset="-127"/>
+              <a:ea typeface="한컴 윤고딕 230" panose="02020603020101020101" pitchFamily="18" charset="-127"/>
+            </a:endParaRPr>
+          </a:p>
+          <a:p>
+            <a:pPr lvl="1">
+              <a:lnSpc>
+                <a:spcPct val="150000"/>
+              </a:lnSpc>
+            </a:pPr>
+            <a:r>
+              <a:rPr lang="en-US" altLang="ko-KR" sz="1200" spc="-20" dirty="0" smtClean="0">
+                <a:gradFill>
+                  <a:gsLst>
+                    <a:gs pos="0">
+                      <a:schemeClr val="tx1">
+                        <a:lumMod val="75000"/>
+                        <a:lumOff val="25000"/>
+                      </a:schemeClr>
+                    </a:gs>
+                    <a:gs pos="50000">
+                      <a:schemeClr val="tx1">
+                        <a:lumMod val="75000"/>
+                        <a:lumOff val="25000"/>
+                      </a:schemeClr>
+                    </a:gs>
+                  </a:gsLst>
+                  <a:lin ang="5400000" scaled="0"/>
+                </a:gradFill>
+                <a:latin typeface="한컴 윤고딕 230" panose="02020603020101020101" pitchFamily="18" charset="-127"/>
+                <a:ea typeface="한컴 윤고딕 230" panose="02020603020101020101" pitchFamily="18" charset="-127"/>
+              </a:rPr>
+              <a:t>	: </a:t>
+            </a:r>
+            <a:r>
+              <a:rPr lang="ko-KR" altLang="en-US" sz="1200" spc="-20" dirty="0" smtClean="0">
+                <a:gradFill>
+                  <a:gsLst>
+                    <a:gs pos="0">
+                      <a:schemeClr val="tx1">
+                        <a:lumMod val="75000"/>
+                        <a:lumOff val="25000"/>
+                      </a:schemeClr>
+                    </a:gs>
+                    <a:gs pos="50000">
+                      <a:schemeClr val="tx1">
+                        <a:lumMod val="75000"/>
+                        <a:lumOff val="25000"/>
+                      </a:schemeClr>
+                    </a:gs>
+                  </a:gsLst>
+                  <a:lin ang="5400000" scaled="0"/>
+                </a:gradFill>
+                <a:latin typeface="한컴 윤고딕 230" panose="02020603020101020101" pitchFamily="18" charset="-127"/>
+                <a:ea typeface="한컴 윤고딕 230" panose="02020603020101020101" pitchFamily="18" charset="-127"/>
+              </a:rPr>
+              <a:t>호환성 좋음</a:t>
+            </a:r>
+            <a:endParaRPr lang="en-US" altLang="ko-KR" sz="1200" spc="-20" dirty="0">
+              <a:gradFill>
+                <a:gsLst>
+                  <a:gs pos="0">
+                    <a:schemeClr val="tx1">
+                      <a:lumMod val="75000"/>
+                      <a:lumOff val="25000"/>
+                    </a:schemeClr>
+                  </a:gs>
+                  <a:gs pos="50000">
+                    <a:schemeClr val="tx1">
+                      <a:lumMod val="75000"/>
+                      <a:lumOff val="25000"/>
+                    </a:schemeClr>
+                  </a:gs>
+                </a:gsLst>
+                <a:lin ang="5400000" scaled="0"/>
+              </a:gradFill>
+              <a:latin typeface="한컴 윤고딕 230" panose="02020603020101020101" pitchFamily="18" charset="-127"/>
+              <a:ea typeface="한컴 윤고딕 230" panose="02020603020101020101" pitchFamily="18" charset="-127"/>
+            </a:endParaRPr>
+          </a:p>
+          <a:p>
+            <a:pPr marL="742950" lvl="1" indent="-285750">
+              <a:lnSpc>
+                <a:spcPct val="150000"/>
+              </a:lnSpc>
+              <a:buFont typeface="Wingdings" panose="05000000000000000000" pitchFamily="2" charset="2"/>
+              <a:buChar char="ü"/>
+            </a:pPr>
+            <a:r>
+              <a:rPr lang="ko-KR" altLang="en-US" sz="1200" spc="-20" dirty="0" smtClean="0">
+                <a:gradFill>
+                  <a:gsLst>
+                    <a:gs pos="0">
+                      <a:schemeClr val="tx1">
+                        <a:lumMod val="75000"/>
+                        <a:lumOff val="25000"/>
+                      </a:schemeClr>
+                    </a:gs>
+                    <a:gs pos="50000">
+                      <a:schemeClr val="tx1">
+                        <a:lumMod val="75000"/>
+                        <a:lumOff val="25000"/>
+                      </a:schemeClr>
+                    </a:gs>
+                  </a:gsLst>
+                  <a:lin ang="5400000" scaled="0"/>
+                </a:gradFill>
+                <a:latin typeface="한컴 윤고딕 230" panose="02020603020101020101" pitchFamily="18" charset="-127"/>
+                <a:ea typeface="한컴 윤고딕 230" panose="02020603020101020101" pitchFamily="18" charset="-127"/>
+              </a:rPr>
+              <a:t>유니코드</a:t>
+            </a:r>
+            <a:r>
+              <a:rPr lang="en-US" altLang="ko-KR" sz="1200" spc="-20" dirty="0" smtClean="0">
+                <a:gradFill>
+                  <a:gsLst>
+                    <a:gs pos="0">
+                      <a:schemeClr val="tx1">
+                        <a:lumMod val="75000"/>
+                        <a:lumOff val="25000"/>
+                      </a:schemeClr>
+                    </a:gs>
+                    <a:gs pos="50000">
+                      <a:schemeClr val="tx1">
+                        <a:lumMod val="75000"/>
+                        <a:lumOff val="25000"/>
+                      </a:schemeClr>
+                    </a:gs>
+                  </a:gsLst>
+                  <a:lin ang="5400000" scaled="0"/>
+                </a:gradFill>
+                <a:latin typeface="한컴 윤고딕 230" panose="02020603020101020101" pitchFamily="18" charset="-127"/>
+                <a:ea typeface="한컴 윤고딕 230" panose="02020603020101020101" pitchFamily="18" charset="-127"/>
+              </a:rPr>
+              <a:t>(Unicode/UTF-16) : </a:t>
+            </a:r>
+            <a:r>
+              <a:rPr lang="ko-KR" altLang="en-US" sz="1200" spc="-20" dirty="0" smtClean="0">
+                <a:gradFill>
+                  <a:gsLst>
+                    <a:gs pos="0">
+                      <a:schemeClr val="tx1">
+                        <a:lumMod val="75000"/>
+                        <a:lumOff val="25000"/>
+                      </a:schemeClr>
+                    </a:gs>
+                    <a:gs pos="50000">
+                      <a:schemeClr val="tx1">
+                        <a:lumMod val="75000"/>
+                        <a:lumOff val="25000"/>
+                      </a:schemeClr>
+                    </a:gs>
+                  </a:gsLst>
+                  <a:lin ang="5400000" scaled="0"/>
+                </a:gradFill>
+                <a:latin typeface="한컴 윤고딕 230" panose="02020603020101020101" pitchFamily="18" charset="-127"/>
+                <a:ea typeface="한컴 윤고딕 230" panose="02020603020101020101" pitchFamily="18" charset="-127"/>
+              </a:rPr>
+              <a:t>산업표준</a:t>
+            </a:r>
+            <a:endParaRPr lang="en-US" altLang="ko-KR" sz="1200" spc="-20" dirty="0" smtClean="0">
+              <a:gradFill>
+                <a:gsLst>
+                  <a:gs pos="0">
+                    <a:schemeClr val="tx1">
+                      <a:lumMod val="75000"/>
+                      <a:lumOff val="25000"/>
+                    </a:schemeClr>
+                  </a:gs>
+                  <a:gs pos="50000">
+                    <a:schemeClr val="tx1">
+                      <a:lumMod val="75000"/>
+                      <a:lumOff val="25000"/>
+                    </a:schemeClr>
+                  </a:gs>
+                </a:gsLst>
+                <a:lin ang="5400000" scaled="0"/>
+              </a:gradFill>
+              <a:latin typeface="한컴 윤고딕 230" panose="02020603020101020101" pitchFamily="18" charset="-127"/>
+              <a:ea typeface="한컴 윤고딕 230" panose="02020603020101020101" pitchFamily="18" charset="-127"/>
+            </a:endParaRPr>
+          </a:p>
+          <a:p>
+            <a:pPr marL="742950" lvl="1" indent="-285750">
+              <a:lnSpc>
+                <a:spcPct val="150000"/>
+              </a:lnSpc>
+              <a:buFont typeface="Wingdings" panose="05000000000000000000" pitchFamily="2" charset="2"/>
+              <a:buChar char="ü"/>
+            </a:pPr>
+            <a:endParaRPr lang="en-US" altLang="ko-KR" sz="1200" spc="-20" dirty="0" smtClean="0">
+              <a:gradFill>
+                <a:gsLst>
+                  <a:gs pos="0">
+                    <a:schemeClr val="tx1">
+                      <a:lumMod val="75000"/>
+                      <a:lumOff val="25000"/>
+                    </a:schemeClr>
+                  </a:gs>
+                  <a:gs pos="50000">
+                    <a:schemeClr val="tx1">
+                      <a:lumMod val="75000"/>
+                      <a:lumOff val="25000"/>
+                    </a:schemeClr>
+                  </a:gs>
+                </a:gsLst>
+                <a:lin ang="5400000" scaled="0"/>
+              </a:gradFill>
+              <a:latin typeface="한컴 윤고딕 230" panose="02020603020101020101" pitchFamily="18" charset="-127"/>
+              <a:ea typeface="한컴 윤고딕 230" panose="02020603020101020101" pitchFamily="18" charset="-127"/>
+            </a:endParaRPr>
+          </a:p>
+          <a:p>
+            <a:pPr marL="742950" lvl="1" indent="-285750">
+              <a:lnSpc>
+                <a:spcPct val="150000"/>
+              </a:lnSpc>
+              <a:buFont typeface="Wingdings" panose="05000000000000000000" pitchFamily="2" charset="2"/>
+              <a:buChar char="ü"/>
+            </a:pPr>
+            <a:endParaRPr lang="en-US" altLang="ko-KR" sz="1200" spc="-20" dirty="0">
+              <a:gradFill>
+                <a:gsLst>
+                  <a:gs pos="0">
+                    <a:schemeClr val="tx1">
+                      <a:lumMod val="75000"/>
+                      <a:lumOff val="25000"/>
+                    </a:schemeClr>
+                  </a:gs>
+                  <a:gs pos="50000">
+                    <a:schemeClr val="tx1">
+                      <a:lumMod val="75000"/>
+                      <a:lumOff val="25000"/>
+                    </a:schemeClr>
+                  </a:gs>
+                </a:gsLst>
+                <a:lin ang="5400000" scaled="0"/>
+              </a:gradFill>
+              <a:latin typeface="한컴 윤고딕 230" panose="02020603020101020101" pitchFamily="18" charset="-127"/>
+              <a:ea typeface="한컴 윤고딕 230" panose="02020603020101020101" pitchFamily="18" charset="-127"/>
+            </a:endParaRPr>
+          </a:p>
+          <a:p>
+            <a:pPr marL="742950" lvl="1" indent="-285750">
+              <a:lnSpc>
+                <a:spcPct val="150000"/>
+              </a:lnSpc>
+              <a:buFont typeface="Wingdings" panose="05000000000000000000" pitchFamily="2" charset="2"/>
+              <a:buChar char="ü"/>
+            </a:pPr>
+            <a:endParaRPr lang="en-US" altLang="ko-KR" sz="1200" spc="-20" dirty="0" smtClean="0">
+              <a:gradFill>
+                <a:gsLst>
+                  <a:gs pos="0">
+                    <a:schemeClr val="tx1">
+                      <a:lumMod val="75000"/>
+                      <a:lumOff val="25000"/>
+                    </a:schemeClr>
+                  </a:gs>
+                  <a:gs pos="50000">
+                    <a:schemeClr val="tx1">
+                      <a:lumMod val="75000"/>
+                      <a:lumOff val="25000"/>
+                    </a:schemeClr>
+                  </a:gs>
+                </a:gsLst>
+                <a:lin ang="5400000" scaled="0"/>
+              </a:gradFill>
+              <a:latin typeface="한컴 윤고딕 230" panose="02020603020101020101" pitchFamily="18" charset="-127"/>
+              <a:ea typeface="한컴 윤고딕 230" panose="02020603020101020101" pitchFamily="18" charset="-127"/>
+            </a:endParaRPr>
+          </a:p>
+          <a:p>
+            <a:pPr marL="742950" lvl="1" indent="-285750">
+              <a:lnSpc>
+                <a:spcPct val="150000"/>
+              </a:lnSpc>
+              <a:buFont typeface="Wingdings" panose="05000000000000000000" pitchFamily="2" charset="2"/>
+              <a:buChar char="ü"/>
+            </a:pPr>
+            <a:endParaRPr lang="en-US" altLang="ko-KR" sz="1200" spc="-20" dirty="0">
+              <a:gradFill>
+                <a:gsLst>
+                  <a:gs pos="0">
+                    <a:schemeClr val="tx1">
+                      <a:lumMod val="75000"/>
+                      <a:lumOff val="25000"/>
+                    </a:schemeClr>
+                  </a:gs>
+                  <a:gs pos="50000">
+                    <a:schemeClr val="tx1">
+                      <a:lumMod val="75000"/>
+                      <a:lumOff val="25000"/>
+                    </a:schemeClr>
+                  </a:gs>
+                </a:gsLst>
+                <a:lin ang="5400000" scaled="0"/>
+              </a:gradFill>
+              <a:latin typeface="한컴 윤고딕 230" panose="02020603020101020101" pitchFamily="18" charset="-127"/>
+              <a:ea typeface="한컴 윤고딕 230" panose="02020603020101020101" pitchFamily="18" charset="-127"/>
+            </a:endParaRPr>
+          </a:p>
+          <a:p>
+            <a:pPr marL="742950" lvl="1" indent="-285750">
+              <a:lnSpc>
+                <a:spcPct val="150000"/>
+              </a:lnSpc>
+              <a:buFont typeface="Wingdings" panose="05000000000000000000" pitchFamily="2" charset="2"/>
+              <a:buChar char="ü"/>
+            </a:pPr>
+            <a:endParaRPr lang="en-US" altLang="ko-KR" sz="1200" spc="-20" dirty="0" smtClean="0">
+              <a:gradFill>
+                <a:gsLst>
+                  <a:gs pos="0">
+                    <a:schemeClr val="tx1">
+                      <a:lumMod val="75000"/>
+                      <a:lumOff val="25000"/>
+                    </a:schemeClr>
+                  </a:gs>
+                  <a:gs pos="50000">
+                    <a:schemeClr val="tx1">
+                      <a:lumMod val="75000"/>
+                      <a:lumOff val="25000"/>
+                    </a:schemeClr>
+                  </a:gs>
+                </a:gsLst>
+                <a:lin ang="5400000" scaled="0"/>
+              </a:gradFill>
+              <a:latin typeface="한컴 윤고딕 230" panose="02020603020101020101" pitchFamily="18" charset="-127"/>
+              <a:ea typeface="한컴 윤고딕 230" panose="02020603020101020101" pitchFamily="18" charset="-127"/>
+            </a:endParaRPr>
+          </a:p>
+          <a:p>
+            <a:pPr lvl="1">
+              <a:lnSpc>
+                <a:spcPct val="150000"/>
+              </a:lnSpc>
+            </a:pPr>
+            <a:r>
+              <a:rPr lang="en-US" altLang="ko-KR" sz="1200" spc="-20" dirty="0" smtClean="0">
+                <a:gradFill>
+                  <a:gsLst>
+                    <a:gs pos="0">
+                      <a:schemeClr val="tx1">
+                        <a:lumMod val="75000"/>
+                        <a:lumOff val="25000"/>
+                      </a:schemeClr>
+                    </a:gs>
+                    <a:gs pos="50000">
+                      <a:schemeClr val="tx1">
+                        <a:lumMod val="75000"/>
+                        <a:lumOff val="25000"/>
+                      </a:schemeClr>
+                    </a:gs>
+                  </a:gsLst>
+                  <a:lin ang="5400000" scaled="0"/>
+                </a:gradFill>
+                <a:latin typeface="한컴 윤고딕 230" panose="02020603020101020101" pitchFamily="18" charset="-127"/>
+                <a:ea typeface="한컴 윤고딕 230" panose="02020603020101020101" pitchFamily="18" charset="-127"/>
+              </a:rPr>
+              <a:t>	: DBCS(Double Byte Characters set)</a:t>
+            </a:r>
+          </a:p>
+          <a:p>
+            <a:pPr lvl="1">
+              <a:lnSpc>
+                <a:spcPct val="150000"/>
+              </a:lnSpc>
+            </a:pPr>
+            <a:r>
+              <a:rPr lang="en-US" altLang="ko-KR" sz="1200" spc="-20" dirty="0">
+                <a:gradFill>
+                  <a:gsLst>
+                    <a:gs pos="0">
+                      <a:schemeClr val="tx1">
+                        <a:lumMod val="75000"/>
+                        <a:lumOff val="25000"/>
+                      </a:schemeClr>
+                    </a:gs>
+                    <a:gs pos="50000">
+                      <a:schemeClr val="tx1">
+                        <a:lumMod val="75000"/>
+                        <a:lumOff val="25000"/>
+                      </a:schemeClr>
+                    </a:gs>
+                  </a:gsLst>
+                  <a:lin ang="5400000" scaled="0"/>
+                </a:gradFill>
+                <a:latin typeface="한컴 윤고딕 230" panose="02020603020101020101" pitchFamily="18" charset="-127"/>
+                <a:ea typeface="한컴 윤고딕 230" panose="02020603020101020101" pitchFamily="18" charset="-127"/>
+              </a:rPr>
+              <a:t>	</a:t>
+            </a:r>
+            <a:r>
+              <a:rPr lang="en-US" altLang="ko-KR" sz="1200" spc="-20" dirty="0" smtClean="0">
+                <a:gradFill>
+                  <a:gsLst>
+                    <a:gs pos="0">
+                      <a:schemeClr val="tx1">
+                        <a:lumMod val="75000"/>
+                        <a:lumOff val="25000"/>
+                      </a:schemeClr>
+                    </a:gs>
+                    <a:gs pos="50000">
+                      <a:schemeClr val="tx1">
+                        <a:lumMod val="75000"/>
+                        <a:lumOff val="25000"/>
+                      </a:schemeClr>
+                    </a:gs>
+                  </a:gsLst>
+                  <a:lin ang="5400000" scaled="0"/>
+                </a:gradFill>
+                <a:latin typeface="한컴 윤고딕 230" panose="02020603020101020101" pitchFamily="18" charset="-127"/>
+                <a:ea typeface="한컴 윤고딕 230" panose="02020603020101020101" pitchFamily="18" charset="-127"/>
+              </a:rPr>
+              <a:t>: UTF-8</a:t>
+            </a:r>
+            <a:endParaRPr lang="en-US" altLang="ko-KR" sz="1200" spc="-20" dirty="0">
+              <a:gradFill>
+                <a:gsLst>
+                  <a:gs pos="0">
+                    <a:schemeClr val="tx1">
+                      <a:lumMod val="75000"/>
+                      <a:lumOff val="25000"/>
+                    </a:schemeClr>
+                  </a:gs>
+                  <a:gs pos="50000">
+                    <a:schemeClr val="tx1">
+                      <a:lumMod val="75000"/>
+                      <a:lumOff val="25000"/>
+                    </a:schemeClr>
+                  </a:gs>
+                </a:gsLst>
+                <a:lin ang="5400000" scaled="0"/>
+              </a:gradFill>
+              <a:latin typeface="한컴 윤고딕 230" panose="02020603020101020101" pitchFamily="18" charset="-127"/>
+              <a:ea typeface="한컴 윤고딕 230" panose="02020603020101020101" pitchFamily="18" charset="-127"/>
+            </a:endParaRPr>
+          </a:p>
+          <a:p>
+            <a:pPr marL="742950" lvl="1" indent="-285750">
+              <a:lnSpc>
+                <a:spcPct val="150000"/>
+              </a:lnSpc>
+              <a:buFont typeface="Wingdings" panose="05000000000000000000" pitchFamily="2" charset="2"/>
+              <a:buChar char="ü"/>
+            </a:pPr>
+            <a:r>
+              <a:rPr lang="ko-KR" altLang="en-US" sz="1200" spc="-20" dirty="0" smtClean="0">
+                <a:gradFill>
+                  <a:gsLst>
+                    <a:gs pos="0">
+                      <a:schemeClr val="tx1">
+                        <a:lumMod val="75000"/>
+                        <a:lumOff val="25000"/>
+                      </a:schemeClr>
+                    </a:gs>
+                    <a:gs pos="50000">
+                      <a:schemeClr val="tx1">
+                        <a:lumMod val="75000"/>
+                        <a:lumOff val="25000"/>
+                      </a:schemeClr>
+                    </a:gs>
+                  </a:gsLst>
+                  <a:lin ang="5400000" scaled="0"/>
+                </a:gradFill>
+                <a:latin typeface="한컴 윤고딕 230" panose="02020603020101020101" pitchFamily="18" charset="-127"/>
+                <a:ea typeface="한컴 윤고딕 230" panose="02020603020101020101" pitchFamily="18" charset="-127"/>
+              </a:rPr>
+              <a:t>시스템 내부 </a:t>
+            </a:r>
+            <a:r>
+              <a:rPr lang="en-US" altLang="ko-KR" sz="1200" spc="-20" dirty="0" smtClean="0">
+                <a:gradFill>
+                  <a:gsLst>
+                    <a:gs pos="0">
+                      <a:schemeClr val="tx1">
+                        <a:lumMod val="75000"/>
+                        <a:lumOff val="25000"/>
+                      </a:schemeClr>
+                    </a:gs>
+                    <a:gs pos="50000">
+                      <a:schemeClr val="tx1">
+                        <a:lumMod val="75000"/>
+                        <a:lumOff val="25000"/>
+                      </a:schemeClr>
+                    </a:gs>
+                  </a:gsLst>
+                  <a:lin ang="5400000" scaled="0"/>
+                </a:gradFill>
+                <a:latin typeface="한컴 윤고딕 230" panose="02020603020101020101" pitchFamily="18" charset="-127"/>
+                <a:ea typeface="한컴 윤고딕 230" panose="02020603020101020101" pitchFamily="18" charset="-127"/>
+              </a:rPr>
+              <a:t>: </a:t>
+            </a:r>
+            <a:r>
+              <a:rPr lang="ko-KR" altLang="en-US" sz="1200" spc="-20" dirty="0" smtClean="0">
+                <a:gradFill>
+                  <a:gsLst>
+                    <a:gs pos="0">
+                      <a:schemeClr val="tx1">
+                        <a:lumMod val="75000"/>
+                        <a:lumOff val="25000"/>
+                      </a:schemeClr>
+                    </a:gs>
+                    <a:gs pos="50000">
+                      <a:schemeClr val="tx1">
+                        <a:lumMod val="75000"/>
+                        <a:lumOff val="25000"/>
+                      </a:schemeClr>
+                    </a:gs>
+                  </a:gsLst>
+                  <a:lin ang="5400000" scaled="0"/>
+                </a:gradFill>
+                <a:latin typeface="한컴 윤고딕 230" panose="02020603020101020101" pitchFamily="18" charset="-127"/>
+                <a:ea typeface="한컴 윤고딕 230" panose="02020603020101020101" pitchFamily="18" charset="-127"/>
+              </a:rPr>
+              <a:t>유니</a:t>
+            </a:r>
+            <a:r>
+              <a:rPr lang="en-US" altLang="ko-KR" sz="1200" spc="-20" dirty="0" smtClean="0">
+                <a:gradFill>
+                  <a:gsLst>
+                    <a:gs pos="0">
+                      <a:schemeClr val="tx1">
+                        <a:lumMod val="75000"/>
+                        <a:lumOff val="25000"/>
+                      </a:schemeClr>
+                    </a:gs>
+                    <a:gs pos="50000">
+                      <a:schemeClr val="tx1">
+                        <a:lumMod val="75000"/>
+                        <a:lumOff val="25000"/>
+                      </a:schemeClr>
+                    </a:gs>
+                  </a:gsLst>
+                  <a:lin ang="5400000" scaled="0"/>
+                </a:gradFill>
+                <a:latin typeface="한컴 윤고딕 230" panose="02020603020101020101" pitchFamily="18" charset="-127"/>
+                <a:ea typeface="한컴 윤고딕 230" panose="02020603020101020101" pitchFamily="18" charset="-127"/>
+              </a:rPr>
+              <a:t> / </a:t>
+            </a:r>
+            <a:r>
+              <a:rPr lang="ko-KR" altLang="en-US" sz="1200" spc="-20" dirty="0" smtClean="0">
+                <a:gradFill>
+                  <a:gsLst>
+                    <a:gs pos="0">
+                      <a:schemeClr val="tx1">
+                        <a:lumMod val="75000"/>
+                        <a:lumOff val="25000"/>
+                      </a:schemeClr>
+                    </a:gs>
+                    <a:gs pos="50000">
+                      <a:schemeClr val="tx1">
+                        <a:lumMod val="75000"/>
+                        <a:lumOff val="25000"/>
+                      </a:schemeClr>
+                    </a:gs>
+                  </a:gsLst>
+                  <a:lin ang="5400000" scaled="0"/>
+                </a:gradFill>
+                <a:latin typeface="한컴 윤고딕 230" panose="02020603020101020101" pitchFamily="18" charset="-127"/>
+                <a:ea typeface="한컴 윤고딕 230" panose="02020603020101020101" pitchFamily="18" charset="-127"/>
+              </a:rPr>
+              <a:t>사용자 </a:t>
+            </a:r>
+            <a:r>
+              <a:rPr lang="en-US" altLang="ko-KR" sz="1200" spc="-20" dirty="0" smtClean="0">
+                <a:gradFill>
+                  <a:gsLst>
+                    <a:gs pos="0">
+                      <a:schemeClr val="tx1">
+                        <a:lumMod val="75000"/>
+                        <a:lumOff val="25000"/>
+                      </a:schemeClr>
+                    </a:gs>
+                    <a:gs pos="50000">
+                      <a:schemeClr val="tx1">
+                        <a:lumMod val="75000"/>
+                        <a:lumOff val="25000"/>
+                      </a:schemeClr>
+                    </a:gs>
+                  </a:gsLst>
+                  <a:lin ang="5400000" scaled="0"/>
+                </a:gradFill>
+                <a:latin typeface="한컴 윤고딕 230" panose="02020603020101020101" pitchFamily="18" charset="-127"/>
+                <a:ea typeface="한컴 윤고딕 230" panose="02020603020101020101" pitchFamily="18" charset="-127"/>
+              </a:rPr>
+              <a:t>: </a:t>
+            </a:r>
+            <a:r>
+              <a:rPr lang="ko-KR" altLang="en-US" sz="1200" spc="-20" dirty="0" smtClean="0">
+                <a:gradFill>
+                  <a:gsLst>
+                    <a:gs pos="0">
+                      <a:schemeClr val="tx1">
+                        <a:lumMod val="75000"/>
+                        <a:lumOff val="25000"/>
+                      </a:schemeClr>
+                    </a:gs>
+                    <a:gs pos="50000">
+                      <a:schemeClr val="tx1">
+                        <a:lumMod val="75000"/>
+                        <a:lumOff val="25000"/>
+                      </a:schemeClr>
+                    </a:gs>
+                  </a:gsLst>
+                  <a:lin ang="5400000" scaled="0"/>
+                </a:gradFill>
+                <a:latin typeface="한컴 윤고딕 230" panose="02020603020101020101" pitchFamily="18" charset="-127"/>
+                <a:ea typeface="한컴 윤고딕 230" panose="02020603020101020101" pitchFamily="18" charset="-127"/>
+              </a:rPr>
+              <a:t>아스키</a:t>
+            </a:r>
+            <a:endParaRPr lang="en-US" altLang="ko-KR" sz="1200" spc="-20" dirty="0">
+              <a:gradFill>
+                <a:gsLst>
+                  <a:gs pos="0">
+                    <a:schemeClr val="tx1">
+                      <a:lumMod val="75000"/>
+                      <a:lumOff val="25000"/>
+                    </a:schemeClr>
+                  </a:gs>
+                  <a:gs pos="50000">
+                    <a:schemeClr val="tx1">
+                      <a:lumMod val="75000"/>
+                      <a:lumOff val="25000"/>
+                    </a:schemeClr>
+                  </a:gs>
+                </a:gsLst>
+                <a:lin ang="5400000" scaled="0"/>
+              </a:gradFill>
+              <a:latin typeface="한컴 윤고딕 230" panose="02020603020101020101" pitchFamily="18" charset="-127"/>
+              <a:ea typeface="한컴 윤고딕 230" panose="02020603020101020101" pitchFamily="18" charset="-127"/>
+            </a:endParaRPr>
+          </a:p>
+        </p:txBody>
+      </p:sp>
+      <p:pic>
+        <p:nvPicPr>
+          <p:cNvPr id="1030" name="Picture 6" descr="EBCDIC and IBM Scan Codes"/>
+          <p:cNvPicPr>
+            <a:picLocks noChangeAspect="1" noChangeArrowheads="1"/>
+          </p:cNvPicPr>
+          <p:nvPr/>
+        </p:nvPicPr>
+        <p:blipFill>
+          <a:blip r:embed="rId6">
+            <a:extLst>
+              <a:ext uri="{28A0092B-C50C-407E-A947-70E740481C1C}">
+                <a14:useLocalDpi xmlns:a14="http://schemas.microsoft.com/office/drawing/2010/main" val="0"/>
+              </a:ext>
+            </a:extLst>
+          </a:blip>
+          <a:srcRect/>
+          <a:stretch>
+            <a:fillRect/>
+          </a:stretch>
+        </p:blipFill>
+        <p:spPr bwMode="auto">
+          <a:xfrm>
+            <a:off x="1139672" y="1887819"/>
+            <a:ext cx="3846437" cy="1503081"/>
+          </a:xfrm>
+          <a:prstGeom prst="rect">
+            <a:avLst/>
+          </a:prstGeom>
+          <a:noFill/>
+          <a:extLst>
+            <a:ext uri="{909E8E84-426E-40DD-AFC4-6F175D3DCCD1}">
+              <a14:hiddenFill xmlns:a14="http://schemas.microsoft.com/office/drawing/2010/main">
+                <a:solidFill>
+                  <a:srgbClr val="FFFFFF"/>
+                </a:solidFill>
+              </a14:hiddenFill>
+            </a:ext>
+          </a:extLst>
         </p:spPr>
       </p:pic>
       <p:pic>
         <p:nvPicPr>
-          <p:cNvPr id="9" name="그림 8"/>
+          <p:cNvPr id="11" name="그림 10"/>
           <p:cNvPicPr>
             <a:picLocks noChangeAspect="1"/>
           </p:cNvPicPr>
@@ -15474,8 +20389,8 @@
         </p:blipFill>
         <p:spPr>
           <a:xfrm>
-            <a:off x="6606540" y="2822407"/>
-            <a:ext cx="5410200" cy="1125196"/>
+            <a:off x="1139672" y="4080970"/>
+            <a:ext cx="3790172" cy="1457758"/>
           </a:xfrm>
           <a:prstGeom prst="rect">
             <a:avLst/>
@@ -15632,7 +20547,7 @@
                 <a:latin typeface="HY견명조" panose="02030600000101010101" pitchFamily="18" charset="-127"/>
                 <a:ea typeface="HY견명조" panose="02030600000101010101" pitchFamily="18" charset="-127"/>
               </a:rPr>
-              <a:t>4. Structure</a:t>
+              <a:t>3. String</a:t>
             </a:r>
             <a:endParaRPr lang="ko-KR" altLang="en-US" sz="2000" dirty="0">
               <a:gradFill>
@@ -15671,13 +20586,13 @@
               <a:rPr lang="ko-KR" altLang="en-US" smtClean="0"/>
               <a:t>8</a:t>
             </a:fld>
-            <a:endParaRPr lang="ko-KR" altLang="en-US" dirty="0"/>
+            <a:endParaRPr lang="ko-KR" altLang="en-US"/>
           </a:p>
         </p:txBody>
       </p:sp>
       <p:cxnSp>
         <p:nvCxnSpPr>
-          <p:cNvPr id="26" name="직선 연결선 25"/>
+          <p:cNvPr id="37" name="직선 연결선 36"/>
           <p:cNvCxnSpPr/>
           <p:nvPr/>
         </p:nvCxnSpPr>
@@ -15710,13 +20625,13 @@
       </p:cxnSp>
       <p:sp>
         <p:nvSpPr>
-          <p:cNvPr id="10" name="TextBox 9"/>
+          <p:cNvPr id="23" name="TextBox 22"/>
           <p:cNvSpPr txBox="1"/>
           <p:nvPr/>
         </p:nvSpPr>
         <p:spPr>
           <a:xfrm>
-            <a:off x="335498" y="1277303"/>
+            <a:off x="339314" y="1281308"/>
             <a:ext cx="5758414" cy="5444172"/>
           </a:xfrm>
           <a:prstGeom prst="rect">
@@ -15757,7 +20672,7 @@
                 <a:latin typeface="한컴 윤고딕 230" panose="02020603020101020101" pitchFamily="18" charset="-127"/>
                 <a:ea typeface="한컴 윤고딕 230" panose="02020603020101020101" pitchFamily="18" charset="-127"/>
               </a:rPr>
-              <a:t>1. </a:t>
+              <a:t>3. </a:t>
             </a:r>
             <a:r>
               <a:rPr lang="ko-KR" altLang="en-US" sz="1400" b="1" spc="-20" dirty="0" smtClean="0">
@@ -15781,7 +20696,7 @@
                 <a:latin typeface="한컴 윤고딕 230" panose="02020603020101020101" pitchFamily="18" charset="-127"/>
                 <a:ea typeface="한컴 윤고딕 230" panose="02020603020101020101" pitchFamily="18" charset="-127"/>
               </a:rPr>
-              <a:t>함수인자로의 구조체</a:t>
+              <a:t>라이브러리</a:t>
             </a:r>
             <a:endParaRPr lang="en-US" altLang="ko-KR" sz="1400" b="1" spc="-20" dirty="0" smtClean="0">
               <a:gradFill>
@@ -15813,7 +20728,7 @@
               <a:buFont typeface="Wingdings" panose="05000000000000000000" pitchFamily="2" charset="2"/>
               <a:buChar char="ü"/>
             </a:pPr>
-            <a:endParaRPr lang="en-US" altLang="ko-KR" sz="1200" spc="-20" dirty="0" smtClean="0">
+            <a:endParaRPr lang="en-US" altLang="ko-KR" sz="1200" spc="-20" dirty="0">
               <a:gradFill>
                 <a:gsLst>
                   <a:gs pos="0">
@@ -15843,7 +20758,7 @@
               <a:buFont typeface="Wingdings" panose="05000000000000000000" pitchFamily="2" charset="2"/>
               <a:buChar char="ü"/>
             </a:pPr>
-            <a:endParaRPr lang="en-US" altLang="ko-KR" sz="1200" spc="-20" dirty="0">
+            <a:endParaRPr lang="en-US" altLang="ko-KR" sz="1200" spc="-20" dirty="0" smtClean="0">
               <a:gradFill>
                 <a:gsLst>
                   <a:gs pos="0">
@@ -15873,7 +20788,7 @@
               <a:buFont typeface="Wingdings" panose="05000000000000000000" pitchFamily="2" charset="2"/>
               <a:buChar char="ü"/>
             </a:pPr>
-            <a:endParaRPr lang="en-US" altLang="ko-KR" sz="1200" spc="-20" dirty="0" smtClean="0">
+            <a:endParaRPr lang="en-US" altLang="ko-KR" sz="1200" spc="-20" dirty="0">
               <a:gradFill>
                 <a:gsLst>
                   <a:gs pos="0">
@@ -15903,7 +20818,7 @@
               <a:buFont typeface="Wingdings" panose="05000000000000000000" pitchFamily="2" charset="2"/>
               <a:buChar char="ü"/>
             </a:pPr>
-            <a:endParaRPr lang="en-US" altLang="ko-KR" sz="1200" spc="-20" dirty="0">
+            <a:endParaRPr lang="en-US" altLang="ko-KR" sz="1200" spc="-20" dirty="0" smtClean="0">
               <a:gradFill>
                 <a:gsLst>
                   <a:gs pos="0">
@@ -15933,7 +20848,7 @@
               <a:buFont typeface="Wingdings" panose="05000000000000000000" pitchFamily="2" charset="2"/>
               <a:buChar char="ü"/>
             </a:pPr>
-            <a:endParaRPr lang="en-US" altLang="ko-KR" sz="1200" spc="-20" dirty="0" smtClean="0">
+            <a:endParaRPr lang="en-US" altLang="ko-KR" sz="1200" spc="-20" dirty="0">
               <a:gradFill>
                 <a:gsLst>
                   <a:gs pos="0">
@@ -15963,7 +20878,7 @@
               <a:buFont typeface="Wingdings" panose="05000000000000000000" pitchFamily="2" charset="2"/>
               <a:buChar char="ü"/>
             </a:pPr>
-            <a:endParaRPr lang="en-US" altLang="ko-KR" sz="1200" spc="-20" dirty="0">
+            <a:endParaRPr lang="en-US" altLang="ko-KR" sz="1200" spc="-20" dirty="0" smtClean="0">
               <a:gradFill>
                 <a:gsLst>
                   <a:gs pos="0">
@@ -15993,7 +20908,7 @@
               <a:buFont typeface="Wingdings" panose="05000000000000000000" pitchFamily="2" charset="2"/>
               <a:buChar char="ü"/>
             </a:pPr>
-            <a:endParaRPr lang="en-US" altLang="ko-KR" sz="1200" spc="-20" dirty="0" smtClean="0">
+            <a:endParaRPr lang="en-US" altLang="ko-KR" sz="1200" spc="-20" dirty="0">
               <a:gradFill>
                 <a:gsLst>
                   <a:gs pos="0">
@@ -16023,30 +20938,6 @@
               <a:buFont typeface="Wingdings" panose="05000000000000000000" pitchFamily="2" charset="2"/>
               <a:buChar char="ü"/>
             </a:pPr>
-            <a:r>
-              <a:rPr lang="ko-KR" altLang="en-US" sz="1200" spc="-20" dirty="0" smtClean="0">
-                <a:gradFill>
-                  <a:gsLst>
-                    <a:gs pos="0">
-                      <a:schemeClr val="tx1">
-                        <a:lumMod val="75000"/>
-                        <a:lumOff val="25000"/>
-                      </a:schemeClr>
-                    </a:gs>
-                    <a:gs pos="50000">
-                      <a:schemeClr val="tx1">
-                        <a:lumMod val="75000"/>
-                        <a:lumOff val="25000"/>
-                      </a:schemeClr>
-                    </a:gs>
-                  </a:gsLst>
-                  <a:lin ang="5400000" scaled="0"/>
-                </a:gradFill>
-                <a:latin typeface="한컴 윤고딕 230" panose="02020603020101020101" pitchFamily="18" charset="-127"/>
-                <a:ea typeface="한컴 윤고딕 230" panose="02020603020101020101" pitchFamily="18" charset="-127"/>
-              </a:rPr>
-              <a:t>인자 전달에 용이</a:t>
-            </a:r>
             <a:endParaRPr lang="en-US" altLang="ko-KR" sz="1200" spc="-20" dirty="0" smtClean="0">
               <a:gradFill>
                 <a:gsLst>
@@ -16077,7 +20968,7 @@
               <a:buFont typeface="Wingdings" panose="05000000000000000000" pitchFamily="2" charset="2"/>
               <a:buChar char="ü"/>
             </a:pPr>
-            <a:endParaRPr lang="en-US" altLang="ko-KR" sz="1200" spc="-20" dirty="0" smtClean="0">
+            <a:endParaRPr lang="en-US" altLang="ko-KR" sz="1200" spc="-20" dirty="0">
               <a:gradFill>
                 <a:gsLst>
                   <a:gs pos="0">
@@ -16100,13 +20991,15 @@
             </a:endParaRPr>
           </a:p>
           <a:p>
-            <a:pPr>
+            <a:pPr marL="742950" lvl="1" indent="-285750">
               <a:lnSpc>
                 <a:spcPct val="150000"/>
               </a:lnSpc>
-            </a:pPr>
-            <a:r>
-              <a:rPr lang="en-US" altLang="ko-KR" sz="1400" b="1" spc="-20" dirty="0" smtClean="0">
+              <a:buFont typeface="Wingdings" panose="05000000000000000000" pitchFamily="2" charset="2"/>
+              <a:buChar char="ü"/>
+            </a:pPr>
+            <a:r>
+              <a:rPr lang="en-US" altLang="ko-KR" sz="1200" spc="-20" dirty="0" smtClean="0">
                 <a:gradFill>
                   <a:gsLst>
                     <a:gs pos="0">
@@ -16127,10 +21020,10 @@
                 <a:latin typeface="한컴 윤고딕 230" panose="02020603020101020101" pitchFamily="18" charset="-127"/>
                 <a:ea typeface="한컴 윤고딕 230" panose="02020603020101020101" pitchFamily="18" charset="-127"/>
               </a:rPr>
-              <a:t>2. </a:t>
-            </a:r>
-            <a:r>
-              <a:rPr lang="ko-KR" altLang="en-US" sz="1400" b="1" spc="-20" dirty="0" smtClean="0">
+              <a:t>Gets() : </a:t>
+            </a:r>
+            <a:r>
+              <a:rPr lang="ko-KR" altLang="en-US" sz="1200" spc="-20" dirty="0" smtClean="0">
                 <a:gradFill>
                   <a:gsLst>
                     <a:gs pos="0">
@@ -16151,10 +21044,10 @@
                 <a:latin typeface="한컴 윤고딕 230" panose="02020603020101020101" pitchFamily="18" charset="-127"/>
                 <a:ea typeface="한컴 윤고딕 230" panose="02020603020101020101" pitchFamily="18" charset="-127"/>
               </a:rPr>
-              <a:t>인자 전달 시 </a:t>
-            </a:r>
-            <a:r>
-              <a:rPr lang="en-US" altLang="ko-KR" sz="1400" b="1" spc="-20" dirty="0" smtClean="0">
+              <a:t>자동으로 </a:t>
+            </a:r>
+            <a:r>
+              <a:rPr lang="en-US" altLang="ko-KR" sz="1200" spc="-20" dirty="0" smtClean="0">
                 <a:gradFill>
                   <a:gsLst>
                     <a:gs pos="0">
@@ -16175,10 +21068,10 @@
                 <a:latin typeface="한컴 윤고딕 230" panose="02020603020101020101" pitchFamily="18" charset="-127"/>
                 <a:ea typeface="한컴 윤고딕 230" panose="02020603020101020101" pitchFamily="18" charset="-127"/>
               </a:rPr>
-              <a:t>“</a:t>
-            </a:r>
-            <a:r>
-              <a:rPr lang="ko-KR" altLang="en-US" sz="1400" b="1" spc="-20" dirty="0" smtClean="0">
+              <a:t>NULL </a:t>
+            </a:r>
+            <a:r>
+              <a:rPr lang="ko-KR" altLang="en-US" sz="1200" spc="-20" dirty="0" smtClean="0">
                 <a:gradFill>
                   <a:gsLst>
                     <a:gs pos="0">
@@ -16199,57 +21092,9 @@
                 <a:latin typeface="한컴 윤고딕 230" panose="02020603020101020101" pitchFamily="18" charset="-127"/>
                 <a:ea typeface="한컴 윤고딕 230" panose="02020603020101020101" pitchFamily="18" charset="-127"/>
               </a:rPr>
-              <a:t>포인터</a:t>
-            </a:r>
-            <a:r>
-              <a:rPr lang="en-US" altLang="ko-KR" sz="1400" b="1" spc="-20" dirty="0" smtClean="0">
-                <a:gradFill>
-                  <a:gsLst>
-                    <a:gs pos="0">
-                      <a:schemeClr val="tx1">
-                        <a:lumMod val="75000"/>
-                        <a:lumOff val="25000"/>
-                      </a:schemeClr>
-                    </a:gs>
-                    <a:gs pos="50000">
-                      <a:schemeClr val="tx1">
-                        <a:lumMod val="75000"/>
-                        <a:lumOff val="25000"/>
-                      </a:schemeClr>
-                    </a:gs>
-                  </a:gsLst>
-                  <a:lin ang="5400000" scaled="0"/>
-                </a:gradFill>
-                <a:latin typeface="한컴 윤고딕 230" panose="02020603020101020101" pitchFamily="18" charset="-127"/>
-                <a:ea typeface="한컴 윤고딕 230" panose="02020603020101020101" pitchFamily="18" charset="-127"/>
-              </a:rPr>
-              <a:t>＂</a:t>
-            </a:r>
-            <a:r>
-              <a:rPr lang="ko-KR" altLang="en-US" sz="1400" b="1" spc="-20" dirty="0" smtClean="0">
-                <a:gradFill>
-                  <a:gsLst>
-                    <a:gs pos="0">
-                      <a:schemeClr val="tx1">
-                        <a:lumMod val="75000"/>
-                        <a:lumOff val="25000"/>
-                      </a:schemeClr>
-                    </a:gs>
-                    <a:gs pos="50000">
-                      <a:schemeClr val="tx1">
-                        <a:lumMod val="75000"/>
-                        <a:lumOff val="25000"/>
-                      </a:schemeClr>
-                    </a:gs>
-                  </a:gsLst>
-                  <a:lin ang="5400000" scaled="0"/>
-                </a:gradFill>
-                <a:latin typeface="한컴 윤고딕 230" panose="02020603020101020101" pitchFamily="18" charset="-127"/>
-                <a:ea typeface="한컴 윤고딕 230" panose="02020603020101020101" pitchFamily="18" charset="-127"/>
-              </a:rPr>
-              <a:t>를 활용</a:t>
-            </a:r>
-            <a:endParaRPr lang="en-US" altLang="ko-KR" sz="1400" b="1" spc="-20" dirty="0">
+              <a:t>추가</a:t>
+            </a:r>
+            <a:endParaRPr lang="en-US" altLang="ko-KR" sz="1200" spc="-20" dirty="0" smtClean="0">
               <a:gradFill>
                 <a:gsLst>
                   <a:gs pos="0">
@@ -16280,7 +21125,7 @@
               <a:buChar char="ü"/>
             </a:pPr>
             <a:r>
-              <a:rPr lang="ko-KR" altLang="en-US" sz="1200" spc="-20" dirty="0" smtClean="0">
+              <a:rPr lang="en-US" altLang="ko-KR" sz="1200" spc="-20" dirty="0" smtClean="0">
                 <a:gradFill>
                   <a:gsLst>
                     <a:gs pos="0">
@@ -16301,57 +21146,9 @@
                 <a:latin typeface="한컴 윤고딕 230" panose="02020603020101020101" pitchFamily="18" charset="-127"/>
                 <a:ea typeface="한컴 윤고딕 230" panose="02020603020101020101" pitchFamily="18" charset="-127"/>
               </a:rPr>
-              <a:t>시간</a:t>
-            </a:r>
-            <a:r>
-              <a:rPr lang="en-US" altLang="ko-KR" sz="1200" spc="-20" dirty="0" smtClean="0">
-                <a:gradFill>
-                  <a:gsLst>
-                    <a:gs pos="0">
-                      <a:schemeClr val="tx1">
-                        <a:lumMod val="75000"/>
-                        <a:lumOff val="25000"/>
-                      </a:schemeClr>
-                    </a:gs>
-                    <a:gs pos="50000">
-                      <a:schemeClr val="tx1">
-                        <a:lumMod val="75000"/>
-                        <a:lumOff val="25000"/>
-                      </a:schemeClr>
-                    </a:gs>
-                  </a:gsLst>
-                  <a:lin ang="5400000" scaled="0"/>
-                </a:gradFill>
-                <a:latin typeface="한컴 윤고딕 230" panose="02020603020101020101" pitchFamily="18" charset="-127"/>
-                <a:ea typeface="한컴 윤고딕 230" panose="02020603020101020101" pitchFamily="18" charset="-127"/>
-              </a:rPr>
-              <a:t>, </a:t>
-            </a:r>
-            <a:r>
-              <a:rPr lang="ko-KR" altLang="en-US" sz="1200" spc="-20" dirty="0" smtClean="0">
-                <a:gradFill>
-                  <a:gsLst>
-                    <a:gs pos="0">
-                      <a:schemeClr val="tx1">
-                        <a:lumMod val="75000"/>
-                        <a:lumOff val="25000"/>
-                      </a:schemeClr>
-                    </a:gs>
-                    <a:gs pos="50000">
-                      <a:schemeClr val="tx1">
-                        <a:lumMod val="75000"/>
-                        <a:lumOff val="25000"/>
-                      </a:schemeClr>
-                    </a:gs>
-                  </a:gsLst>
-                  <a:lin ang="5400000" scaled="0"/>
-                </a:gradFill>
-                <a:latin typeface="한컴 윤고딕 230" panose="02020603020101020101" pitchFamily="18" charset="-127"/>
-                <a:ea typeface="한컴 윤고딕 230" panose="02020603020101020101" pitchFamily="18" charset="-127"/>
-              </a:rPr>
-              <a:t>메모리 소모를 줄임</a:t>
-            </a:r>
-            <a:endParaRPr lang="en-US" altLang="ko-KR" sz="1200" spc="-20" dirty="0">
+              <a:t>Puts() : \0 -&gt; \n</a:t>
+            </a:r>
+            <a:endParaRPr lang="en-US" altLang="ko-KR" sz="1200" spc="-20" dirty="0" smtClean="0">
               <a:gradFill>
                 <a:gsLst>
                   <a:gs pos="0">
@@ -16373,65 +21170,11 @@
               <a:ea typeface="한컴 윤고딕 230" panose="02020603020101020101" pitchFamily="18" charset="-127"/>
             </a:endParaRPr>
           </a:p>
-          <a:p>
-            <a:pPr marL="742950" lvl="1" indent="-285750">
-              <a:lnSpc>
-                <a:spcPct val="150000"/>
-              </a:lnSpc>
-              <a:buFont typeface="Wingdings" panose="05000000000000000000" pitchFamily="2" charset="2"/>
-              <a:buChar char="ü"/>
-            </a:pPr>
-            <a:r>
-              <a:rPr lang="ko-KR" altLang="en-US" sz="1200" spc="-20" dirty="0" smtClean="0">
-                <a:gradFill>
-                  <a:gsLst>
-                    <a:gs pos="0">
-                      <a:schemeClr val="tx1">
-                        <a:lumMod val="75000"/>
-                        <a:lumOff val="25000"/>
-                      </a:schemeClr>
-                    </a:gs>
-                    <a:gs pos="50000">
-                      <a:schemeClr val="tx1">
-                        <a:lumMod val="75000"/>
-                        <a:lumOff val="25000"/>
-                      </a:schemeClr>
-                    </a:gs>
-                  </a:gsLst>
-                  <a:lin ang="5400000" scaled="0"/>
-                </a:gradFill>
-                <a:latin typeface="한컴 윤고딕 230" panose="02020603020101020101" pitchFamily="18" charset="-127"/>
-                <a:ea typeface="한컴 윤고딕 230" panose="02020603020101020101" pitchFamily="18" charset="-127"/>
-              </a:rPr>
-              <a:t>내용 수정의 어려움</a:t>
-            </a:r>
-            <a:endParaRPr lang="en-US" altLang="ko-KR" sz="1200" spc="-20" dirty="0" smtClean="0">
-              <a:gradFill>
-                <a:gsLst>
-                  <a:gs pos="0">
-                    <a:schemeClr val="tx1">
-                      <a:lumMod val="75000"/>
-                      <a:lumOff val="25000"/>
-                    </a:schemeClr>
-                  </a:gs>
-                  <a:gs pos="50000">
-                    <a:schemeClr val="tx1">
-                      <a:lumMod val="75000"/>
-                      <a:lumOff val="25000"/>
-                    </a:schemeClr>
-                  </a:gs>
-                </a:gsLst>
-                <a:lin ang="5400000" scaled="0"/>
-              </a:gradFill>
-              <a:latin typeface="한컴 윤고딕 230" panose="02020603020101020101" pitchFamily="18" charset="-127"/>
-              <a:ea typeface="한컴 윤고딕 230" panose="02020603020101020101" pitchFamily="18" charset="-127"/>
-            </a:endParaRPr>
-          </a:p>
         </p:txBody>
       </p:sp>
       <p:sp>
         <p:nvSpPr>
-          <p:cNvPr id="13" name="TextBox 12"/>
+          <p:cNvPr id="25" name="TextBox 24"/>
           <p:cNvSpPr txBox="1"/>
           <p:nvPr/>
         </p:nvSpPr>
@@ -16510,22 +21253,801 @@
       </p:sp>
       <p:pic>
         <p:nvPicPr>
-          <p:cNvPr id="5" name="그림 4"/>
+          <p:cNvPr id="7" name="그림 6"/>
+          <p:cNvPicPr>
+            <a:picLocks noChangeAspect="1"/>
+          </p:cNvPicPr>
+          <p:nvPr/>
+        </p:nvPicPr>
+        <p:blipFill rotWithShape="1">
+          <a:blip r:embed="rId3"/>
+          <a:srcRect b="3125"/>
+          <a:stretch/>
+        </p:blipFill>
+        <p:spPr>
+          <a:xfrm>
+            <a:off x="541020" y="1648113"/>
+            <a:ext cx="5410200" cy="1034127"/>
+          </a:xfrm>
+          <a:prstGeom prst="rect">
+            <a:avLst/>
+          </a:prstGeom>
+        </p:spPr>
+      </p:pic>
+      <p:pic>
+        <p:nvPicPr>
+          <p:cNvPr id="9" name="그림 8"/>
           <p:cNvPicPr>
             <a:picLocks noChangeAspect="1"/>
           </p:cNvPicPr>
           <p:nvPr/>
         </p:nvPicPr>
         <p:blipFill>
-          <a:blip r:embed="rId3"/>
+          <a:blip r:embed="rId4"/>
           <a:stretch>
             <a:fillRect/>
           </a:stretch>
         </p:blipFill>
         <p:spPr>
           <a:xfrm>
-            <a:off x="845820" y="1690377"/>
-            <a:ext cx="2133600" cy="1724025"/>
+            <a:off x="541020" y="2822407"/>
+            <a:ext cx="5410200" cy="1125196"/>
+          </a:xfrm>
+          <a:prstGeom prst="rect">
+            <a:avLst/>
+          </a:prstGeom>
+        </p:spPr>
+      </p:pic>
+      <p:sp>
+        <p:nvSpPr>
+          <p:cNvPr id="17" name="TextBox 16"/>
+          <p:cNvSpPr txBox="1"/>
+          <p:nvPr/>
+        </p:nvSpPr>
+        <p:spPr>
+          <a:xfrm>
+            <a:off x="6100034" y="1281308"/>
+            <a:ext cx="5758414" cy="5444172"/>
+          </a:xfrm>
+          <a:prstGeom prst="rect">
+            <a:avLst/>
+          </a:prstGeom>
+          <a:noFill/>
+        </p:spPr>
+        <p:txBody>
+          <a:bodyPr wrap="square" rtlCol="0">
+            <a:normAutofit/>
+          </a:bodyPr>
+          <a:lstStyle/>
+          <a:p>
+            <a:pPr>
+              <a:lnSpc>
+                <a:spcPct val="150000"/>
+              </a:lnSpc>
+            </a:pPr>
+            <a:r>
+              <a:rPr lang="en-US" altLang="ko-KR" sz="1400" b="1" spc="-20" dirty="0">
+                <a:gradFill>
+                  <a:gsLst>
+                    <a:gs pos="0">
+                      <a:schemeClr val="tx1">
+                        <a:lumMod val="75000"/>
+                        <a:lumOff val="25000"/>
+                      </a:schemeClr>
+                    </a:gs>
+                    <a:gs pos="50000">
+                      <a:schemeClr val="tx1">
+                        <a:lumMod val="75000"/>
+                        <a:lumOff val="25000"/>
+                      </a:schemeClr>
+                    </a:gs>
+                  </a:gsLst>
+                  <a:lin ang="5400000" scaled="0"/>
+                </a:gradFill>
+                <a:latin typeface="한컴 윤고딕 230" panose="02020603020101020101" pitchFamily="18" charset="-127"/>
+                <a:ea typeface="한컴 윤고딕 230" panose="02020603020101020101" pitchFamily="18" charset="-127"/>
+              </a:rPr>
+              <a:t>4</a:t>
+            </a:r>
+            <a:r>
+              <a:rPr lang="en-US" altLang="ko-KR" sz="1400" b="1" spc="-20" dirty="0" smtClean="0">
+                <a:gradFill>
+                  <a:gsLst>
+                    <a:gs pos="0">
+                      <a:schemeClr val="tx1">
+                        <a:lumMod val="75000"/>
+                        <a:lumOff val="25000"/>
+                      </a:schemeClr>
+                    </a:gs>
+                    <a:gs pos="50000">
+                      <a:schemeClr val="tx1">
+                        <a:lumMod val="75000"/>
+                        <a:lumOff val="25000"/>
+                      </a:schemeClr>
+                    </a:gs>
+                  </a:gsLst>
+                  <a:lin ang="5400000" scaled="0"/>
+                </a:gradFill>
+                <a:latin typeface="한컴 윤고딕 230" panose="02020603020101020101" pitchFamily="18" charset="-127"/>
+                <a:ea typeface="한컴 윤고딕 230" panose="02020603020101020101" pitchFamily="18" charset="-127"/>
+              </a:rPr>
+              <a:t>. </a:t>
+            </a:r>
+            <a:r>
+              <a:rPr lang="en-US" altLang="ko-KR" sz="1400" b="1" spc="-20" dirty="0" err="1" smtClean="0">
+                <a:gradFill>
+                  <a:gsLst>
+                    <a:gs pos="0">
+                      <a:schemeClr val="tx1">
+                        <a:lumMod val="75000"/>
+                        <a:lumOff val="25000"/>
+                      </a:schemeClr>
+                    </a:gs>
+                    <a:gs pos="50000">
+                      <a:schemeClr val="tx1">
+                        <a:lumMod val="75000"/>
+                        <a:lumOff val="25000"/>
+                      </a:schemeClr>
+                    </a:gs>
+                  </a:gsLst>
+                  <a:lin ang="5400000" scaled="0"/>
+                </a:gradFill>
+                <a:latin typeface="한컴 윤고딕 230" panose="02020603020101020101" pitchFamily="18" charset="-127"/>
+                <a:ea typeface="한컴 윤고딕 230" panose="02020603020101020101" pitchFamily="18" charset="-127"/>
+              </a:rPr>
+              <a:t>strtok</a:t>
+            </a:r>
+            <a:r>
+              <a:rPr lang="en-US" altLang="ko-KR" sz="1400" b="1" spc="-20" dirty="0" smtClean="0">
+                <a:gradFill>
+                  <a:gsLst>
+                    <a:gs pos="0">
+                      <a:schemeClr val="tx1">
+                        <a:lumMod val="75000"/>
+                        <a:lumOff val="25000"/>
+                      </a:schemeClr>
+                    </a:gs>
+                    <a:gs pos="50000">
+                      <a:schemeClr val="tx1">
+                        <a:lumMod val="75000"/>
+                        <a:lumOff val="25000"/>
+                      </a:schemeClr>
+                    </a:gs>
+                  </a:gsLst>
+                  <a:lin ang="5400000" scaled="0"/>
+                </a:gradFill>
+                <a:latin typeface="한컴 윤고딕 230" panose="02020603020101020101" pitchFamily="18" charset="-127"/>
+                <a:ea typeface="한컴 윤고딕 230" panose="02020603020101020101" pitchFamily="18" charset="-127"/>
+              </a:rPr>
+              <a:t>()</a:t>
+            </a:r>
+            <a:endParaRPr lang="en-US" altLang="ko-KR" sz="1400" b="1" spc="-20" dirty="0" smtClean="0">
+              <a:gradFill>
+                <a:gsLst>
+                  <a:gs pos="0">
+                    <a:schemeClr val="tx1">
+                      <a:lumMod val="75000"/>
+                      <a:lumOff val="25000"/>
+                    </a:schemeClr>
+                  </a:gs>
+                  <a:gs pos="50000">
+                    <a:schemeClr val="tx1">
+                      <a:lumMod val="75000"/>
+                      <a:lumOff val="25000"/>
+                    </a:schemeClr>
+                  </a:gs>
+                </a:gsLst>
+                <a:lin ang="5400000" scaled="0"/>
+              </a:gradFill>
+              <a:latin typeface="한컴 윤고딕 230" panose="02020603020101020101" pitchFamily="18" charset="-127"/>
+              <a:ea typeface="한컴 윤고딕 230" panose="02020603020101020101" pitchFamily="18" charset="-127"/>
+            </a:endParaRPr>
+          </a:p>
+          <a:p>
+            <a:pPr marL="742950" lvl="1" indent="-285750">
+              <a:lnSpc>
+                <a:spcPct val="150000"/>
+              </a:lnSpc>
+              <a:buFont typeface="Wingdings" panose="05000000000000000000" pitchFamily="2" charset="2"/>
+              <a:buChar char="ü"/>
+            </a:pPr>
+            <a:endParaRPr lang="en-US" altLang="ko-KR" sz="1200" spc="-20" dirty="0">
+              <a:gradFill>
+                <a:gsLst>
+                  <a:gs pos="0">
+                    <a:schemeClr val="tx1">
+                      <a:lumMod val="75000"/>
+                      <a:lumOff val="25000"/>
+                    </a:schemeClr>
+                  </a:gs>
+                  <a:gs pos="50000">
+                    <a:schemeClr val="tx1">
+                      <a:lumMod val="75000"/>
+                      <a:lumOff val="25000"/>
+                    </a:schemeClr>
+                  </a:gs>
+                </a:gsLst>
+                <a:lin ang="5400000" scaled="0"/>
+              </a:gradFill>
+              <a:latin typeface="한컴 윤고딕 230" panose="02020603020101020101" pitchFamily="18" charset="-127"/>
+              <a:ea typeface="한컴 윤고딕 230" panose="02020603020101020101" pitchFamily="18" charset="-127"/>
+            </a:endParaRPr>
+          </a:p>
+          <a:p>
+            <a:pPr marL="742950" lvl="1" indent="-285750">
+              <a:lnSpc>
+                <a:spcPct val="150000"/>
+              </a:lnSpc>
+              <a:buFont typeface="Wingdings" panose="05000000000000000000" pitchFamily="2" charset="2"/>
+              <a:buChar char="ü"/>
+            </a:pPr>
+            <a:endParaRPr lang="en-US" altLang="ko-KR" sz="1200" spc="-20" dirty="0">
+              <a:gradFill>
+                <a:gsLst>
+                  <a:gs pos="0">
+                    <a:schemeClr val="tx1">
+                      <a:lumMod val="75000"/>
+                      <a:lumOff val="25000"/>
+                    </a:schemeClr>
+                  </a:gs>
+                  <a:gs pos="50000">
+                    <a:schemeClr val="tx1">
+                      <a:lumMod val="75000"/>
+                      <a:lumOff val="25000"/>
+                    </a:schemeClr>
+                  </a:gs>
+                </a:gsLst>
+                <a:lin ang="5400000" scaled="0"/>
+              </a:gradFill>
+              <a:latin typeface="한컴 윤고딕 230" panose="02020603020101020101" pitchFamily="18" charset="-127"/>
+              <a:ea typeface="한컴 윤고딕 230" panose="02020603020101020101" pitchFamily="18" charset="-127"/>
+            </a:endParaRPr>
+          </a:p>
+          <a:p>
+            <a:pPr marL="742950" lvl="1" indent="-285750">
+              <a:lnSpc>
+                <a:spcPct val="150000"/>
+              </a:lnSpc>
+              <a:buFont typeface="Wingdings" panose="05000000000000000000" pitchFamily="2" charset="2"/>
+              <a:buChar char="ü"/>
+            </a:pPr>
+            <a:endParaRPr lang="en-US" altLang="ko-KR" sz="1400" spc="-20" dirty="0" smtClean="0">
+              <a:gradFill>
+                <a:gsLst>
+                  <a:gs pos="0">
+                    <a:schemeClr val="tx1">
+                      <a:lumMod val="75000"/>
+                      <a:lumOff val="25000"/>
+                    </a:schemeClr>
+                  </a:gs>
+                  <a:gs pos="50000">
+                    <a:schemeClr val="tx1">
+                      <a:lumMod val="75000"/>
+                      <a:lumOff val="25000"/>
+                    </a:schemeClr>
+                  </a:gs>
+                </a:gsLst>
+                <a:lin ang="5400000" scaled="0"/>
+              </a:gradFill>
+              <a:latin typeface="한컴 윤고딕 230" panose="02020603020101020101" pitchFamily="18" charset="-127"/>
+              <a:ea typeface="한컴 윤고딕 230" panose="02020603020101020101" pitchFamily="18" charset="-127"/>
+            </a:endParaRPr>
+          </a:p>
+          <a:p>
+            <a:pPr marL="742950" lvl="1" indent="-285750">
+              <a:lnSpc>
+                <a:spcPct val="150000"/>
+              </a:lnSpc>
+              <a:buFont typeface="Wingdings" panose="05000000000000000000" pitchFamily="2" charset="2"/>
+              <a:buChar char="ü"/>
+            </a:pPr>
+            <a:endParaRPr lang="en-US" altLang="ko-KR" sz="1200" spc="-20" dirty="0">
+              <a:gradFill>
+                <a:gsLst>
+                  <a:gs pos="0">
+                    <a:schemeClr val="tx1">
+                      <a:lumMod val="75000"/>
+                      <a:lumOff val="25000"/>
+                    </a:schemeClr>
+                  </a:gs>
+                  <a:gs pos="50000">
+                    <a:schemeClr val="tx1">
+                      <a:lumMod val="75000"/>
+                      <a:lumOff val="25000"/>
+                    </a:schemeClr>
+                  </a:gs>
+                </a:gsLst>
+                <a:lin ang="5400000" scaled="0"/>
+              </a:gradFill>
+              <a:latin typeface="한컴 윤고딕 230" panose="02020603020101020101" pitchFamily="18" charset="-127"/>
+              <a:ea typeface="한컴 윤고딕 230" panose="02020603020101020101" pitchFamily="18" charset="-127"/>
+            </a:endParaRPr>
+          </a:p>
+          <a:p>
+            <a:pPr marL="742950" lvl="1" indent="-285750">
+              <a:lnSpc>
+                <a:spcPct val="150000"/>
+              </a:lnSpc>
+              <a:buFont typeface="Wingdings" panose="05000000000000000000" pitchFamily="2" charset="2"/>
+              <a:buChar char="ü"/>
+            </a:pPr>
+            <a:endParaRPr lang="en-US" altLang="ko-KR" sz="1200" spc="-20" dirty="0" smtClean="0">
+              <a:gradFill>
+                <a:gsLst>
+                  <a:gs pos="0">
+                    <a:schemeClr val="tx1">
+                      <a:lumMod val="75000"/>
+                      <a:lumOff val="25000"/>
+                    </a:schemeClr>
+                  </a:gs>
+                  <a:gs pos="50000">
+                    <a:schemeClr val="tx1">
+                      <a:lumMod val="75000"/>
+                      <a:lumOff val="25000"/>
+                    </a:schemeClr>
+                  </a:gs>
+                </a:gsLst>
+                <a:lin ang="5400000" scaled="0"/>
+              </a:gradFill>
+              <a:latin typeface="한컴 윤고딕 230" panose="02020603020101020101" pitchFamily="18" charset="-127"/>
+              <a:ea typeface="한컴 윤고딕 230" panose="02020603020101020101" pitchFamily="18" charset="-127"/>
+            </a:endParaRPr>
+          </a:p>
+          <a:p>
+            <a:pPr marL="742950" lvl="1" indent="-285750">
+              <a:lnSpc>
+                <a:spcPct val="150000"/>
+              </a:lnSpc>
+              <a:buFont typeface="Wingdings" panose="05000000000000000000" pitchFamily="2" charset="2"/>
+              <a:buChar char="ü"/>
+            </a:pPr>
+            <a:endParaRPr lang="en-US" altLang="ko-KR" sz="1200" spc="-20" dirty="0">
+              <a:gradFill>
+                <a:gsLst>
+                  <a:gs pos="0">
+                    <a:schemeClr val="tx1">
+                      <a:lumMod val="75000"/>
+                      <a:lumOff val="25000"/>
+                    </a:schemeClr>
+                  </a:gs>
+                  <a:gs pos="50000">
+                    <a:schemeClr val="tx1">
+                      <a:lumMod val="75000"/>
+                      <a:lumOff val="25000"/>
+                    </a:schemeClr>
+                  </a:gs>
+                </a:gsLst>
+                <a:lin ang="5400000" scaled="0"/>
+              </a:gradFill>
+              <a:latin typeface="한컴 윤고딕 230" panose="02020603020101020101" pitchFamily="18" charset="-127"/>
+              <a:ea typeface="한컴 윤고딕 230" panose="02020603020101020101" pitchFamily="18" charset="-127"/>
+            </a:endParaRPr>
+          </a:p>
+          <a:p>
+            <a:pPr marL="742950" lvl="1" indent="-285750">
+              <a:lnSpc>
+                <a:spcPct val="150000"/>
+              </a:lnSpc>
+              <a:buFont typeface="Wingdings" panose="05000000000000000000" pitchFamily="2" charset="2"/>
+              <a:buChar char="ü"/>
+            </a:pPr>
+            <a:endParaRPr lang="en-US" altLang="ko-KR" sz="1200" spc="-20" dirty="0" smtClean="0">
+              <a:gradFill>
+                <a:gsLst>
+                  <a:gs pos="0">
+                    <a:schemeClr val="tx1">
+                      <a:lumMod val="75000"/>
+                      <a:lumOff val="25000"/>
+                    </a:schemeClr>
+                  </a:gs>
+                  <a:gs pos="50000">
+                    <a:schemeClr val="tx1">
+                      <a:lumMod val="75000"/>
+                      <a:lumOff val="25000"/>
+                    </a:schemeClr>
+                  </a:gs>
+                </a:gsLst>
+                <a:lin ang="5400000" scaled="0"/>
+              </a:gradFill>
+              <a:latin typeface="한컴 윤고딕 230" panose="02020603020101020101" pitchFamily="18" charset="-127"/>
+              <a:ea typeface="한컴 윤고딕 230" panose="02020603020101020101" pitchFamily="18" charset="-127"/>
+            </a:endParaRPr>
+          </a:p>
+          <a:p>
+            <a:pPr marL="742950" lvl="1" indent="-285750">
+              <a:lnSpc>
+                <a:spcPct val="150000"/>
+              </a:lnSpc>
+              <a:buFont typeface="Wingdings" panose="05000000000000000000" pitchFamily="2" charset="2"/>
+              <a:buChar char="ü"/>
+            </a:pPr>
+            <a:endParaRPr lang="en-US" altLang="ko-KR" sz="1200" spc="-20" dirty="0">
+              <a:gradFill>
+                <a:gsLst>
+                  <a:gs pos="0">
+                    <a:schemeClr val="tx1">
+                      <a:lumMod val="75000"/>
+                      <a:lumOff val="25000"/>
+                    </a:schemeClr>
+                  </a:gs>
+                  <a:gs pos="50000">
+                    <a:schemeClr val="tx1">
+                      <a:lumMod val="75000"/>
+                      <a:lumOff val="25000"/>
+                    </a:schemeClr>
+                  </a:gs>
+                </a:gsLst>
+                <a:lin ang="5400000" scaled="0"/>
+              </a:gradFill>
+              <a:latin typeface="한컴 윤고딕 230" panose="02020603020101020101" pitchFamily="18" charset="-127"/>
+              <a:ea typeface="한컴 윤고딕 230" panose="02020603020101020101" pitchFamily="18" charset="-127"/>
+            </a:endParaRPr>
+          </a:p>
+          <a:p>
+            <a:pPr marL="742950" lvl="1" indent="-285750">
+              <a:lnSpc>
+                <a:spcPct val="150000"/>
+              </a:lnSpc>
+              <a:buFont typeface="Wingdings" panose="05000000000000000000" pitchFamily="2" charset="2"/>
+              <a:buChar char="ü"/>
+            </a:pPr>
+            <a:endParaRPr lang="en-US" altLang="ko-KR" sz="1200" spc="-20" dirty="0" smtClean="0">
+              <a:gradFill>
+                <a:gsLst>
+                  <a:gs pos="0">
+                    <a:schemeClr val="tx1">
+                      <a:lumMod val="75000"/>
+                      <a:lumOff val="25000"/>
+                    </a:schemeClr>
+                  </a:gs>
+                  <a:gs pos="50000">
+                    <a:schemeClr val="tx1">
+                      <a:lumMod val="75000"/>
+                      <a:lumOff val="25000"/>
+                    </a:schemeClr>
+                  </a:gs>
+                </a:gsLst>
+                <a:lin ang="5400000" scaled="0"/>
+              </a:gradFill>
+              <a:latin typeface="한컴 윤고딕 230" panose="02020603020101020101" pitchFamily="18" charset="-127"/>
+              <a:ea typeface="한컴 윤고딕 230" panose="02020603020101020101" pitchFamily="18" charset="-127"/>
+            </a:endParaRPr>
+          </a:p>
+          <a:p>
+            <a:pPr marL="742950" lvl="1" indent="-285750">
+              <a:lnSpc>
+                <a:spcPct val="150000"/>
+              </a:lnSpc>
+              <a:buFont typeface="Wingdings" panose="05000000000000000000" pitchFamily="2" charset="2"/>
+              <a:buChar char="ü"/>
+            </a:pPr>
+            <a:r>
+              <a:rPr lang="en-US" altLang="ko-KR" sz="1200" spc="-20" dirty="0" smtClean="0">
+                <a:gradFill>
+                  <a:gsLst>
+                    <a:gs pos="0">
+                      <a:schemeClr val="tx1">
+                        <a:lumMod val="75000"/>
+                        <a:lumOff val="25000"/>
+                      </a:schemeClr>
+                    </a:gs>
+                    <a:gs pos="50000">
+                      <a:schemeClr val="tx1">
+                        <a:lumMod val="75000"/>
+                        <a:lumOff val="25000"/>
+                      </a:schemeClr>
+                    </a:gs>
+                  </a:gsLst>
+                  <a:lin ang="5400000" scaled="0"/>
+                </a:gradFill>
+                <a:latin typeface="한컴 윤고딕 230" panose="02020603020101020101" pitchFamily="18" charset="-127"/>
+                <a:ea typeface="한컴 윤고딕 230" panose="02020603020101020101" pitchFamily="18" charset="-127"/>
+              </a:rPr>
+              <a:t>Token </a:t>
+            </a:r>
+            <a:r>
+              <a:rPr lang="ko-KR" altLang="en-US" sz="1200" spc="-20" dirty="0" smtClean="0">
+                <a:gradFill>
+                  <a:gsLst>
+                    <a:gs pos="0">
+                      <a:schemeClr val="tx1">
+                        <a:lumMod val="75000"/>
+                        <a:lumOff val="25000"/>
+                      </a:schemeClr>
+                    </a:gs>
+                    <a:gs pos="50000">
+                      <a:schemeClr val="tx1">
+                        <a:lumMod val="75000"/>
+                        <a:lumOff val="25000"/>
+                      </a:schemeClr>
+                    </a:gs>
+                  </a:gsLst>
+                  <a:lin ang="5400000" scaled="0"/>
+                </a:gradFill>
+                <a:latin typeface="한컴 윤고딕 230" panose="02020603020101020101" pitchFamily="18" charset="-127"/>
+                <a:ea typeface="한컴 윤고딕 230" panose="02020603020101020101" pitchFamily="18" charset="-127"/>
+              </a:rPr>
+              <a:t>이후의 주소 반환</a:t>
+            </a:r>
+            <a:endParaRPr lang="en-US" altLang="ko-KR" sz="1200" spc="-20" dirty="0" smtClean="0">
+              <a:gradFill>
+                <a:gsLst>
+                  <a:gs pos="0">
+                    <a:schemeClr val="tx1">
+                      <a:lumMod val="75000"/>
+                      <a:lumOff val="25000"/>
+                    </a:schemeClr>
+                  </a:gs>
+                  <a:gs pos="50000">
+                    <a:schemeClr val="tx1">
+                      <a:lumMod val="75000"/>
+                      <a:lumOff val="25000"/>
+                    </a:schemeClr>
+                  </a:gs>
+                </a:gsLst>
+                <a:lin ang="5400000" scaled="0"/>
+              </a:gradFill>
+              <a:latin typeface="한컴 윤고딕 230" panose="02020603020101020101" pitchFamily="18" charset="-127"/>
+              <a:ea typeface="한컴 윤고딕 230" panose="02020603020101020101" pitchFamily="18" charset="-127"/>
+            </a:endParaRPr>
+          </a:p>
+          <a:p>
+            <a:pPr marL="742950" lvl="1" indent="-285750">
+              <a:lnSpc>
+                <a:spcPct val="150000"/>
+              </a:lnSpc>
+              <a:buFont typeface="Wingdings" panose="05000000000000000000" pitchFamily="2" charset="2"/>
+              <a:buChar char="ü"/>
+            </a:pPr>
+            <a:r>
+              <a:rPr lang="ko-KR" altLang="en-US" sz="1200" spc="-20" dirty="0" smtClean="0">
+                <a:gradFill>
+                  <a:gsLst>
+                    <a:gs pos="0">
+                      <a:schemeClr val="tx1">
+                        <a:lumMod val="75000"/>
+                        <a:lumOff val="25000"/>
+                      </a:schemeClr>
+                    </a:gs>
+                    <a:gs pos="50000">
+                      <a:schemeClr val="tx1">
+                        <a:lumMod val="75000"/>
+                        <a:lumOff val="25000"/>
+                      </a:schemeClr>
+                    </a:gs>
+                  </a:gsLst>
+                  <a:lin ang="5400000" scaled="0"/>
+                </a:gradFill>
+                <a:latin typeface="한컴 윤고딕 230" panose="02020603020101020101" pitchFamily="18" charset="-127"/>
+                <a:ea typeface="한컴 윤고딕 230" panose="02020603020101020101" pitchFamily="18" charset="-127"/>
+              </a:rPr>
+              <a:t>원본의 변경</a:t>
+            </a:r>
+            <a:endParaRPr lang="en-US" altLang="ko-KR" sz="1200" spc="-20" dirty="0" smtClean="0">
+              <a:gradFill>
+                <a:gsLst>
+                  <a:gs pos="0">
+                    <a:schemeClr val="tx1">
+                      <a:lumMod val="75000"/>
+                      <a:lumOff val="25000"/>
+                    </a:schemeClr>
+                  </a:gs>
+                  <a:gs pos="50000">
+                    <a:schemeClr val="tx1">
+                      <a:lumMod val="75000"/>
+                      <a:lumOff val="25000"/>
+                    </a:schemeClr>
+                  </a:gs>
+                </a:gsLst>
+                <a:lin ang="5400000" scaled="0"/>
+              </a:gradFill>
+              <a:latin typeface="한컴 윤고딕 230" panose="02020603020101020101" pitchFamily="18" charset="-127"/>
+              <a:ea typeface="한컴 윤고딕 230" panose="02020603020101020101" pitchFamily="18" charset="-127"/>
+            </a:endParaRPr>
+          </a:p>
+          <a:p>
+            <a:pPr marL="742950" lvl="1" indent="-285750">
+              <a:lnSpc>
+                <a:spcPct val="150000"/>
+              </a:lnSpc>
+              <a:buFont typeface="Wingdings" panose="05000000000000000000" pitchFamily="2" charset="2"/>
+              <a:buChar char="ü"/>
+            </a:pPr>
+            <a:r>
+              <a:rPr lang="en-US" altLang="ko-KR" sz="1200" spc="-20" dirty="0" smtClean="0">
+                <a:gradFill>
+                  <a:gsLst>
+                    <a:gs pos="0">
+                      <a:schemeClr val="tx1">
+                        <a:lumMod val="75000"/>
+                        <a:lumOff val="25000"/>
+                      </a:schemeClr>
+                    </a:gs>
+                    <a:gs pos="50000">
+                      <a:schemeClr val="tx1">
+                        <a:lumMod val="75000"/>
+                        <a:lumOff val="25000"/>
+                      </a:schemeClr>
+                    </a:gs>
+                  </a:gsLst>
+                  <a:lin ang="5400000" scaled="0"/>
+                </a:gradFill>
+                <a:latin typeface="한컴 윤고딕 230" panose="02020603020101020101" pitchFamily="18" charset="-127"/>
+                <a:ea typeface="한컴 윤고딕 230" panose="02020603020101020101" pitchFamily="18" charset="-127"/>
+              </a:rPr>
+              <a:t>No thread-safe</a:t>
+            </a:r>
+          </a:p>
+          <a:p>
+            <a:pPr marL="742950" lvl="1" indent="-285750">
+              <a:lnSpc>
+                <a:spcPct val="150000"/>
+              </a:lnSpc>
+              <a:buFont typeface="Wingdings" panose="05000000000000000000" pitchFamily="2" charset="2"/>
+              <a:buChar char="ü"/>
+            </a:pPr>
+            <a:r>
+              <a:rPr lang="en-US" altLang="ko-KR" sz="1200" spc="-20" dirty="0" smtClean="0">
+                <a:gradFill>
+                  <a:gsLst>
+                    <a:gs pos="0">
+                      <a:schemeClr val="tx1">
+                        <a:lumMod val="75000"/>
+                        <a:lumOff val="25000"/>
+                      </a:schemeClr>
+                    </a:gs>
+                    <a:gs pos="50000">
+                      <a:schemeClr val="tx1">
+                        <a:lumMod val="75000"/>
+                        <a:lumOff val="25000"/>
+                      </a:schemeClr>
+                    </a:gs>
+                  </a:gsLst>
+                  <a:lin ang="5400000" scaled="0"/>
+                </a:gradFill>
+                <a:latin typeface="한컴 윤고딕 230" panose="02020603020101020101" pitchFamily="18" charset="-127"/>
+                <a:ea typeface="한컴 윤고딕 230" panose="02020603020101020101" pitchFamily="18" charset="-127"/>
+              </a:rPr>
+              <a:t>window : </a:t>
+            </a:r>
+            <a:r>
+              <a:rPr lang="en-US" altLang="ko-KR" sz="1200" spc="-20" dirty="0" err="1" smtClean="0">
+                <a:gradFill>
+                  <a:gsLst>
+                    <a:gs pos="0">
+                      <a:schemeClr val="tx1">
+                        <a:lumMod val="75000"/>
+                        <a:lumOff val="25000"/>
+                      </a:schemeClr>
+                    </a:gs>
+                    <a:gs pos="50000">
+                      <a:schemeClr val="tx1">
+                        <a:lumMod val="75000"/>
+                        <a:lumOff val="25000"/>
+                      </a:schemeClr>
+                    </a:gs>
+                  </a:gsLst>
+                  <a:lin ang="5400000" scaled="0"/>
+                </a:gradFill>
+                <a:latin typeface="한컴 윤고딕 230" panose="02020603020101020101" pitchFamily="18" charset="-127"/>
+                <a:ea typeface="한컴 윤고딕 230" panose="02020603020101020101" pitchFamily="18" charset="-127"/>
+              </a:rPr>
+              <a:t>strtok_s</a:t>
+            </a:r>
+            <a:r>
+              <a:rPr lang="en-US" altLang="ko-KR" sz="1200" spc="-20" dirty="0">
+                <a:gradFill>
+                  <a:gsLst>
+                    <a:gs pos="0">
+                      <a:schemeClr val="tx1">
+                        <a:lumMod val="75000"/>
+                        <a:lumOff val="25000"/>
+                      </a:schemeClr>
+                    </a:gs>
+                    <a:gs pos="50000">
+                      <a:schemeClr val="tx1">
+                        <a:lumMod val="75000"/>
+                        <a:lumOff val="25000"/>
+                      </a:schemeClr>
+                    </a:gs>
+                  </a:gsLst>
+                  <a:lin ang="5400000" scaled="0"/>
+                </a:gradFill>
+                <a:latin typeface="한컴 윤고딕 230" panose="02020603020101020101" pitchFamily="18" charset="-127"/>
+                <a:ea typeface="한컴 윤고딕 230" panose="02020603020101020101" pitchFamily="18" charset="-127"/>
+              </a:rPr>
+              <a:t> </a:t>
+            </a:r>
+            <a:r>
+              <a:rPr lang="en-US" altLang="ko-KR" sz="1200" spc="-20" dirty="0" smtClean="0">
+                <a:gradFill>
+                  <a:gsLst>
+                    <a:gs pos="0">
+                      <a:schemeClr val="tx1">
+                        <a:lumMod val="75000"/>
+                        <a:lumOff val="25000"/>
+                      </a:schemeClr>
+                    </a:gs>
+                    <a:gs pos="50000">
+                      <a:schemeClr val="tx1">
+                        <a:lumMod val="75000"/>
+                        <a:lumOff val="25000"/>
+                      </a:schemeClr>
+                    </a:gs>
+                  </a:gsLst>
+                  <a:lin ang="5400000" scaled="0"/>
+                </a:gradFill>
+                <a:latin typeface="한컴 윤고딕 230" panose="02020603020101020101" pitchFamily="18" charset="-127"/>
+                <a:ea typeface="한컴 윤고딕 230" panose="02020603020101020101" pitchFamily="18" charset="-127"/>
+              </a:rPr>
+              <a:t> /  Linux : </a:t>
+            </a:r>
+            <a:r>
+              <a:rPr lang="en-US" altLang="ko-KR" sz="1200" spc="-20" dirty="0" err="1" smtClean="0">
+                <a:gradFill>
+                  <a:gsLst>
+                    <a:gs pos="0">
+                      <a:schemeClr val="tx1">
+                        <a:lumMod val="75000"/>
+                        <a:lumOff val="25000"/>
+                      </a:schemeClr>
+                    </a:gs>
+                    <a:gs pos="50000">
+                      <a:schemeClr val="tx1">
+                        <a:lumMod val="75000"/>
+                        <a:lumOff val="25000"/>
+                      </a:schemeClr>
+                    </a:gs>
+                  </a:gsLst>
+                  <a:lin ang="5400000" scaled="0"/>
+                </a:gradFill>
+                <a:latin typeface="한컴 윤고딕 230" panose="02020603020101020101" pitchFamily="18" charset="-127"/>
+                <a:ea typeface="한컴 윤고딕 230" panose="02020603020101020101" pitchFamily="18" charset="-127"/>
+              </a:rPr>
+              <a:t>strtok_r</a:t>
+            </a:r>
+            <a:endParaRPr lang="en-US" altLang="ko-KR" sz="1200" spc="-20" dirty="0" smtClean="0">
+              <a:gradFill>
+                <a:gsLst>
+                  <a:gs pos="0">
+                    <a:schemeClr val="tx1">
+                      <a:lumMod val="75000"/>
+                      <a:lumOff val="25000"/>
+                    </a:schemeClr>
+                  </a:gs>
+                  <a:gs pos="50000">
+                    <a:schemeClr val="tx1">
+                      <a:lumMod val="75000"/>
+                      <a:lumOff val="25000"/>
+                    </a:schemeClr>
+                  </a:gs>
+                </a:gsLst>
+                <a:lin ang="5400000" scaled="0"/>
+              </a:gradFill>
+              <a:latin typeface="한컴 윤고딕 230" panose="02020603020101020101" pitchFamily="18" charset="-127"/>
+              <a:ea typeface="한컴 윤고딕 230" panose="02020603020101020101" pitchFamily="18" charset="-127"/>
+            </a:endParaRPr>
+          </a:p>
+        </p:txBody>
+      </p:sp>
+      <p:pic>
+        <p:nvPicPr>
+          <p:cNvPr id="6" name="그림 5"/>
+          <p:cNvPicPr>
+            <a:picLocks noChangeAspect="1"/>
+          </p:cNvPicPr>
+          <p:nvPr/>
+        </p:nvPicPr>
+        <p:blipFill>
+          <a:blip r:embed="rId5"/>
+          <a:stretch>
+            <a:fillRect/>
+          </a:stretch>
+        </p:blipFill>
+        <p:spPr>
+          <a:xfrm>
+            <a:off x="6641782" y="1610013"/>
+            <a:ext cx="4105275" cy="2571750"/>
           </a:xfrm>
           <a:prstGeom prst="rect">
             <a:avLst/>
@@ -16535,7 +22057,7 @@
     </p:spTree>
     <p:extLst>
       <p:ext uri="{BB962C8B-B14F-4D97-AF65-F5344CB8AC3E}">
-        <p14:creationId xmlns:p14="http://schemas.microsoft.com/office/powerpoint/2010/main" val="1986309671"/>
+        <p14:creationId xmlns:p14="http://schemas.microsoft.com/office/powerpoint/2010/main" val="1619588324"/>
       </p:ext>
     </p:extLst>
   </p:cSld>
@@ -16682,7 +22204,7 @@
                 <a:latin typeface="HY견명조" panose="02030600000101010101" pitchFamily="18" charset="-127"/>
                 <a:ea typeface="HY견명조" panose="02030600000101010101" pitchFamily="18" charset="-127"/>
               </a:rPr>
-              <a:t>5. Union</a:t>
+              <a:t>3. String</a:t>
             </a:r>
             <a:endParaRPr lang="ko-KR" altLang="en-US" sz="2000" dirty="0">
               <a:gradFill>
@@ -16725,1142 +22247,9 @@
           </a:p>
         </p:txBody>
       </p:sp>
-      <p:sp>
-        <p:nvSpPr>
-          <p:cNvPr id="17" name="TextBox 16"/>
-          <p:cNvSpPr txBox="1"/>
-          <p:nvPr/>
-        </p:nvSpPr>
-        <p:spPr>
-          <a:xfrm>
-            <a:off x="335497" y="1272713"/>
-            <a:ext cx="5758414" cy="5448762"/>
-          </a:xfrm>
-          <a:prstGeom prst="rect">
-            <a:avLst/>
-          </a:prstGeom>
-          <a:noFill/>
-        </p:spPr>
-        <p:txBody>
-          <a:bodyPr wrap="square" rtlCol="0">
-            <a:normAutofit/>
-          </a:bodyPr>
-          <a:lstStyle/>
-          <a:p>
-            <a:pPr>
-              <a:lnSpc>
-                <a:spcPct val="150000"/>
-              </a:lnSpc>
-            </a:pPr>
-            <a:r>
-              <a:rPr lang="en-US" altLang="ko-KR" sz="1400" b="1" spc="-20" dirty="0" smtClean="0">
-                <a:gradFill>
-                  <a:gsLst>
-                    <a:gs pos="0">
-                      <a:schemeClr val="tx1">
-                        <a:lumMod val="75000"/>
-                        <a:lumOff val="25000"/>
-                      </a:schemeClr>
-                    </a:gs>
-                    <a:gs pos="50000">
-                      <a:schemeClr val="tx1">
-                        <a:lumMod val="75000"/>
-                        <a:lumOff val="25000"/>
-                      </a:schemeClr>
-                    </a:gs>
-                  </a:gsLst>
-                  <a:lin ang="5400000" scaled="0"/>
-                </a:gradFill>
-                <a:latin typeface="한컴 윤고딕 230" panose="02020603020101020101" pitchFamily="18" charset="-127"/>
-                <a:ea typeface="한컴 윤고딕 230" panose="02020603020101020101" pitchFamily="18" charset="-127"/>
-              </a:rPr>
-              <a:t>1. </a:t>
-            </a:r>
-            <a:r>
-              <a:rPr lang="ko-KR" altLang="en-US" sz="1400" b="1" spc="-20" dirty="0" smtClean="0">
-                <a:gradFill>
-                  <a:gsLst>
-                    <a:gs pos="0">
-                      <a:schemeClr val="tx1">
-                        <a:lumMod val="75000"/>
-                        <a:lumOff val="25000"/>
-                      </a:schemeClr>
-                    </a:gs>
-                    <a:gs pos="50000">
-                      <a:schemeClr val="tx1">
-                        <a:lumMod val="75000"/>
-                        <a:lumOff val="25000"/>
-                      </a:schemeClr>
-                    </a:gs>
-                  </a:gsLst>
-                  <a:lin ang="5400000" scaled="0"/>
-                </a:gradFill>
-                <a:latin typeface="한컴 윤고딕 230" panose="02020603020101020101" pitchFamily="18" charset="-127"/>
-                <a:ea typeface="한컴 윤고딕 230" panose="02020603020101020101" pitchFamily="18" charset="-127"/>
-              </a:rPr>
-              <a:t>정의 </a:t>
-            </a:r>
-            <a:r>
-              <a:rPr lang="en-US" altLang="ko-KR" sz="1400" b="1" spc="-20" dirty="0" smtClean="0">
-                <a:gradFill>
-                  <a:gsLst>
-                    <a:gs pos="0">
-                      <a:schemeClr val="tx1">
-                        <a:lumMod val="75000"/>
-                        <a:lumOff val="25000"/>
-                      </a:schemeClr>
-                    </a:gs>
-                    <a:gs pos="50000">
-                      <a:schemeClr val="tx1">
-                        <a:lumMod val="75000"/>
-                        <a:lumOff val="25000"/>
-                      </a:schemeClr>
-                    </a:gs>
-                  </a:gsLst>
-                  <a:lin ang="5400000" scaled="0"/>
-                </a:gradFill>
-                <a:latin typeface="한컴 윤고딕 230" panose="02020603020101020101" pitchFamily="18" charset="-127"/>
-                <a:ea typeface="한컴 윤고딕 230" panose="02020603020101020101" pitchFamily="18" charset="-127"/>
-              </a:rPr>
-              <a:t>:</a:t>
-            </a:r>
-          </a:p>
-          <a:p>
-            <a:pPr marL="742950" lvl="1" indent="-285750">
-              <a:lnSpc>
-                <a:spcPct val="150000"/>
-              </a:lnSpc>
-              <a:buFont typeface="Wingdings" panose="05000000000000000000" pitchFamily="2" charset="2"/>
-              <a:buChar char="ü"/>
-            </a:pPr>
-            <a:r>
-              <a:rPr lang="ko-KR" altLang="en-US" sz="1200" spc="-20" dirty="0" smtClean="0">
-                <a:gradFill>
-                  <a:gsLst>
-                    <a:gs pos="0">
-                      <a:schemeClr val="tx1">
-                        <a:lumMod val="75000"/>
-                        <a:lumOff val="25000"/>
-                      </a:schemeClr>
-                    </a:gs>
-                    <a:gs pos="50000">
-                      <a:schemeClr val="tx1">
-                        <a:lumMod val="75000"/>
-                        <a:lumOff val="25000"/>
-                      </a:schemeClr>
-                    </a:gs>
-                  </a:gsLst>
-                  <a:lin ang="5400000" scaled="0"/>
-                </a:gradFill>
-                <a:latin typeface="한컴 윤고딕 230" panose="02020603020101020101" pitchFamily="18" charset="-127"/>
-                <a:ea typeface="한컴 윤고딕 230" panose="02020603020101020101" pitchFamily="18" charset="-127"/>
-              </a:rPr>
-              <a:t>같은 메모리 영역을 여러 개의 변수가 공유</a:t>
-            </a:r>
-            <a:endParaRPr lang="en-US" altLang="ko-KR" sz="1200" spc="-20" dirty="0" smtClean="0">
-              <a:gradFill>
-                <a:gsLst>
-                  <a:gs pos="0">
-                    <a:schemeClr val="tx1">
-                      <a:lumMod val="75000"/>
-                      <a:lumOff val="25000"/>
-                    </a:schemeClr>
-                  </a:gs>
-                  <a:gs pos="50000">
-                    <a:schemeClr val="tx1">
-                      <a:lumMod val="75000"/>
-                      <a:lumOff val="25000"/>
-                    </a:schemeClr>
-                  </a:gs>
-                </a:gsLst>
-                <a:lin ang="5400000" scaled="0"/>
-              </a:gradFill>
-              <a:latin typeface="한컴 윤고딕 230" panose="02020603020101020101" pitchFamily="18" charset="-127"/>
-              <a:ea typeface="한컴 윤고딕 230" panose="02020603020101020101" pitchFamily="18" charset="-127"/>
-            </a:endParaRPr>
-          </a:p>
-          <a:p>
-            <a:pPr lvl="1">
-              <a:lnSpc>
-                <a:spcPct val="150000"/>
-              </a:lnSpc>
-            </a:pPr>
-            <a:r>
-              <a:rPr lang="en-US" altLang="ko-KR" sz="1200" spc="-20" dirty="0">
-                <a:gradFill>
-                  <a:gsLst>
-                    <a:gs pos="0">
-                      <a:schemeClr val="tx1">
-                        <a:lumMod val="75000"/>
-                        <a:lumOff val="25000"/>
-                      </a:schemeClr>
-                    </a:gs>
-                    <a:gs pos="50000">
-                      <a:schemeClr val="tx1">
-                        <a:lumMod val="75000"/>
-                        <a:lumOff val="25000"/>
-                      </a:schemeClr>
-                    </a:gs>
-                  </a:gsLst>
-                  <a:lin ang="5400000" scaled="0"/>
-                </a:gradFill>
-                <a:latin typeface="한컴 윤고딕 230" panose="02020603020101020101" pitchFamily="18" charset="-127"/>
-                <a:ea typeface="한컴 윤고딕 230" panose="02020603020101020101" pitchFamily="18" charset="-127"/>
-              </a:rPr>
-              <a:t> </a:t>
-            </a:r>
-            <a:r>
-              <a:rPr lang="en-US" altLang="ko-KR" sz="1200" spc="-20" dirty="0" smtClean="0">
-                <a:gradFill>
-                  <a:gsLst>
-                    <a:gs pos="0">
-                      <a:schemeClr val="tx1">
-                        <a:lumMod val="75000"/>
-                        <a:lumOff val="25000"/>
-                      </a:schemeClr>
-                    </a:gs>
-                    <a:gs pos="50000">
-                      <a:schemeClr val="tx1">
-                        <a:lumMod val="75000"/>
-                        <a:lumOff val="25000"/>
-                      </a:schemeClr>
-                    </a:gs>
-                  </a:gsLst>
-                  <a:lin ang="5400000" scaled="0"/>
-                </a:gradFill>
-                <a:latin typeface="한컴 윤고딕 230" panose="02020603020101020101" pitchFamily="18" charset="-127"/>
-                <a:ea typeface="한컴 윤고딕 230" panose="02020603020101020101" pitchFamily="18" charset="-127"/>
-              </a:rPr>
-              <a:t>    (</a:t>
-            </a:r>
-            <a:r>
-              <a:rPr lang="ko-KR" altLang="en-US" sz="1200" spc="-20" dirty="0" smtClean="0">
-                <a:gradFill>
-                  <a:gsLst>
-                    <a:gs pos="0">
-                      <a:schemeClr val="tx1">
-                        <a:lumMod val="75000"/>
-                        <a:lumOff val="25000"/>
-                      </a:schemeClr>
-                    </a:gs>
-                    <a:gs pos="50000">
-                      <a:schemeClr val="tx1">
-                        <a:lumMod val="75000"/>
-                        <a:lumOff val="25000"/>
-                      </a:schemeClr>
-                    </a:gs>
-                  </a:gsLst>
-                  <a:lin ang="5400000" scaled="0"/>
-                </a:gradFill>
-                <a:latin typeface="한컴 윤고딕 230" panose="02020603020101020101" pitchFamily="18" charset="-127"/>
-                <a:ea typeface="한컴 윤고딕 230" panose="02020603020101020101" pitchFamily="18" charset="-127"/>
-              </a:rPr>
-              <a:t>공용체의 크기는 가장 큰 맴버의 크기</a:t>
-            </a:r>
-            <a:r>
-              <a:rPr lang="en-US" altLang="ko-KR" sz="1200" spc="-20" dirty="0" smtClean="0">
-                <a:gradFill>
-                  <a:gsLst>
-                    <a:gs pos="0">
-                      <a:schemeClr val="tx1">
-                        <a:lumMod val="75000"/>
-                        <a:lumOff val="25000"/>
-                      </a:schemeClr>
-                    </a:gs>
-                    <a:gs pos="50000">
-                      <a:schemeClr val="tx1">
-                        <a:lumMod val="75000"/>
-                        <a:lumOff val="25000"/>
-                      </a:schemeClr>
-                    </a:gs>
-                  </a:gsLst>
-                  <a:lin ang="5400000" scaled="0"/>
-                </a:gradFill>
-                <a:latin typeface="한컴 윤고딕 230" panose="02020603020101020101" pitchFamily="18" charset="-127"/>
-                <a:ea typeface="한컴 윤고딕 230" panose="02020603020101020101" pitchFamily="18" charset="-127"/>
-              </a:rPr>
-              <a:t>)</a:t>
-            </a:r>
-            <a:endParaRPr lang="en-US" altLang="ko-KR" sz="1200" spc="-20" dirty="0">
-              <a:gradFill>
-                <a:gsLst>
-                  <a:gs pos="0">
-                    <a:schemeClr val="tx1">
-                      <a:lumMod val="75000"/>
-                      <a:lumOff val="25000"/>
-                    </a:schemeClr>
-                  </a:gs>
-                  <a:gs pos="50000">
-                    <a:schemeClr val="tx1">
-                      <a:lumMod val="75000"/>
-                      <a:lumOff val="25000"/>
-                    </a:schemeClr>
-                  </a:gs>
-                </a:gsLst>
-                <a:lin ang="5400000" scaled="0"/>
-              </a:gradFill>
-              <a:latin typeface="한컴 윤고딕 230" panose="02020603020101020101" pitchFamily="18" charset="-127"/>
-              <a:ea typeface="한컴 윤고딕 230" panose="02020603020101020101" pitchFamily="18" charset="-127"/>
-            </a:endParaRPr>
-          </a:p>
-          <a:p>
-            <a:pPr marL="742950" lvl="1" indent="-285750">
-              <a:lnSpc>
-                <a:spcPct val="150000"/>
-              </a:lnSpc>
-              <a:buFont typeface="Wingdings" panose="05000000000000000000" pitchFamily="2" charset="2"/>
-              <a:buChar char="ü"/>
-            </a:pPr>
-            <a:endParaRPr lang="en-US" altLang="ko-KR" sz="1200" spc="-20" dirty="0" smtClean="0">
-              <a:gradFill>
-                <a:gsLst>
-                  <a:gs pos="0">
-                    <a:schemeClr val="tx1">
-                      <a:lumMod val="75000"/>
-                      <a:lumOff val="25000"/>
-                    </a:schemeClr>
-                  </a:gs>
-                  <a:gs pos="50000">
-                    <a:schemeClr val="tx1">
-                      <a:lumMod val="75000"/>
-                      <a:lumOff val="25000"/>
-                    </a:schemeClr>
-                  </a:gs>
-                </a:gsLst>
-                <a:lin ang="5400000" scaled="0"/>
-              </a:gradFill>
-              <a:latin typeface="한컴 윤고딕 230" panose="02020603020101020101" pitchFamily="18" charset="-127"/>
-              <a:ea typeface="한컴 윤고딕 230" panose="02020603020101020101" pitchFamily="18" charset="-127"/>
-            </a:endParaRPr>
-          </a:p>
-          <a:p>
-            <a:pPr marL="742950" lvl="1" indent="-285750">
-              <a:lnSpc>
-                <a:spcPct val="150000"/>
-              </a:lnSpc>
-              <a:buFont typeface="Wingdings" panose="05000000000000000000" pitchFamily="2" charset="2"/>
-              <a:buChar char="ü"/>
-            </a:pPr>
-            <a:endParaRPr lang="en-US" altLang="ko-KR" sz="1200" spc="-20" dirty="0">
-              <a:gradFill>
-                <a:gsLst>
-                  <a:gs pos="0">
-                    <a:schemeClr val="tx1">
-                      <a:lumMod val="75000"/>
-                      <a:lumOff val="25000"/>
-                    </a:schemeClr>
-                  </a:gs>
-                  <a:gs pos="50000">
-                    <a:schemeClr val="tx1">
-                      <a:lumMod val="75000"/>
-                      <a:lumOff val="25000"/>
-                    </a:schemeClr>
-                  </a:gs>
-                </a:gsLst>
-                <a:lin ang="5400000" scaled="0"/>
-              </a:gradFill>
-              <a:latin typeface="한컴 윤고딕 230" panose="02020603020101020101" pitchFamily="18" charset="-127"/>
-              <a:ea typeface="한컴 윤고딕 230" panose="02020603020101020101" pitchFamily="18" charset="-127"/>
-            </a:endParaRPr>
-          </a:p>
-          <a:p>
-            <a:pPr marL="742950" lvl="1" indent="-285750">
-              <a:lnSpc>
-                <a:spcPct val="150000"/>
-              </a:lnSpc>
-              <a:buFont typeface="Wingdings" panose="05000000000000000000" pitchFamily="2" charset="2"/>
-              <a:buChar char="ü"/>
-            </a:pPr>
-            <a:endParaRPr lang="en-US" altLang="ko-KR" sz="1200" spc="-20" dirty="0" smtClean="0">
-              <a:gradFill>
-                <a:gsLst>
-                  <a:gs pos="0">
-                    <a:schemeClr val="tx1">
-                      <a:lumMod val="75000"/>
-                      <a:lumOff val="25000"/>
-                    </a:schemeClr>
-                  </a:gs>
-                  <a:gs pos="50000">
-                    <a:schemeClr val="tx1">
-                      <a:lumMod val="75000"/>
-                      <a:lumOff val="25000"/>
-                    </a:schemeClr>
-                  </a:gs>
-                </a:gsLst>
-                <a:lin ang="5400000" scaled="0"/>
-              </a:gradFill>
-              <a:latin typeface="한컴 윤고딕 230" panose="02020603020101020101" pitchFamily="18" charset="-127"/>
-              <a:ea typeface="한컴 윤고딕 230" panose="02020603020101020101" pitchFamily="18" charset="-127"/>
-            </a:endParaRPr>
-          </a:p>
-          <a:p>
-            <a:pPr marL="742950" lvl="1" indent="-285750">
-              <a:lnSpc>
-                <a:spcPct val="150000"/>
-              </a:lnSpc>
-              <a:buFont typeface="Wingdings" panose="05000000000000000000" pitchFamily="2" charset="2"/>
-              <a:buChar char="ü"/>
-            </a:pPr>
-            <a:endParaRPr lang="en-US" altLang="ko-KR" sz="1200" spc="-20" dirty="0">
-              <a:gradFill>
-                <a:gsLst>
-                  <a:gs pos="0">
-                    <a:schemeClr val="tx1">
-                      <a:lumMod val="75000"/>
-                      <a:lumOff val="25000"/>
-                    </a:schemeClr>
-                  </a:gs>
-                  <a:gs pos="50000">
-                    <a:schemeClr val="tx1">
-                      <a:lumMod val="75000"/>
-                      <a:lumOff val="25000"/>
-                    </a:schemeClr>
-                  </a:gs>
-                </a:gsLst>
-                <a:lin ang="5400000" scaled="0"/>
-              </a:gradFill>
-              <a:latin typeface="한컴 윤고딕 230" panose="02020603020101020101" pitchFamily="18" charset="-127"/>
-              <a:ea typeface="한컴 윤고딕 230" panose="02020603020101020101" pitchFamily="18" charset="-127"/>
-            </a:endParaRPr>
-          </a:p>
-          <a:p>
-            <a:pPr marL="742950" lvl="1" indent="-285750">
-              <a:lnSpc>
-                <a:spcPct val="150000"/>
-              </a:lnSpc>
-              <a:buFont typeface="Wingdings" panose="05000000000000000000" pitchFamily="2" charset="2"/>
-              <a:buChar char="ü"/>
-            </a:pPr>
-            <a:endParaRPr lang="en-US" altLang="ko-KR" sz="1200" spc="-20" dirty="0" smtClean="0">
-              <a:gradFill>
-                <a:gsLst>
-                  <a:gs pos="0">
-                    <a:schemeClr val="tx1">
-                      <a:lumMod val="75000"/>
-                      <a:lumOff val="25000"/>
-                    </a:schemeClr>
-                  </a:gs>
-                  <a:gs pos="50000">
-                    <a:schemeClr val="tx1">
-                      <a:lumMod val="75000"/>
-                      <a:lumOff val="25000"/>
-                    </a:schemeClr>
-                  </a:gs>
-                </a:gsLst>
-                <a:lin ang="5400000" scaled="0"/>
-              </a:gradFill>
-              <a:latin typeface="한컴 윤고딕 230" panose="02020603020101020101" pitchFamily="18" charset="-127"/>
-              <a:ea typeface="한컴 윤고딕 230" panose="02020603020101020101" pitchFamily="18" charset="-127"/>
-            </a:endParaRPr>
-          </a:p>
-          <a:p>
-            <a:pPr marL="742950" lvl="1" indent="-285750">
-              <a:lnSpc>
-                <a:spcPct val="150000"/>
-              </a:lnSpc>
-              <a:buFont typeface="Wingdings" panose="05000000000000000000" pitchFamily="2" charset="2"/>
-              <a:buChar char="ü"/>
-            </a:pPr>
-            <a:endParaRPr lang="en-US" altLang="ko-KR" sz="1200" spc="-20" dirty="0">
-              <a:gradFill>
-                <a:gsLst>
-                  <a:gs pos="0">
-                    <a:schemeClr val="tx1">
-                      <a:lumMod val="75000"/>
-                      <a:lumOff val="25000"/>
-                    </a:schemeClr>
-                  </a:gs>
-                  <a:gs pos="50000">
-                    <a:schemeClr val="tx1">
-                      <a:lumMod val="75000"/>
-                      <a:lumOff val="25000"/>
-                    </a:schemeClr>
-                  </a:gs>
-                </a:gsLst>
-                <a:lin ang="5400000" scaled="0"/>
-              </a:gradFill>
-              <a:latin typeface="한컴 윤고딕 230" panose="02020603020101020101" pitchFamily="18" charset="-127"/>
-              <a:ea typeface="한컴 윤고딕 230" panose="02020603020101020101" pitchFamily="18" charset="-127"/>
-            </a:endParaRPr>
-          </a:p>
-          <a:p>
-            <a:pPr marL="742950" lvl="1" indent="-285750">
-              <a:lnSpc>
-                <a:spcPct val="150000"/>
-              </a:lnSpc>
-              <a:buFont typeface="Wingdings" panose="05000000000000000000" pitchFamily="2" charset="2"/>
-              <a:buChar char="ü"/>
-            </a:pPr>
-            <a:endParaRPr lang="en-US" altLang="ko-KR" sz="1200" spc="-20" dirty="0" smtClean="0">
-              <a:gradFill>
-                <a:gsLst>
-                  <a:gs pos="0">
-                    <a:schemeClr val="tx1">
-                      <a:lumMod val="75000"/>
-                      <a:lumOff val="25000"/>
-                    </a:schemeClr>
-                  </a:gs>
-                  <a:gs pos="50000">
-                    <a:schemeClr val="tx1">
-                      <a:lumMod val="75000"/>
-                      <a:lumOff val="25000"/>
-                    </a:schemeClr>
-                  </a:gs>
-                </a:gsLst>
-                <a:lin ang="5400000" scaled="0"/>
-              </a:gradFill>
-              <a:latin typeface="한컴 윤고딕 230" panose="02020603020101020101" pitchFamily="18" charset="-127"/>
-              <a:ea typeface="한컴 윤고딕 230" panose="02020603020101020101" pitchFamily="18" charset="-127"/>
-            </a:endParaRPr>
-          </a:p>
-          <a:p>
-            <a:pPr marL="742950" lvl="1" indent="-285750">
-              <a:lnSpc>
-                <a:spcPct val="150000"/>
-              </a:lnSpc>
-              <a:buFont typeface="Wingdings" panose="05000000000000000000" pitchFamily="2" charset="2"/>
-              <a:buChar char="ü"/>
-            </a:pPr>
-            <a:endParaRPr lang="en-US" altLang="ko-KR" sz="1200" spc="-20" dirty="0">
-              <a:gradFill>
-                <a:gsLst>
-                  <a:gs pos="0">
-                    <a:schemeClr val="tx1">
-                      <a:lumMod val="75000"/>
-                      <a:lumOff val="25000"/>
-                    </a:schemeClr>
-                  </a:gs>
-                  <a:gs pos="50000">
-                    <a:schemeClr val="tx1">
-                      <a:lumMod val="75000"/>
-                      <a:lumOff val="25000"/>
-                    </a:schemeClr>
-                  </a:gs>
-                </a:gsLst>
-                <a:lin ang="5400000" scaled="0"/>
-              </a:gradFill>
-              <a:latin typeface="한컴 윤고딕 230" panose="02020603020101020101" pitchFamily="18" charset="-127"/>
-              <a:ea typeface="한컴 윤고딕 230" panose="02020603020101020101" pitchFamily="18" charset="-127"/>
-            </a:endParaRPr>
-          </a:p>
-          <a:p>
-            <a:pPr marL="742950" lvl="1" indent="-285750">
-              <a:lnSpc>
-                <a:spcPct val="150000"/>
-              </a:lnSpc>
-              <a:buFont typeface="Wingdings" panose="05000000000000000000" pitchFamily="2" charset="2"/>
-              <a:buChar char="ü"/>
-            </a:pPr>
-            <a:endParaRPr lang="en-US" altLang="ko-KR" sz="1200" spc="-20" dirty="0" smtClean="0">
-              <a:gradFill>
-                <a:gsLst>
-                  <a:gs pos="0">
-                    <a:schemeClr val="tx1">
-                      <a:lumMod val="75000"/>
-                      <a:lumOff val="25000"/>
-                    </a:schemeClr>
-                  </a:gs>
-                  <a:gs pos="50000">
-                    <a:schemeClr val="tx1">
-                      <a:lumMod val="75000"/>
-                      <a:lumOff val="25000"/>
-                    </a:schemeClr>
-                  </a:gs>
-                </a:gsLst>
-                <a:lin ang="5400000" scaled="0"/>
-              </a:gradFill>
-              <a:latin typeface="한컴 윤고딕 230" panose="02020603020101020101" pitchFamily="18" charset="-127"/>
-              <a:ea typeface="한컴 윤고딕 230" panose="02020603020101020101" pitchFamily="18" charset="-127"/>
-            </a:endParaRPr>
-          </a:p>
-        </p:txBody>
-      </p:sp>
-      <p:sp>
-        <p:nvSpPr>
-          <p:cNvPr id="20" name="TextBox 19"/>
-          <p:cNvSpPr txBox="1"/>
-          <p:nvPr/>
-        </p:nvSpPr>
-        <p:spPr>
-          <a:xfrm>
-            <a:off x="6092415" y="1272712"/>
-            <a:ext cx="5766280" cy="5331351"/>
-          </a:xfrm>
-          <a:prstGeom prst="rect">
-            <a:avLst/>
-          </a:prstGeom>
-          <a:noFill/>
-        </p:spPr>
-        <p:txBody>
-          <a:bodyPr wrap="square" rtlCol="0">
-            <a:normAutofit/>
-          </a:bodyPr>
-          <a:lstStyle/>
-          <a:p>
-            <a:pPr>
-              <a:lnSpc>
-                <a:spcPct val="150000"/>
-              </a:lnSpc>
-            </a:pPr>
-            <a:r>
-              <a:rPr lang="en-US" altLang="ko-KR" sz="1400" b="1" spc="-20" dirty="0" smtClean="0">
-                <a:gradFill>
-                  <a:gsLst>
-                    <a:gs pos="0">
-                      <a:schemeClr val="tx1">
-                        <a:lumMod val="75000"/>
-                        <a:lumOff val="25000"/>
-                      </a:schemeClr>
-                    </a:gs>
-                    <a:gs pos="50000">
-                      <a:schemeClr val="tx1">
-                        <a:lumMod val="75000"/>
-                        <a:lumOff val="25000"/>
-                      </a:schemeClr>
-                    </a:gs>
-                  </a:gsLst>
-                  <a:lin ang="5400000" scaled="0"/>
-                </a:gradFill>
-                <a:latin typeface="한컴 윤고딕 230" panose="02020603020101020101" pitchFamily="18" charset="-127"/>
-                <a:ea typeface="한컴 윤고딕 230" panose="02020603020101020101" pitchFamily="18" charset="-127"/>
-              </a:rPr>
-              <a:t>2. Union</a:t>
-            </a:r>
-            <a:r>
-              <a:rPr lang="ko-KR" altLang="en-US" sz="1400" b="1" spc="-20" dirty="0" smtClean="0">
-                <a:gradFill>
-                  <a:gsLst>
-                    <a:gs pos="0">
-                      <a:schemeClr val="tx1">
-                        <a:lumMod val="75000"/>
-                        <a:lumOff val="25000"/>
-                      </a:schemeClr>
-                    </a:gs>
-                    <a:gs pos="50000">
-                      <a:schemeClr val="tx1">
-                        <a:lumMod val="75000"/>
-                        <a:lumOff val="25000"/>
-                      </a:schemeClr>
-                    </a:gs>
-                  </a:gsLst>
-                  <a:lin ang="5400000" scaled="0"/>
-                </a:gradFill>
-                <a:latin typeface="한컴 윤고딕 230" panose="02020603020101020101" pitchFamily="18" charset="-127"/>
-                <a:ea typeface="한컴 윤고딕 230" panose="02020603020101020101" pitchFamily="18" charset="-127"/>
-              </a:rPr>
-              <a:t>의 활용</a:t>
-            </a:r>
-            <a:endParaRPr lang="en-US" altLang="ko-KR" sz="1400" b="1" spc="-20" dirty="0">
-              <a:gradFill>
-                <a:gsLst>
-                  <a:gs pos="0">
-                    <a:schemeClr val="tx1">
-                      <a:lumMod val="75000"/>
-                      <a:lumOff val="25000"/>
-                    </a:schemeClr>
-                  </a:gs>
-                  <a:gs pos="50000">
-                    <a:schemeClr val="tx1">
-                      <a:lumMod val="75000"/>
-                      <a:lumOff val="25000"/>
-                    </a:schemeClr>
-                  </a:gs>
-                </a:gsLst>
-                <a:lin ang="5400000" scaled="0"/>
-              </a:gradFill>
-              <a:latin typeface="한컴 윤고딕 230" panose="02020603020101020101" pitchFamily="18" charset="-127"/>
-              <a:ea typeface="한컴 윤고딕 230" panose="02020603020101020101" pitchFamily="18" charset="-127"/>
-            </a:endParaRPr>
-          </a:p>
-          <a:p>
-            <a:pPr marL="742950" lvl="1" indent="-285750">
-              <a:lnSpc>
-                <a:spcPct val="150000"/>
-              </a:lnSpc>
-              <a:buFont typeface="Wingdings" panose="05000000000000000000" pitchFamily="2" charset="2"/>
-              <a:buChar char="ü"/>
-            </a:pPr>
-            <a:r>
-              <a:rPr lang="ko-KR" altLang="en-US" sz="1200" spc="-20" dirty="0" smtClean="0">
-                <a:gradFill>
-                  <a:gsLst>
-                    <a:gs pos="0">
-                      <a:schemeClr val="tx1">
-                        <a:lumMod val="75000"/>
-                        <a:lumOff val="25000"/>
-                      </a:schemeClr>
-                    </a:gs>
-                    <a:gs pos="50000">
-                      <a:schemeClr val="tx1">
-                        <a:lumMod val="75000"/>
-                        <a:lumOff val="25000"/>
-                      </a:schemeClr>
-                    </a:gs>
-                  </a:gsLst>
-                  <a:lin ang="5400000" scaled="0"/>
-                </a:gradFill>
-                <a:latin typeface="한컴 윤고딕 230" panose="02020603020101020101" pitchFamily="18" charset="-127"/>
-                <a:ea typeface="한컴 윤고딕 230" panose="02020603020101020101" pitchFamily="18" charset="-127"/>
-              </a:rPr>
-              <a:t>통신 </a:t>
-            </a:r>
-            <a:r>
-              <a:rPr lang="en-US" altLang="ko-KR" sz="1200" spc="-20" dirty="0" smtClean="0">
-                <a:gradFill>
-                  <a:gsLst>
-                    <a:gs pos="0">
-                      <a:schemeClr val="tx1">
-                        <a:lumMod val="75000"/>
-                        <a:lumOff val="25000"/>
-                      </a:schemeClr>
-                    </a:gs>
-                    <a:gs pos="50000">
-                      <a:schemeClr val="tx1">
-                        <a:lumMod val="75000"/>
-                        <a:lumOff val="25000"/>
-                      </a:schemeClr>
-                    </a:gs>
-                  </a:gsLst>
-                  <a:lin ang="5400000" scaled="0"/>
-                </a:gradFill>
-                <a:latin typeface="한컴 윤고딕 230" panose="02020603020101020101" pitchFamily="18" charset="-127"/>
-                <a:ea typeface="한컴 윤고딕 230" panose="02020603020101020101" pitchFamily="18" charset="-127"/>
-              </a:rPr>
-              <a:t>(</a:t>
-            </a:r>
-            <a:r>
-              <a:rPr lang="en-US" altLang="ko-KR" sz="1200" spc="-20" dirty="0" err="1" smtClean="0">
-                <a:gradFill>
-                  <a:gsLst>
-                    <a:gs pos="0">
-                      <a:schemeClr val="tx1">
-                        <a:lumMod val="75000"/>
-                        <a:lumOff val="25000"/>
-                      </a:schemeClr>
-                    </a:gs>
-                    <a:gs pos="50000">
-                      <a:schemeClr val="tx1">
-                        <a:lumMod val="75000"/>
-                        <a:lumOff val="25000"/>
-                      </a:schemeClr>
-                    </a:gs>
-                  </a:gsLst>
-                  <a:lin ang="5400000" scaled="0"/>
-                </a:gradFill>
-                <a:latin typeface="한컴 윤고딕 230" panose="02020603020101020101" pitchFamily="18" charset="-127"/>
-                <a:ea typeface="한컴 윤고딕 230" panose="02020603020101020101" pitchFamily="18" charset="-127"/>
-              </a:rPr>
-              <a:t>ip</a:t>
-            </a:r>
-            <a:r>
-              <a:rPr lang="en-US" altLang="ko-KR" sz="1200" spc="-20" dirty="0" smtClean="0">
-                <a:gradFill>
-                  <a:gsLst>
-                    <a:gs pos="0">
-                      <a:schemeClr val="tx1">
-                        <a:lumMod val="75000"/>
-                        <a:lumOff val="25000"/>
-                      </a:schemeClr>
-                    </a:gs>
-                    <a:gs pos="50000">
-                      <a:schemeClr val="tx1">
-                        <a:lumMod val="75000"/>
-                        <a:lumOff val="25000"/>
-                      </a:schemeClr>
-                    </a:gs>
-                  </a:gsLst>
-                  <a:lin ang="5400000" scaled="0"/>
-                </a:gradFill>
-                <a:latin typeface="한컴 윤고딕 230" panose="02020603020101020101" pitchFamily="18" charset="-127"/>
-                <a:ea typeface="한컴 윤고딕 230" panose="02020603020101020101" pitchFamily="18" charset="-127"/>
-              </a:rPr>
-              <a:t> address)</a:t>
-            </a:r>
-            <a:endParaRPr lang="en-US" altLang="ko-KR" sz="1400" spc="-20" dirty="0" smtClean="0">
-              <a:gradFill>
-                <a:gsLst>
-                  <a:gs pos="0">
-                    <a:schemeClr val="tx1">
-                      <a:lumMod val="75000"/>
-                      <a:lumOff val="25000"/>
-                    </a:schemeClr>
-                  </a:gs>
-                  <a:gs pos="50000">
-                    <a:schemeClr val="tx1">
-                      <a:lumMod val="75000"/>
-                      <a:lumOff val="25000"/>
-                    </a:schemeClr>
-                  </a:gs>
-                </a:gsLst>
-                <a:lin ang="5400000" scaled="0"/>
-              </a:gradFill>
-              <a:latin typeface="한컴 윤고딕 230" panose="02020603020101020101" pitchFamily="18" charset="-127"/>
-              <a:ea typeface="한컴 윤고딕 230" panose="02020603020101020101" pitchFamily="18" charset="-127"/>
-            </a:endParaRPr>
-          </a:p>
-          <a:p>
-            <a:pPr marL="1200150" lvl="2" indent="-285750">
-              <a:lnSpc>
-                <a:spcPct val="150000"/>
-              </a:lnSpc>
-              <a:buFont typeface="Arial" panose="020B0604020202020204" pitchFamily="34" charset="0"/>
-              <a:buChar char="•"/>
-            </a:pPr>
-            <a:r>
-              <a:rPr lang="ko-KR" altLang="en-US" sz="1100" spc="-20" dirty="0" smtClean="0">
-                <a:gradFill>
-                  <a:gsLst>
-                    <a:gs pos="0">
-                      <a:schemeClr val="tx1">
-                        <a:lumMod val="75000"/>
-                        <a:lumOff val="25000"/>
-                      </a:schemeClr>
-                    </a:gs>
-                    <a:gs pos="50000">
-                      <a:schemeClr val="tx1">
-                        <a:lumMod val="75000"/>
-                        <a:lumOff val="25000"/>
-                      </a:schemeClr>
-                    </a:gs>
-                  </a:gsLst>
-                  <a:lin ang="5400000" scaled="0"/>
-                </a:gradFill>
-                <a:latin typeface="한컴 윤고딕 230" panose="02020603020101020101" pitchFamily="18" charset="-127"/>
-                <a:ea typeface="한컴 윤고딕 230" panose="02020603020101020101" pitchFamily="18" charset="-127"/>
-              </a:rPr>
-              <a:t>상대방이 보내려는 정수 값 </a:t>
-            </a:r>
-            <a:r>
-              <a:rPr lang="en-US" altLang="ko-KR" sz="1100" spc="-20" dirty="0" smtClean="0">
-                <a:gradFill>
-                  <a:gsLst>
-                    <a:gs pos="0">
-                      <a:schemeClr val="tx1">
-                        <a:lumMod val="75000"/>
-                        <a:lumOff val="25000"/>
-                      </a:schemeClr>
-                    </a:gs>
-                    <a:gs pos="50000">
-                      <a:schemeClr val="tx1">
-                        <a:lumMod val="75000"/>
-                        <a:lumOff val="25000"/>
-                      </a:schemeClr>
-                    </a:gs>
-                  </a:gsLst>
-                  <a:lin ang="5400000" scaled="0"/>
-                </a:gradFill>
-                <a:latin typeface="한컴 윤고딕 230" panose="02020603020101020101" pitchFamily="18" charset="-127"/>
-                <a:ea typeface="한컴 윤고딕 230" panose="02020603020101020101" pitchFamily="18" charset="-127"/>
-              </a:rPr>
-              <a:t>: 0x12345678</a:t>
-            </a:r>
-          </a:p>
-          <a:p>
-            <a:pPr marL="1200150" lvl="2" indent="-285750">
-              <a:lnSpc>
-                <a:spcPct val="150000"/>
-              </a:lnSpc>
-              <a:buFont typeface="Arial" panose="020B0604020202020204" pitchFamily="34" charset="0"/>
-              <a:buChar char="•"/>
-            </a:pPr>
-            <a:r>
-              <a:rPr lang="ko-KR" altLang="en-US" sz="1100" spc="-20" dirty="0" smtClean="0">
-                <a:gradFill>
-                  <a:gsLst>
-                    <a:gs pos="0">
-                      <a:schemeClr val="tx1">
-                        <a:lumMod val="75000"/>
-                        <a:lumOff val="25000"/>
-                      </a:schemeClr>
-                    </a:gs>
-                    <a:gs pos="50000">
-                      <a:schemeClr val="tx1">
-                        <a:lumMod val="75000"/>
-                        <a:lumOff val="25000"/>
-                      </a:schemeClr>
-                    </a:gs>
-                  </a:gsLst>
-                  <a:lin ang="5400000" scaled="0"/>
-                </a:gradFill>
-                <a:latin typeface="한컴 윤고딕 230" panose="02020603020101020101" pitchFamily="18" charset="-127"/>
-                <a:ea typeface="한컴 윤고딕 230" panose="02020603020101020101" pitchFamily="18" charset="-127"/>
-              </a:rPr>
-              <a:t>상대방이 하나 씩 보낸 순서 </a:t>
-            </a:r>
-            <a:r>
-              <a:rPr lang="en-US" altLang="ko-KR" sz="1100" spc="-20" dirty="0" smtClean="0">
-                <a:gradFill>
-                  <a:gsLst>
-                    <a:gs pos="0">
-                      <a:schemeClr val="tx1">
-                        <a:lumMod val="75000"/>
-                        <a:lumOff val="25000"/>
-                      </a:schemeClr>
-                    </a:gs>
-                    <a:gs pos="50000">
-                      <a:schemeClr val="tx1">
-                        <a:lumMod val="75000"/>
-                        <a:lumOff val="25000"/>
-                      </a:schemeClr>
-                    </a:gs>
-                  </a:gsLst>
-                  <a:lin ang="5400000" scaled="0"/>
-                </a:gradFill>
-                <a:latin typeface="한컴 윤고딕 230" panose="02020603020101020101" pitchFamily="18" charset="-127"/>
-                <a:ea typeface="한컴 윤고딕 230" panose="02020603020101020101" pitchFamily="18" charset="-127"/>
-              </a:rPr>
-              <a:t>: 0x12, 0x34, 0x56, 0x78</a:t>
-            </a:r>
-          </a:p>
-          <a:p>
-            <a:pPr lvl="2">
-              <a:lnSpc>
-                <a:spcPct val="150000"/>
-              </a:lnSpc>
-            </a:pPr>
-            <a:endParaRPr lang="en-US" altLang="ko-KR" sz="1100" spc="-20" dirty="0" smtClean="0">
-              <a:gradFill>
-                <a:gsLst>
-                  <a:gs pos="0">
-                    <a:schemeClr val="tx1">
-                      <a:lumMod val="75000"/>
-                      <a:lumOff val="25000"/>
-                    </a:schemeClr>
-                  </a:gs>
-                  <a:gs pos="50000">
-                    <a:schemeClr val="tx1">
-                      <a:lumMod val="75000"/>
-                      <a:lumOff val="25000"/>
-                    </a:schemeClr>
-                  </a:gs>
-                </a:gsLst>
-                <a:lin ang="5400000" scaled="0"/>
-              </a:gradFill>
-              <a:latin typeface="한컴 윤고딕 230" panose="02020603020101020101" pitchFamily="18" charset="-127"/>
-              <a:ea typeface="한컴 윤고딕 230" panose="02020603020101020101" pitchFamily="18" charset="-127"/>
-            </a:endParaRPr>
-          </a:p>
-          <a:p>
-            <a:pPr marL="1085850" lvl="2" indent="-171450">
-              <a:lnSpc>
-                <a:spcPct val="150000"/>
-              </a:lnSpc>
-              <a:buFont typeface="Wingdings" panose="05000000000000000000" pitchFamily="2" charset="2"/>
-              <a:buChar char="Ø"/>
-            </a:pPr>
-            <a:r>
-              <a:rPr lang="ko-KR" altLang="en-US" sz="1100" spc="-20" dirty="0" smtClean="0">
-                <a:gradFill>
-                  <a:gsLst>
-                    <a:gs pos="0">
-                      <a:schemeClr val="tx1">
-                        <a:lumMod val="75000"/>
-                        <a:lumOff val="25000"/>
-                      </a:schemeClr>
-                    </a:gs>
-                    <a:gs pos="50000">
-                      <a:schemeClr val="tx1">
-                        <a:lumMod val="75000"/>
-                        <a:lumOff val="25000"/>
-                      </a:schemeClr>
-                    </a:gs>
-                  </a:gsLst>
-                  <a:lin ang="5400000" scaled="0"/>
-                </a:gradFill>
-                <a:latin typeface="한컴 윤고딕 230" panose="02020603020101020101" pitchFamily="18" charset="-127"/>
-                <a:ea typeface="한컴 윤고딕 230" panose="02020603020101020101" pitchFamily="18" charset="-127"/>
-              </a:rPr>
-              <a:t>직접 계산</a:t>
-            </a:r>
-            <a:endParaRPr lang="en-US" altLang="ko-KR" sz="1100" spc="-20" dirty="0" smtClean="0">
-              <a:gradFill>
-                <a:gsLst>
-                  <a:gs pos="0">
-                    <a:schemeClr val="tx1">
-                      <a:lumMod val="75000"/>
-                      <a:lumOff val="25000"/>
-                    </a:schemeClr>
-                  </a:gs>
-                  <a:gs pos="50000">
-                    <a:schemeClr val="tx1">
-                      <a:lumMod val="75000"/>
-                      <a:lumOff val="25000"/>
-                    </a:schemeClr>
-                  </a:gs>
-                </a:gsLst>
-                <a:lin ang="5400000" scaled="0"/>
-              </a:gradFill>
-              <a:latin typeface="한컴 윤고딕 230" panose="02020603020101020101" pitchFamily="18" charset="-127"/>
-              <a:ea typeface="한컴 윤고딕 230" panose="02020603020101020101" pitchFamily="18" charset="-127"/>
-            </a:endParaRPr>
-          </a:p>
-          <a:p>
-            <a:pPr lvl="2">
-              <a:lnSpc>
-                <a:spcPct val="150000"/>
-              </a:lnSpc>
-            </a:pPr>
-            <a:endParaRPr lang="en-US" altLang="ko-KR" sz="1100" spc="-20" dirty="0">
-              <a:gradFill>
-                <a:gsLst>
-                  <a:gs pos="0">
-                    <a:schemeClr val="tx1">
-                      <a:lumMod val="75000"/>
-                      <a:lumOff val="25000"/>
-                    </a:schemeClr>
-                  </a:gs>
-                  <a:gs pos="50000">
-                    <a:schemeClr val="tx1">
-                      <a:lumMod val="75000"/>
-                      <a:lumOff val="25000"/>
-                    </a:schemeClr>
-                  </a:gs>
-                </a:gsLst>
-                <a:lin ang="5400000" scaled="0"/>
-              </a:gradFill>
-              <a:latin typeface="한컴 윤고딕 230" panose="02020603020101020101" pitchFamily="18" charset="-127"/>
-              <a:ea typeface="한컴 윤고딕 230" panose="02020603020101020101" pitchFamily="18" charset="-127"/>
-            </a:endParaRPr>
-          </a:p>
-          <a:p>
-            <a:pPr lvl="2">
-              <a:lnSpc>
-                <a:spcPct val="150000"/>
-              </a:lnSpc>
-            </a:pPr>
-            <a:endParaRPr lang="en-US" altLang="ko-KR" sz="1100" spc="-20" dirty="0" smtClean="0">
-              <a:gradFill>
-                <a:gsLst>
-                  <a:gs pos="0">
-                    <a:schemeClr val="tx1">
-                      <a:lumMod val="75000"/>
-                      <a:lumOff val="25000"/>
-                    </a:schemeClr>
-                  </a:gs>
-                  <a:gs pos="50000">
-                    <a:schemeClr val="tx1">
-                      <a:lumMod val="75000"/>
-                      <a:lumOff val="25000"/>
-                    </a:schemeClr>
-                  </a:gs>
-                </a:gsLst>
-                <a:lin ang="5400000" scaled="0"/>
-              </a:gradFill>
-              <a:latin typeface="한컴 윤고딕 230" panose="02020603020101020101" pitchFamily="18" charset="-127"/>
-              <a:ea typeface="한컴 윤고딕 230" panose="02020603020101020101" pitchFamily="18" charset="-127"/>
-            </a:endParaRPr>
-          </a:p>
-          <a:p>
-            <a:pPr marL="1085850" lvl="2" indent="-171450">
-              <a:lnSpc>
-                <a:spcPct val="150000"/>
-              </a:lnSpc>
-              <a:buFont typeface="Wingdings" panose="05000000000000000000" pitchFamily="2" charset="2"/>
-              <a:buChar char="Ø"/>
-            </a:pPr>
-            <a:r>
-              <a:rPr lang="en-US" altLang="ko-KR" sz="1100" spc="-20" dirty="0" smtClean="0">
-                <a:gradFill>
-                  <a:gsLst>
-                    <a:gs pos="0">
-                      <a:schemeClr val="tx1">
-                        <a:lumMod val="75000"/>
-                        <a:lumOff val="25000"/>
-                      </a:schemeClr>
-                    </a:gs>
-                    <a:gs pos="50000">
-                      <a:schemeClr val="tx1">
-                        <a:lumMod val="75000"/>
-                        <a:lumOff val="25000"/>
-                      </a:schemeClr>
-                    </a:gs>
-                  </a:gsLst>
-                  <a:lin ang="5400000" scaled="0"/>
-                </a:gradFill>
-                <a:latin typeface="한컴 윤고딕 230" panose="02020603020101020101" pitchFamily="18" charset="-127"/>
-                <a:ea typeface="한컴 윤고딕 230" panose="02020603020101020101" pitchFamily="18" charset="-127"/>
-              </a:rPr>
-              <a:t>Union</a:t>
-            </a:r>
-            <a:r>
-              <a:rPr lang="ko-KR" altLang="en-US" sz="1200" spc="-20" dirty="0" smtClean="0">
-                <a:gradFill>
-                  <a:gsLst>
-                    <a:gs pos="0">
-                      <a:schemeClr val="tx1">
-                        <a:lumMod val="75000"/>
-                        <a:lumOff val="25000"/>
-                      </a:schemeClr>
-                    </a:gs>
-                    <a:gs pos="50000">
-                      <a:schemeClr val="tx1">
-                        <a:lumMod val="75000"/>
-                        <a:lumOff val="25000"/>
-                      </a:schemeClr>
-                    </a:gs>
-                  </a:gsLst>
-                  <a:lin ang="5400000" scaled="0"/>
-                </a:gradFill>
-                <a:latin typeface="한컴 윤고딕 230" panose="02020603020101020101" pitchFamily="18" charset="-127"/>
-                <a:ea typeface="한컴 윤고딕 230" panose="02020603020101020101" pitchFamily="18" charset="-127"/>
-              </a:rPr>
-              <a:t>을 이용</a:t>
-            </a:r>
-            <a:endParaRPr lang="en-US" altLang="ko-KR" sz="1200" spc="-20" dirty="0" smtClean="0">
-              <a:gradFill>
-                <a:gsLst>
-                  <a:gs pos="0">
-                    <a:schemeClr val="tx1">
-                      <a:lumMod val="75000"/>
-                      <a:lumOff val="25000"/>
-                    </a:schemeClr>
-                  </a:gs>
-                  <a:gs pos="50000">
-                    <a:schemeClr val="tx1">
-                      <a:lumMod val="75000"/>
-                      <a:lumOff val="25000"/>
-                    </a:schemeClr>
-                  </a:gs>
-                </a:gsLst>
-                <a:lin ang="5400000" scaled="0"/>
-              </a:gradFill>
-              <a:latin typeface="한컴 윤고딕 230" panose="02020603020101020101" pitchFamily="18" charset="-127"/>
-              <a:ea typeface="한컴 윤고딕 230" panose="02020603020101020101" pitchFamily="18" charset="-127"/>
-            </a:endParaRPr>
-          </a:p>
-          <a:p>
-            <a:pPr lvl="2">
-              <a:lnSpc>
-                <a:spcPct val="150000"/>
-              </a:lnSpc>
-            </a:pPr>
-            <a:endParaRPr lang="en-US" altLang="ko-KR" sz="1200" spc="-20" dirty="0">
-              <a:gradFill>
-                <a:gsLst>
-                  <a:gs pos="0">
-                    <a:schemeClr val="tx1">
-                      <a:lumMod val="75000"/>
-                      <a:lumOff val="25000"/>
-                    </a:schemeClr>
-                  </a:gs>
-                  <a:gs pos="50000">
-                    <a:schemeClr val="tx1">
-                      <a:lumMod val="75000"/>
-                      <a:lumOff val="25000"/>
-                    </a:schemeClr>
-                  </a:gs>
-                </a:gsLst>
-                <a:lin ang="5400000" scaled="0"/>
-              </a:gradFill>
-              <a:latin typeface="한컴 윤고딕 230" panose="02020603020101020101" pitchFamily="18" charset="-127"/>
-              <a:ea typeface="한컴 윤고딕 230" panose="02020603020101020101" pitchFamily="18" charset="-127"/>
-            </a:endParaRPr>
-          </a:p>
-        </p:txBody>
-      </p:sp>
       <p:cxnSp>
         <p:nvCxnSpPr>
-          <p:cNvPr id="21" name="직선 연결선 20"/>
+          <p:cNvPr id="37" name="직선 연결선 36"/>
           <p:cNvCxnSpPr/>
           <p:nvPr/>
         </p:nvCxnSpPr>
@@ -17891,175 +22280,393 @@
           </a:fontRef>
         </p:style>
       </p:cxnSp>
-      <p:pic>
-        <p:nvPicPr>
-          <p:cNvPr id="10" name="그림 9"/>
-          <p:cNvPicPr>
-            <a:picLocks noChangeAspect="1"/>
-          </p:cNvPicPr>
+      <p:sp>
+        <p:nvSpPr>
+          <p:cNvPr id="23" name="TextBox 22"/>
+          <p:cNvSpPr txBox="1"/>
           <p:nvPr/>
-        </p:nvPicPr>
-        <p:blipFill>
-          <a:blip r:embed="rId3"/>
-          <a:stretch>
-            <a:fillRect/>
-          </a:stretch>
-        </p:blipFill>
+        </p:nvSpPr>
         <p:spPr>
           <a:xfrm>
-            <a:off x="964876" y="4961916"/>
-            <a:ext cx="4933950" cy="1438275"/>
+            <a:off x="339314" y="1281308"/>
+            <a:ext cx="5758414" cy="5444172"/>
           </a:xfrm>
           <a:prstGeom prst="rect">
             <a:avLst/>
           </a:prstGeom>
+          <a:noFill/>
         </p:spPr>
-      </p:pic>
-      <p:pic>
-        <p:nvPicPr>
-          <p:cNvPr id="13" name="그림 12"/>
-          <p:cNvPicPr>
-            <a:picLocks noChangeAspect="1"/>
-          </p:cNvPicPr>
-          <p:nvPr/>
-        </p:nvPicPr>
-        <p:blipFill>
-          <a:blip r:embed="rId4"/>
-          <a:stretch>
-            <a:fillRect/>
-          </a:stretch>
-        </p:blipFill>
-        <p:spPr>
-          <a:xfrm>
-            <a:off x="7153209" y="2923777"/>
-            <a:ext cx="4696122" cy="190500"/>
-          </a:xfrm>
-          <a:prstGeom prst="rect">
-            <a:avLst/>
-          </a:prstGeom>
-        </p:spPr>
-      </p:pic>
-      <p:pic>
-        <p:nvPicPr>
-          <p:cNvPr id="16" name="그림 15"/>
-          <p:cNvPicPr>
-            <a:picLocks noChangeAspect="1"/>
-          </p:cNvPicPr>
-          <p:nvPr/>
-        </p:nvPicPr>
-        <p:blipFill rotWithShape="1">
-          <a:blip r:embed="rId5"/>
-          <a:srcRect b="56285"/>
-          <a:stretch/>
-        </p:blipFill>
-        <p:spPr>
-          <a:xfrm>
-            <a:off x="7108716" y="3691264"/>
-            <a:ext cx="2333625" cy="849421"/>
-          </a:xfrm>
-          <a:prstGeom prst="rect">
-            <a:avLst/>
-          </a:prstGeom>
-        </p:spPr>
-      </p:pic>
-      <p:pic>
-        <p:nvPicPr>
-          <p:cNvPr id="24" name="그림 23"/>
-          <p:cNvPicPr>
-            <a:picLocks noChangeAspect="1"/>
-          </p:cNvPicPr>
-          <p:nvPr/>
-        </p:nvPicPr>
-        <p:blipFill>
-          <a:blip r:embed="rId6"/>
-          <a:stretch>
-            <a:fillRect/>
-          </a:stretch>
-        </p:blipFill>
-        <p:spPr>
-          <a:xfrm>
-            <a:off x="7108716" y="4851136"/>
-            <a:ext cx="2095500" cy="666750"/>
-          </a:xfrm>
-          <a:prstGeom prst="rect">
-            <a:avLst/>
-          </a:prstGeom>
-        </p:spPr>
-      </p:pic>
-      <p:pic>
-        <p:nvPicPr>
-          <p:cNvPr id="25" name="그림 24"/>
-          <p:cNvPicPr>
-            <a:picLocks noChangeAspect="1"/>
-          </p:cNvPicPr>
-          <p:nvPr/>
-        </p:nvPicPr>
-        <p:blipFill>
-          <a:blip r:embed="rId7"/>
-          <a:stretch>
-            <a:fillRect/>
-          </a:stretch>
-        </p:blipFill>
-        <p:spPr>
-          <a:xfrm>
-            <a:off x="7108716" y="5700754"/>
-            <a:ext cx="2439247" cy="157613"/>
-          </a:xfrm>
-          <a:prstGeom prst="rect">
-            <a:avLst/>
-          </a:prstGeom>
-        </p:spPr>
-      </p:pic>
-      <p:pic>
-        <p:nvPicPr>
-          <p:cNvPr id="26" name="그림 25"/>
-          <p:cNvPicPr>
-            <a:picLocks noChangeAspect="1"/>
-          </p:cNvPicPr>
-          <p:nvPr/>
-        </p:nvPicPr>
-        <p:blipFill rotWithShape="1">
-          <a:blip r:embed="rId5"/>
-          <a:srcRect t="53786"/>
-          <a:stretch/>
-        </p:blipFill>
-        <p:spPr>
-          <a:xfrm>
-            <a:off x="9442341" y="3691264"/>
-            <a:ext cx="2333625" cy="897981"/>
-          </a:xfrm>
-          <a:prstGeom prst="rect">
-            <a:avLst/>
-          </a:prstGeom>
-        </p:spPr>
-      </p:pic>
-      <p:pic>
-        <p:nvPicPr>
-          <p:cNvPr id="27" name="그림 26"/>
-          <p:cNvPicPr>
-            <a:picLocks noChangeAspect="1"/>
-          </p:cNvPicPr>
-          <p:nvPr/>
-        </p:nvPicPr>
-        <p:blipFill>
-          <a:blip r:embed="rId8"/>
-          <a:stretch>
-            <a:fillRect/>
-          </a:stretch>
-        </p:blipFill>
-        <p:spPr>
-          <a:xfrm>
-            <a:off x="1127995" y="2251382"/>
-            <a:ext cx="3238500" cy="2419350"/>
-          </a:xfrm>
-          <a:prstGeom prst="rect">
-            <a:avLst/>
-          </a:prstGeom>
-        </p:spPr>
-      </p:pic>
+        <p:txBody>
+          <a:bodyPr wrap="square" rtlCol="0">
+            <a:normAutofit/>
+          </a:bodyPr>
+          <a:lstStyle/>
+          <a:p>
+            <a:pPr>
+              <a:lnSpc>
+                <a:spcPct val="150000"/>
+              </a:lnSpc>
+            </a:pPr>
+            <a:r>
+              <a:rPr lang="en-US" altLang="ko-KR" sz="1400" b="1" spc="-20" dirty="0" smtClean="0">
+                <a:gradFill>
+                  <a:gsLst>
+                    <a:gs pos="0">
+                      <a:schemeClr val="tx1">
+                        <a:lumMod val="75000"/>
+                        <a:lumOff val="25000"/>
+                      </a:schemeClr>
+                    </a:gs>
+                    <a:gs pos="50000">
+                      <a:schemeClr val="tx1">
+                        <a:lumMod val="75000"/>
+                        <a:lumOff val="25000"/>
+                      </a:schemeClr>
+                    </a:gs>
+                  </a:gsLst>
+                  <a:lin ang="5400000" scaled="0"/>
+                </a:gradFill>
+                <a:latin typeface="한컴 윤고딕 230" panose="02020603020101020101" pitchFamily="18" charset="-127"/>
+                <a:ea typeface="한컴 윤고딕 230" panose="02020603020101020101" pitchFamily="18" charset="-127"/>
+              </a:rPr>
+              <a:t>5. </a:t>
+            </a:r>
+            <a:r>
+              <a:rPr lang="en-US" altLang="ko-KR" sz="1400" b="1" spc="-20" dirty="0" err="1" smtClean="0">
+                <a:gradFill>
+                  <a:gsLst>
+                    <a:gs pos="0">
+                      <a:schemeClr val="tx1">
+                        <a:lumMod val="75000"/>
+                        <a:lumOff val="25000"/>
+                      </a:schemeClr>
+                    </a:gs>
+                    <a:gs pos="50000">
+                      <a:schemeClr val="tx1">
+                        <a:lumMod val="75000"/>
+                        <a:lumOff val="25000"/>
+                      </a:schemeClr>
+                    </a:gs>
+                  </a:gsLst>
+                  <a:lin ang="5400000" scaled="0"/>
+                </a:gradFill>
+                <a:latin typeface="한컴 윤고딕 230" panose="02020603020101020101" pitchFamily="18" charset="-127"/>
+                <a:ea typeface="한컴 윤고딕 230" panose="02020603020101020101" pitchFamily="18" charset="-127"/>
+              </a:rPr>
+              <a:t>sscanf</a:t>
+            </a:r>
+            <a:r>
+              <a:rPr lang="en-US" altLang="ko-KR" sz="1400" b="1" spc="-20" dirty="0" smtClean="0">
+                <a:gradFill>
+                  <a:gsLst>
+                    <a:gs pos="0">
+                      <a:schemeClr val="tx1">
+                        <a:lumMod val="75000"/>
+                        <a:lumOff val="25000"/>
+                      </a:schemeClr>
+                    </a:gs>
+                    <a:gs pos="50000">
+                      <a:schemeClr val="tx1">
+                        <a:lumMod val="75000"/>
+                        <a:lumOff val="25000"/>
+                      </a:schemeClr>
+                    </a:gs>
+                  </a:gsLst>
+                  <a:lin ang="5400000" scaled="0"/>
+                </a:gradFill>
+                <a:latin typeface="한컴 윤고딕 230" panose="02020603020101020101" pitchFamily="18" charset="-127"/>
+                <a:ea typeface="한컴 윤고딕 230" panose="02020603020101020101" pitchFamily="18" charset="-127"/>
+              </a:rPr>
+              <a:t>(), </a:t>
+            </a:r>
+            <a:r>
+              <a:rPr lang="en-US" altLang="ko-KR" sz="1400" b="1" spc="-20" dirty="0" err="1" smtClean="0">
+                <a:gradFill>
+                  <a:gsLst>
+                    <a:gs pos="0">
+                      <a:schemeClr val="tx1">
+                        <a:lumMod val="75000"/>
+                        <a:lumOff val="25000"/>
+                      </a:schemeClr>
+                    </a:gs>
+                    <a:gs pos="50000">
+                      <a:schemeClr val="tx1">
+                        <a:lumMod val="75000"/>
+                        <a:lumOff val="25000"/>
+                      </a:schemeClr>
+                    </a:gs>
+                  </a:gsLst>
+                  <a:lin ang="5400000" scaled="0"/>
+                </a:gradFill>
+                <a:latin typeface="한컴 윤고딕 230" panose="02020603020101020101" pitchFamily="18" charset="-127"/>
+                <a:ea typeface="한컴 윤고딕 230" panose="02020603020101020101" pitchFamily="18" charset="-127"/>
+              </a:rPr>
+              <a:t>sprintf</a:t>
+            </a:r>
+            <a:r>
+              <a:rPr lang="en-US" altLang="ko-KR" sz="1400" b="1" spc="-20" dirty="0" smtClean="0">
+                <a:gradFill>
+                  <a:gsLst>
+                    <a:gs pos="0">
+                      <a:schemeClr val="tx1">
+                        <a:lumMod val="75000"/>
+                        <a:lumOff val="25000"/>
+                      </a:schemeClr>
+                    </a:gs>
+                    <a:gs pos="50000">
+                      <a:schemeClr val="tx1">
+                        <a:lumMod val="75000"/>
+                        <a:lumOff val="25000"/>
+                      </a:schemeClr>
+                    </a:gs>
+                  </a:gsLst>
+                  <a:lin ang="5400000" scaled="0"/>
+                </a:gradFill>
+                <a:latin typeface="한컴 윤고딕 230" panose="02020603020101020101" pitchFamily="18" charset="-127"/>
+                <a:ea typeface="한컴 윤고딕 230" panose="02020603020101020101" pitchFamily="18" charset="-127"/>
+              </a:rPr>
+              <a:t>()</a:t>
+            </a:r>
+            <a:endParaRPr lang="en-US" altLang="ko-KR" sz="1400" b="1" spc="-20" dirty="0" smtClean="0">
+              <a:gradFill>
+                <a:gsLst>
+                  <a:gs pos="0">
+                    <a:schemeClr val="tx1">
+                      <a:lumMod val="75000"/>
+                      <a:lumOff val="25000"/>
+                    </a:schemeClr>
+                  </a:gs>
+                  <a:gs pos="50000">
+                    <a:schemeClr val="tx1">
+                      <a:lumMod val="75000"/>
+                      <a:lumOff val="25000"/>
+                    </a:schemeClr>
+                  </a:gs>
+                </a:gsLst>
+                <a:lin ang="5400000" scaled="0"/>
+              </a:gradFill>
+              <a:latin typeface="한컴 윤고딕 230" panose="02020603020101020101" pitchFamily="18" charset="-127"/>
+              <a:ea typeface="한컴 윤고딕 230" panose="02020603020101020101" pitchFamily="18" charset="-127"/>
+            </a:endParaRPr>
+          </a:p>
+          <a:p>
+            <a:pPr marL="742950" lvl="1" indent="-285750">
+              <a:lnSpc>
+                <a:spcPct val="150000"/>
+              </a:lnSpc>
+              <a:buFont typeface="Wingdings" panose="05000000000000000000" pitchFamily="2" charset="2"/>
+              <a:buChar char="ü"/>
+            </a:pPr>
+            <a:endParaRPr lang="en-US" altLang="ko-KR" sz="1200" spc="-20" dirty="0">
+              <a:gradFill>
+                <a:gsLst>
+                  <a:gs pos="0">
+                    <a:schemeClr val="tx1">
+                      <a:lumMod val="75000"/>
+                      <a:lumOff val="25000"/>
+                    </a:schemeClr>
+                  </a:gs>
+                  <a:gs pos="50000">
+                    <a:schemeClr val="tx1">
+                      <a:lumMod val="75000"/>
+                      <a:lumOff val="25000"/>
+                    </a:schemeClr>
+                  </a:gs>
+                </a:gsLst>
+                <a:lin ang="5400000" scaled="0"/>
+              </a:gradFill>
+              <a:latin typeface="한컴 윤고딕 230" panose="02020603020101020101" pitchFamily="18" charset="-127"/>
+              <a:ea typeface="한컴 윤고딕 230" panose="02020603020101020101" pitchFamily="18" charset="-127"/>
+            </a:endParaRPr>
+          </a:p>
+          <a:p>
+            <a:pPr marL="742950" lvl="1" indent="-285750">
+              <a:lnSpc>
+                <a:spcPct val="150000"/>
+              </a:lnSpc>
+              <a:buFont typeface="Wingdings" panose="05000000000000000000" pitchFamily="2" charset="2"/>
+              <a:buChar char="ü"/>
+            </a:pPr>
+            <a:endParaRPr lang="en-US" altLang="ko-KR" sz="1200" spc="-20" dirty="0" smtClean="0">
+              <a:gradFill>
+                <a:gsLst>
+                  <a:gs pos="0">
+                    <a:schemeClr val="tx1">
+                      <a:lumMod val="75000"/>
+                      <a:lumOff val="25000"/>
+                    </a:schemeClr>
+                  </a:gs>
+                  <a:gs pos="50000">
+                    <a:schemeClr val="tx1">
+                      <a:lumMod val="75000"/>
+                      <a:lumOff val="25000"/>
+                    </a:schemeClr>
+                  </a:gs>
+                </a:gsLst>
+                <a:lin ang="5400000" scaled="0"/>
+              </a:gradFill>
+              <a:latin typeface="한컴 윤고딕 230" panose="02020603020101020101" pitchFamily="18" charset="-127"/>
+              <a:ea typeface="한컴 윤고딕 230" panose="02020603020101020101" pitchFamily="18" charset="-127"/>
+            </a:endParaRPr>
+          </a:p>
+          <a:p>
+            <a:pPr marL="742950" lvl="1" indent="-285750">
+              <a:lnSpc>
+                <a:spcPct val="150000"/>
+              </a:lnSpc>
+              <a:buFont typeface="Wingdings" panose="05000000000000000000" pitchFamily="2" charset="2"/>
+              <a:buChar char="ü"/>
+            </a:pPr>
+            <a:endParaRPr lang="en-US" altLang="ko-KR" sz="1200" spc="-20" dirty="0">
+              <a:gradFill>
+                <a:gsLst>
+                  <a:gs pos="0">
+                    <a:schemeClr val="tx1">
+                      <a:lumMod val="75000"/>
+                      <a:lumOff val="25000"/>
+                    </a:schemeClr>
+                  </a:gs>
+                  <a:gs pos="50000">
+                    <a:schemeClr val="tx1">
+                      <a:lumMod val="75000"/>
+                      <a:lumOff val="25000"/>
+                    </a:schemeClr>
+                  </a:gs>
+                </a:gsLst>
+                <a:lin ang="5400000" scaled="0"/>
+              </a:gradFill>
+              <a:latin typeface="한컴 윤고딕 230" panose="02020603020101020101" pitchFamily="18" charset="-127"/>
+              <a:ea typeface="한컴 윤고딕 230" panose="02020603020101020101" pitchFamily="18" charset="-127"/>
+            </a:endParaRPr>
+          </a:p>
+          <a:p>
+            <a:pPr marL="742950" lvl="1" indent="-285750">
+              <a:lnSpc>
+                <a:spcPct val="150000"/>
+              </a:lnSpc>
+              <a:buFont typeface="Wingdings" panose="05000000000000000000" pitchFamily="2" charset="2"/>
+              <a:buChar char="ü"/>
+            </a:pPr>
+            <a:r>
+              <a:rPr lang="en-US" altLang="ko-KR" sz="1200" spc="-20" dirty="0" smtClean="0">
+                <a:gradFill>
+                  <a:gsLst>
+                    <a:gs pos="0">
+                      <a:schemeClr val="tx1">
+                        <a:lumMod val="75000"/>
+                        <a:lumOff val="25000"/>
+                      </a:schemeClr>
+                    </a:gs>
+                    <a:gs pos="50000">
+                      <a:schemeClr val="tx1">
+                        <a:lumMod val="75000"/>
+                        <a:lumOff val="25000"/>
+                      </a:schemeClr>
+                    </a:gs>
+                  </a:gsLst>
+                  <a:lin ang="5400000" scaled="0"/>
+                </a:gradFill>
+                <a:latin typeface="한컴 윤고딕 230" panose="02020603020101020101" pitchFamily="18" charset="-127"/>
+                <a:ea typeface="한컴 윤고딕 230" panose="02020603020101020101" pitchFamily="18" charset="-127"/>
+              </a:rPr>
+              <a:t>example</a:t>
+            </a:r>
+          </a:p>
+          <a:p>
+            <a:pPr marL="742950" lvl="1" indent="-285750">
+              <a:lnSpc>
+                <a:spcPct val="150000"/>
+              </a:lnSpc>
+              <a:buFont typeface="Wingdings" panose="05000000000000000000" pitchFamily="2" charset="2"/>
+              <a:buChar char="ü"/>
+            </a:pPr>
+            <a:endParaRPr lang="en-US" altLang="ko-KR" sz="1200" spc="-20" dirty="0">
+              <a:gradFill>
+                <a:gsLst>
+                  <a:gs pos="0">
+                    <a:schemeClr val="tx1">
+                      <a:lumMod val="75000"/>
+                      <a:lumOff val="25000"/>
+                    </a:schemeClr>
+                  </a:gs>
+                  <a:gs pos="50000">
+                    <a:schemeClr val="tx1">
+                      <a:lumMod val="75000"/>
+                      <a:lumOff val="25000"/>
+                    </a:schemeClr>
+                  </a:gs>
+                </a:gsLst>
+                <a:lin ang="5400000" scaled="0"/>
+              </a:gradFill>
+              <a:latin typeface="한컴 윤고딕 230" panose="02020603020101020101" pitchFamily="18" charset="-127"/>
+              <a:ea typeface="한컴 윤고딕 230" panose="02020603020101020101" pitchFamily="18" charset="-127"/>
+            </a:endParaRPr>
+          </a:p>
+          <a:p>
+            <a:pPr marL="742950" lvl="1" indent="-285750">
+              <a:lnSpc>
+                <a:spcPct val="150000"/>
+              </a:lnSpc>
+              <a:buFont typeface="Wingdings" panose="05000000000000000000" pitchFamily="2" charset="2"/>
+              <a:buChar char="ü"/>
+            </a:pPr>
+            <a:endParaRPr lang="en-US" altLang="ko-KR" sz="1200" spc="-20" dirty="0" smtClean="0">
+              <a:gradFill>
+                <a:gsLst>
+                  <a:gs pos="0">
+                    <a:schemeClr val="tx1">
+                      <a:lumMod val="75000"/>
+                      <a:lumOff val="25000"/>
+                    </a:schemeClr>
+                  </a:gs>
+                  <a:gs pos="50000">
+                    <a:schemeClr val="tx1">
+                      <a:lumMod val="75000"/>
+                      <a:lumOff val="25000"/>
+                    </a:schemeClr>
+                  </a:gs>
+                </a:gsLst>
+                <a:lin ang="5400000" scaled="0"/>
+              </a:gradFill>
+              <a:latin typeface="한컴 윤고딕 230" panose="02020603020101020101" pitchFamily="18" charset="-127"/>
+              <a:ea typeface="한컴 윤고딕 230" panose="02020603020101020101" pitchFamily="18" charset="-127"/>
+            </a:endParaRPr>
+          </a:p>
+          <a:p>
+            <a:pPr marL="742950" lvl="1" indent="-285750">
+              <a:lnSpc>
+                <a:spcPct val="150000"/>
+              </a:lnSpc>
+              <a:buFont typeface="Wingdings" panose="05000000000000000000" pitchFamily="2" charset="2"/>
+              <a:buChar char="ü"/>
+            </a:pPr>
+            <a:endParaRPr lang="en-US" altLang="ko-KR" sz="1200" spc="-20" dirty="0" smtClean="0">
+              <a:gradFill>
+                <a:gsLst>
+                  <a:gs pos="0">
+                    <a:schemeClr val="tx1">
+                      <a:lumMod val="75000"/>
+                      <a:lumOff val="25000"/>
+                    </a:schemeClr>
+                  </a:gs>
+                  <a:gs pos="50000">
+                    <a:schemeClr val="tx1">
+                      <a:lumMod val="75000"/>
+                      <a:lumOff val="25000"/>
+                    </a:schemeClr>
+                  </a:gs>
+                </a:gsLst>
+                <a:lin ang="5400000" scaled="0"/>
+              </a:gradFill>
+              <a:latin typeface="한컴 윤고딕 230" panose="02020603020101020101" pitchFamily="18" charset="-127"/>
+              <a:ea typeface="한컴 윤고딕 230" panose="02020603020101020101" pitchFamily="18" charset="-127"/>
+            </a:endParaRPr>
+          </a:p>
+        </p:txBody>
+      </p:sp>
       <p:sp>
         <p:nvSpPr>
-          <p:cNvPr id="28" name="TextBox 27"/>
+          <p:cNvPr id="25" name="TextBox 24"/>
           <p:cNvSpPr txBox="1"/>
           <p:nvPr/>
         </p:nvSpPr>
@@ -18136,10 +22743,58 @@
           </a:p>
         </p:txBody>
       </p:sp>
+      <p:pic>
+        <p:nvPicPr>
+          <p:cNvPr id="5" name="그림 4"/>
+          <p:cNvPicPr>
+            <a:picLocks noChangeAspect="1"/>
+          </p:cNvPicPr>
+          <p:nvPr/>
+        </p:nvPicPr>
+        <p:blipFill>
+          <a:blip r:embed="rId3"/>
+          <a:stretch>
+            <a:fillRect/>
+          </a:stretch>
+        </p:blipFill>
+        <p:spPr>
+          <a:xfrm>
+            <a:off x="739140" y="1665923"/>
+            <a:ext cx="4975860" cy="688658"/>
+          </a:xfrm>
+          <a:prstGeom prst="rect">
+            <a:avLst/>
+          </a:prstGeom>
+        </p:spPr>
+      </p:pic>
+      <p:pic>
+        <p:nvPicPr>
+          <p:cNvPr id="10" name="그림 9"/>
+          <p:cNvPicPr>
+            <a:picLocks noChangeAspect="1"/>
+          </p:cNvPicPr>
+          <p:nvPr/>
+        </p:nvPicPr>
+        <p:blipFill>
+          <a:blip r:embed="rId4"/>
+          <a:stretch>
+            <a:fillRect/>
+          </a:stretch>
+        </p:blipFill>
+        <p:spPr>
+          <a:xfrm>
+            <a:off x="1143024" y="2770935"/>
+            <a:ext cx="3286125" cy="695325"/>
+          </a:xfrm>
+          <a:prstGeom prst="rect">
+            <a:avLst/>
+          </a:prstGeom>
+        </p:spPr>
+      </p:pic>
     </p:spTree>
     <p:extLst>
       <p:ext uri="{BB962C8B-B14F-4D97-AF65-F5344CB8AC3E}">
-        <p14:creationId xmlns:p14="http://schemas.microsoft.com/office/powerpoint/2010/main" val="2003896356"/>
+        <p14:creationId xmlns:p14="http://schemas.microsoft.com/office/powerpoint/2010/main" val="1031436561"/>
       </p:ext>
     </p:extLst>
   </p:cSld>
